--- a/计算机课程/关键阶段一/一年级/U1 - 计算系统和网络 – 我们身边的科技/L1 - 我们教室里的科技/A1 解析 - 这是科技吗.pptx
+++ b/计算机课程/关键阶段一/一年级/U1 - 计算系统和网络 – 我们身边的科技/L1 - 我们教室里的科技/A1 解析 - 这是科技吗.pptx
@@ -1,31 +1,31 @@
 
 <file path=ppt/presentation.xml><?xml version="1.0" encoding="utf-8"?>
-<p:presentation xmlns:a="http://schemas.openxmlformats.org/drawingml/2006/main" xmlns:r="http://schemas.openxmlformats.org/officeDocument/2006/relationships" xmlns:mc="http://schemas.openxmlformats.org/markup-compatibility/2006" xmlns:mv="urn:schemas-microsoft-com:mac:vml" xmlns:p="http://schemas.openxmlformats.org/presentationml/2006/main" xmlns:c="http://schemas.openxmlformats.org/drawingml/2006/chart" xmlns:dgm="http://schemas.openxmlformats.org/drawingml/2006/diagram" xmlns:o="urn:schemas-microsoft-com:office:office" xmlns:v="urn:schemas-microsoft-com:vml" xmlns:pvml="urn:schemas-microsoft-com:office:powerpoint" xmlns:com="http://schemas.openxmlformats.org/drawingml/2006/compatibility" xmlns:p14="http://schemas.microsoft.com/office/powerpoint/2010/main" xmlns:p15="http://schemas.microsoft.com/office/powerpoint/2012/main" xmlns:ahyp="http://schemas.microsoft.com/office/drawing/2018/hyperlinkcolor" autoCompressPictures="0" embedTrueTypeFonts="1" strictFirstAndLastChars="0" saveSubsetFonts="1">
+<p:presentation xmlns:a="http://schemas.openxmlformats.org/drawingml/2006/main" xmlns:r="http://schemas.openxmlformats.org/officeDocument/2006/relationships" xmlns:p="http://schemas.openxmlformats.org/presentationml/2006/main" strictFirstAndLastChars="0" embedTrueTypeFonts="1" saveSubsetFonts="1" autoCompressPictures="0">
   <p:sldMasterIdLst>
-    <p:sldMasterId id="2147483659" r:id="rId4"/>
+    <p:sldMasterId id="2147483659" r:id="rId1"/>
   </p:sldMasterIdLst>
   <p:notesMasterIdLst>
-    <p:notesMasterId r:id="rId5"/>
+    <p:notesMasterId r:id="rId3"/>
   </p:notesMasterIdLst>
   <p:sldIdLst>
-    <p:sldId id="256" r:id="rId6"/>
+    <p:sldId id="256" r:id="rId2"/>
   </p:sldIdLst>
-  <p:sldSz cy="7560000" cx="10692000"/>
-  <p:notesSz cx="7560000" cy="10692000"/>
+  <p:sldSz cx="10691813" cy="7559675"/>
+  <p:notesSz cx="7559675" cy="10691813"/>
   <p:embeddedFontLst>
     <p:embeddedFont>
-      <p:font typeface="Quicksand"/>
-      <p:regular r:id="rId7"/>
-      <p:bold r:id="rId8"/>
+      <p:font typeface="Quicksand" panose="02010600030101010101" charset="0"/>
+      <p:regular r:id="rId4"/>
+      <p:bold r:id="rId5"/>
     </p:embeddedFont>
     <p:embeddedFont>
-      <p:font typeface="Quicksand Medium"/>
-      <p:regular r:id="rId9"/>
-      <p:bold r:id="rId10"/>
+      <p:font typeface="Quicksand Medium" panose="02010600030101010101" charset="0"/>
+      <p:regular r:id="rId6"/>
+      <p:bold r:id="rId7"/>
     </p:embeddedFont>
   </p:embeddedFontLst>
   <p:defaultTextStyle>
-    <a:defPPr lvl="0" marR="0" rtl="0" algn="l">
+    <a:defPPr marR="0" lvl="0" algn="l" rtl="0">
       <a:lnSpc>
         <a:spcPct val="100000"/>
       </a:lnSpc>
@@ -36,7 +36,7 @@
         <a:spcPts val="0"/>
       </a:spcAft>
     </a:defPPr>
-    <a:lvl1pPr lvl="0" marR="0" rtl="0" algn="l">
+    <a:lvl1pPr marR="0" lvl="0" algn="l" rtl="0">
       <a:lnSpc>
         <a:spcPct val="100000"/>
       </a:lnSpc>
@@ -50,7 +50,7 @@
         <a:srgbClr val="000000"/>
       </a:buClr>
       <a:buFont typeface="Arial"/>
-      <a:defRPr b="0" i="0" sz="1400" u="none" cap="none" strike="noStrike">
+      <a:defRPr sz="1400" b="0" i="0" u="none" strike="noStrike" cap="none">
         <a:solidFill>
           <a:srgbClr val="000000"/>
         </a:solidFill>
@@ -60,7 +60,7 @@
         <a:sym typeface="Arial"/>
       </a:defRPr>
     </a:lvl1pPr>
-    <a:lvl2pPr lvl="1" marR="0" rtl="0" algn="l">
+    <a:lvl2pPr marR="0" lvl="1" algn="l" rtl="0">
       <a:lnSpc>
         <a:spcPct val="100000"/>
       </a:lnSpc>
@@ -74,7 +74,7 @@
         <a:srgbClr val="000000"/>
       </a:buClr>
       <a:buFont typeface="Arial"/>
-      <a:defRPr b="0" i="0" sz="1400" u="none" cap="none" strike="noStrike">
+      <a:defRPr sz="1400" b="0" i="0" u="none" strike="noStrike" cap="none">
         <a:solidFill>
           <a:srgbClr val="000000"/>
         </a:solidFill>
@@ -84,7 +84,7 @@
         <a:sym typeface="Arial"/>
       </a:defRPr>
     </a:lvl2pPr>
-    <a:lvl3pPr lvl="2" marR="0" rtl="0" algn="l">
+    <a:lvl3pPr marR="0" lvl="2" algn="l" rtl="0">
       <a:lnSpc>
         <a:spcPct val="100000"/>
       </a:lnSpc>
@@ -98,7 +98,7 @@
         <a:srgbClr val="000000"/>
       </a:buClr>
       <a:buFont typeface="Arial"/>
-      <a:defRPr b="0" i="0" sz="1400" u="none" cap="none" strike="noStrike">
+      <a:defRPr sz="1400" b="0" i="0" u="none" strike="noStrike" cap="none">
         <a:solidFill>
           <a:srgbClr val="000000"/>
         </a:solidFill>
@@ -108,7 +108,7 @@
         <a:sym typeface="Arial"/>
       </a:defRPr>
     </a:lvl3pPr>
-    <a:lvl4pPr lvl="3" marR="0" rtl="0" algn="l">
+    <a:lvl4pPr marR="0" lvl="3" algn="l" rtl="0">
       <a:lnSpc>
         <a:spcPct val="100000"/>
       </a:lnSpc>
@@ -122,7 +122,7 @@
         <a:srgbClr val="000000"/>
       </a:buClr>
       <a:buFont typeface="Arial"/>
-      <a:defRPr b="0" i="0" sz="1400" u="none" cap="none" strike="noStrike">
+      <a:defRPr sz="1400" b="0" i="0" u="none" strike="noStrike" cap="none">
         <a:solidFill>
           <a:srgbClr val="000000"/>
         </a:solidFill>
@@ -132,7 +132,7 @@
         <a:sym typeface="Arial"/>
       </a:defRPr>
     </a:lvl4pPr>
-    <a:lvl5pPr lvl="4" marR="0" rtl="0" algn="l">
+    <a:lvl5pPr marR="0" lvl="4" algn="l" rtl="0">
       <a:lnSpc>
         <a:spcPct val="100000"/>
       </a:lnSpc>
@@ -146,7 +146,7 @@
         <a:srgbClr val="000000"/>
       </a:buClr>
       <a:buFont typeface="Arial"/>
-      <a:defRPr b="0" i="0" sz="1400" u="none" cap="none" strike="noStrike">
+      <a:defRPr sz="1400" b="0" i="0" u="none" strike="noStrike" cap="none">
         <a:solidFill>
           <a:srgbClr val="000000"/>
         </a:solidFill>
@@ -156,7 +156,7 @@
         <a:sym typeface="Arial"/>
       </a:defRPr>
     </a:lvl5pPr>
-    <a:lvl6pPr lvl="5" marR="0" rtl="0" algn="l">
+    <a:lvl6pPr marR="0" lvl="5" algn="l" rtl="0">
       <a:lnSpc>
         <a:spcPct val="100000"/>
       </a:lnSpc>
@@ -170,7 +170,7 @@
         <a:srgbClr val="000000"/>
       </a:buClr>
       <a:buFont typeface="Arial"/>
-      <a:defRPr b="0" i="0" sz="1400" u="none" cap="none" strike="noStrike">
+      <a:defRPr sz="1400" b="0" i="0" u="none" strike="noStrike" cap="none">
         <a:solidFill>
           <a:srgbClr val="000000"/>
         </a:solidFill>
@@ -180,7 +180,7 @@
         <a:sym typeface="Arial"/>
       </a:defRPr>
     </a:lvl6pPr>
-    <a:lvl7pPr lvl="6" marR="0" rtl="0" algn="l">
+    <a:lvl7pPr marR="0" lvl="6" algn="l" rtl="0">
       <a:lnSpc>
         <a:spcPct val="100000"/>
       </a:lnSpc>
@@ -194,7 +194,7 @@
         <a:srgbClr val="000000"/>
       </a:buClr>
       <a:buFont typeface="Arial"/>
-      <a:defRPr b="0" i="0" sz="1400" u="none" cap="none" strike="noStrike">
+      <a:defRPr sz="1400" b="0" i="0" u="none" strike="noStrike" cap="none">
         <a:solidFill>
           <a:srgbClr val="000000"/>
         </a:solidFill>
@@ -204,7 +204,7 @@
         <a:sym typeface="Arial"/>
       </a:defRPr>
     </a:lvl7pPr>
-    <a:lvl8pPr lvl="7" marR="0" rtl="0" algn="l">
+    <a:lvl8pPr marR="0" lvl="7" algn="l" rtl="0">
       <a:lnSpc>
         <a:spcPct val="100000"/>
       </a:lnSpc>
@@ -218,7 +218,7 @@
         <a:srgbClr val="000000"/>
       </a:buClr>
       <a:buFont typeface="Arial"/>
-      <a:defRPr b="0" i="0" sz="1400" u="none" cap="none" strike="noStrike">
+      <a:defRPr sz="1400" b="0" i="0" u="none" strike="noStrike" cap="none">
         <a:solidFill>
           <a:srgbClr val="000000"/>
         </a:solidFill>
@@ -228,7 +228,7 @@
         <a:sym typeface="Arial"/>
       </a:defRPr>
     </a:lvl8pPr>
-    <a:lvl9pPr lvl="8" marR="0" rtl="0" algn="l">
+    <a:lvl9pPr marR="0" lvl="8" algn="l" rtl="0">
       <a:lnSpc>
         <a:spcPct val="100000"/>
       </a:lnSpc>
@@ -242,7 +242,7 @@
         <a:srgbClr val="000000"/>
       </a:buClr>
       <a:buFont typeface="Arial"/>
-      <a:defRPr b="0" i="0" sz="1400" u="none" cap="none" strike="noStrike">
+      <a:defRPr sz="1400" b="0" i="0" u="none" strike="noStrike" cap="none">
         <a:solidFill>
           <a:srgbClr val="000000"/>
         </a:solidFill>
@@ -255,7 +255,7 @@
   </p:defaultTextStyle>
   <p:extLst>
     <p:ext uri="{EFAFB233-063F-42B5-8137-9DF3F51BA10A}">
-      <p15:sldGuideLst>
+      <p15:sldGuideLst xmlns:p15="http://schemas.microsoft.com/office/powerpoint/2012/main">
         <p15:guide id="1" orient="horz" pos="2381">
           <p15:clr>
             <a:srgbClr val="A4A3A4"/>
@@ -278,11 +278,16 @@
 </file>
 
 <file path=ppt/notesMasters/notesMaster1.xml><?xml version="1.0" encoding="utf-8"?>
-<p:notesMaster xmlns:a="http://schemas.openxmlformats.org/drawingml/2006/main" xmlns:r="http://schemas.openxmlformats.org/officeDocument/2006/relationships" xmlns:mc="http://schemas.openxmlformats.org/markup-compatibility/2006" xmlns:mv="urn:schemas-microsoft-com:mac:vml" xmlns:p="http://schemas.openxmlformats.org/presentationml/2006/main" xmlns:c="http://schemas.openxmlformats.org/drawingml/2006/chart" xmlns:dgm="http://schemas.openxmlformats.org/drawingml/2006/diagram" xmlns:o="urn:schemas-microsoft-com:office:office" xmlns:v="urn:schemas-microsoft-com:vml" xmlns:pvml="urn:schemas-microsoft-com:office:powerpoint" xmlns:com="http://schemas.openxmlformats.org/drawingml/2006/compatibility" xmlns:p14="http://schemas.microsoft.com/office/powerpoint/2010/main" xmlns:p15="http://schemas.microsoft.com/office/powerpoint/2012/main" xmlns:ahyp="http://schemas.microsoft.com/office/drawing/2018/hyperlinkcolor">
+<p:notesMaster xmlns:a="http://schemas.openxmlformats.org/drawingml/2006/main" xmlns:r="http://schemas.openxmlformats.org/officeDocument/2006/relationships" xmlns:p="http://schemas.openxmlformats.org/presentationml/2006/main">
   <p:cSld>
+    <p:bg>
+      <p:bgRef idx="1001">
+        <a:schemeClr val="bg1"/>
+      </p:bgRef>
+    </p:bg>
     <p:spTree>
       <p:nvGrpSpPr>
-        <p:cNvPr id="2" name="Shape 2"/>
+        <p:cNvPr id="1" name="Shape 2"/>
         <p:cNvGrpSpPr/>
         <p:nvPr/>
       </p:nvGrpSpPr>
@@ -297,9 +302,11 @@
       <p:sp>
         <p:nvSpPr>
           <p:cNvPr id="3" name="Google Shape;3;n"/>
-          <p:cNvSpPr/>
+          <p:cNvSpPr>
+            <a:spLocks noGrp="1" noRot="1" noChangeAspect="1"/>
+          </p:cNvSpPr>
           <p:nvPr>
-            <p:ph idx="2" type="sldImg"/>
+            <p:ph type="sldImg" idx="2"/>
           </p:nvPr>
         </p:nvSpPr>
         <p:spPr>
@@ -308,9 +315,13 @@
             <a:ext cx="4849500" cy="3429000"/>
           </a:xfrm>
           <a:custGeom>
-            <a:rect b="b" l="l" r="r" t="t"/>
+            <a:avLst/>
+            <a:gdLst/>
+            <a:ahLst/>
+            <a:cxnLst/>
+            <a:rect l="l" t="t" r="r" b="b"/>
             <a:pathLst>
-              <a:path extrusionOk="0" h="120000" w="120000">
+              <a:path w="120000" h="120000" extrusionOk="0">
                 <a:moveTo>
                   <a:pt x="0" y="0"/>
                 </a:moveTo>
@@ -328,23 +339,25 @@
             </a:pathLst>
           </a:custGeom>
           <a:noFill/>
-          <a:ln cap="flat" cmpd="sng" w="9525">
+          <a:ln w="9525" cap="flat" cmpd="sng">
             <a:solidFill>
               <a:srgbClr val="000000"/>
             </a:solidFill>
             <a:prstDash val="solid"/>
             <a:round/>
-            <a:headEnd len="sm" w="sm" type="none"/>
-            <a:tailEnd len="sm" w="sm" type="none"/>
+            <a:headEnd type="none" w="sm" len="sm"/>
+            <a:tailEnd type="none" w="sm" len="sm"/>
           </a:ln>
         </p:spPr>
       </p:sp>
       <p:sp>
         <p:nvSpPr>
           <p:cNvPr id="4" name="Google Shape;4;n"/>
-          <p:cNvSpPr txBox="1"/>
+          <p:cNvSpPr txBox="1">
+            <a:spLocks noGrp="1"/>
+          </p:cNvSpPr>
           <p:nvPr>
-            <p:ph idx="1" type="body"/>
+            <p:ph type="body" idx="1"/>
           </p:nvPr>
         </p:nvSpPr>
         <p:spPr>
@@ -361,11 +374,11 @@
           </a:ln>
         </p:spPr>
         <p:txBody>
-          <a:bodyPr anchorCtr="0" anchor="t" bIns="91425" lIns="91425" spcFirstLastPara="1" rIns="91425" wrap="square" tIns="91425">
+          <a:bodyPr spcFirstLastPara="1" wrap="square" lIns="91425" tIns="91425" rIns="91425" bIns="91425" anchor="t" anchorCtr="0">
             <a:noAutofit/>
           </a:bodyPr>
           <a:lstStyle>
-            <a:lvl1pPr indent="-298450" lvl="0" marL="457200">
+            <a:lvl1pPr marL="457200" lvl="0" indent="-298450">
               <a:spcBef>
                 <a:spcPts val="0"/>
               </a:spcBef>
@@ -376,7 +389,7 @@
               <a:buChar char="●"/>
               <a:defRPr sz="1100"/>
             </a:lvl1pPr>
-            <a:lvl2pPr indent="-298450" lvl="1" marL="914400">
+            <a:lvl2pPr marL="914400" lvl="1" indent="-298450">
               <a:spcBef>
                 <a:spcPts val="0"/>
               </a:spcBef>
@@ -387,7 +400,7 @@
               <a:buChar char="○"/>
               <a:defRPr sz="1100"/>
             </a:lvl2pPr>
-            <a:lvl3pPr indent="-298450" lvl="2" marL="1371600">
+            <a:lvl3pPr marL="1371600" lvl="2" indent="-298450">
               <a:spcBef>
                 <a:spcPts val="0"/>
               </a:spcBef>
@@ -398,7 +411,7 @@
               <a:buChar char="■"/>
               <a:defRPr sz="1100"/>
             </a:lvl3pPr>
-            <a:lvl4pPr indent="-298450" lvl="3" marL="1828800">
+            <a:lvl4pPr marL="1828800" lvl="3" indent="-298450">
               <a:spcBef>
                 <a:spcPts val="0"/>
               </a:spcBef>
@@ -409,7 +422,7 @@
               <a:buChar char="●"/>
               <a:defRPr sz="1100"/>
             </a:lvl4pPr>
-            <a:lvl5pPr indent="-298450" lvl="4" marL="2286000">
+            <a:lvl5pPr marL="2286000" lvl="4" indent="-298450">
               <a:spcBef>
                 <a:spcPts val="0"/>
               </a:spcBef>
@@ -420,7 +433,7 @@
               <a:buChar char="○"/>
               <a:defRPr sz="1100"/>
             </a:lvl5pPr>
-            <a:lvl6pPr indent="-298450" lvl="5" marL="2743200">
+            <a:lvl6pPr marL="2743200" lvl="5" indent="-298450">
               <a:spcBef>
                 <a:spcPts val="0"/>
               </a:spcBef>
@@ -431,7 +444,7 @@
               <a:buChar char="■"/>
               <a:defRPr sz="1100"/>
             </a:lvl6pPr>
-            <a:lvl7pPr indent="-298450" lvl="6" marL="3200400">
+            <a:lvl7pPr marL="3200400" lvl="6" indent="-298450">
               <a:spcBef>
                 <a:spcPts val="0"/>
               </a:spcBef>
@@ -442,7 +455,7 @@
               <a:buChar char="●"/>
               <a:defRPr sz="1100"/>
             </a:lvl7pPr>
-            <a:lvl8pPr indent="-298450" lvl="7" marL="3657600">
+            <a:lvl8pPr marL="3657600" lvl="7" indent="-298450">
               <a:spcBef>
                 <a:spcPts val="0"/>
               </a:spcBef>
@@ -453,7 +466,7 @@
               <a:buChar char="○"/>
               <a:defRPr sz="1100"/>
             </a:lvl8pPr>
-            <a:lvl9pPr indent="-298450" lvl="8" marL="4114800">
+            <a:lvl9pPr marL="4114800" lvl="8" indent="-298450">
               <a:spcBef>
                 <a:spcPts val="0"/>
               </a:spcBef>
@@ -465,14 +478,16 @@
               <a:defRPr sz="1100"/>
             </a:lvl9pPr>
           </a:lstStyle>
-          <a:p/>
+          <a:p>
+            <a:endParaRPr/>
+          </a:p>
         </p:txBody>
       </p:sp>
     </p:spTree>
   </p:cSld>
-  <p:clrMap accent1="accent1" accent2="accent2" accent3="accent3" accent4="accent4" accent5="accent5" accent6="accent6" bg1="lt1" bg2="dk2" tx1="dk1" tx2="lt2" folHlink="folHlink" hlink="hlink"/>
+  <p:clrMap bg1="lt1" tx1="dk1" bg2="dk2" tx2="lt2" accent1="accent1" accent2="accent2" accent3="accent3" accent4="accent4" accent5="accent5" accent6="accent6" hlink="hlink" folHlink="folHlink"/>
   <p:notesStyle>
-    <a:defPPr lvl="0" marR="0" rtl="0" algn="l">
+    <a:defPPr marR="0" lvl="0" algn="l" rtl="0">
       <a:lnSpc>
         <a:spcPct val="100000"/>
       </a:lnSpc>
@@ -483,7 +498,7 @@
         <a:spcPts val="0"/>
       </a:spcAft>
     </a:defPPr>
-    <a:lvl1pPr lvl="0" marR="0" rtl="0" algn="l">
+    <a:lvl1pPr marR="0" lvl="0" algn="l" rtl="0">
       <a:lnSpc>
         <a:spcPct val="100000"/>
       </a:lnSpc>
@@ -497,7 +512,7 @@
         <a:srgbClr val="000000"/>
       </a:buClr>
       <a:buFont typeface="Arial"/>
-      <a:defRPr b="0" i="0" sz="1400" u="none" cap="none" strike="noStrike">
+      <a:defRPr sz="1400" b="0" i="0" u="none" strike="noStrike" cap="none">
         <a:solidFill>
           <a:srgbClr val="000000"/>
         </a:solidFill>
@@ -507,7 +522,7 @@
         <a:sym typeface="Arial"/>
       </a:defRPr>
     </a:lvl1pPr>
-    <a:lvl2pPr lvl="1" marR="0" rtl="0" algn="l">
+    <a:lvl2pPr marR="0" lvl="1" algn="l" rtl="0">
       <a:lnSpc>
         <a:spcPct val="100000"/>
       </a:lnSpc>
@@ -521,7 +536,7 @@
         <a:srgbClr val="000000"/>
       </a:buClr>
       <a:buFont typeface="Arial"/>
-      <a:defRPr b="0" i="0" sz="1400" u="none" cap="none" strike="noStrike">
+      <a:defRPr sz="1400" b="0" i="0" u="none" strike="noStrike" cap="none">
         <a:solidFill>
           <a:srgbClr val="000000"/>
         </a:solidFill>
@@ -531,7 +546,7 @@
         <a:sym typeface="Arial"/>
       </a:defRPr>
     </a:lvl2pPr>
-    <a:lvl3pPr lvl="2" marR="0" rtl="0" algn="l">
+    <a:lvl3pPr marR="0" lvl="2" algn="l" rtl="0">
       <a:lnSpc>
         <a:spcPct val="100000"/>
       </a:lnSpc>
@@ -545,7 +560,7 @@
         <a:srgbClr val="000000"/>
       </a:buClr>
       <a:buFont typeface="Arial"/>
-      <a:defRPr b="0" i="0" sz="1400" u="none" cap="none" strike="noStrike">
+      <a:defRPr sz="1400" b="0" i="0" u="none" strike="noStrike" cap="none">
         <a:solidFill>
           <a:srgbClr val="000000"/>
         </a:solidFill>
@@ -555,7 +570,7 @@
         <a:sym typeface="Arial"/>
       </a:defRPr>
     </a:lvl3pPr>
-    <a:lvl4pPr lvl="3" marR="0" rtl="0" algn="l">
+    <a:lvl4pPr marR="0" lvl="3" algn="l" rtl="0">
       <a:lnSpc>
         <a:spcPct val="100000"/>
       </a:lnSpc>
@@ -569,7 +584,7 @@
         <a:srgbClr val="000000"/>
       </a:buClr>
       <a:buFont typeface="Arial"/>
-      <a:defRPr b="0" i="0" sz="1400" u="none" cap="none" strike="noStrike">
+      <a:defRPr sz="1400" b="0" i="0" u="none" strike="noStrike" cap="none">
         <a:solidFill>
           <a:srgbClr val="000000"/>
         </a:solidFill>
@@ -579,7 +594,7 @@
         <a:sym typeface="Arial"/>
       </a:defRPr>
     </a:lvl4pPr>
-    <a:lvl5pPr lvl="4" marR="0" rtl="0" algn="l">
+    <a:lvl5pPr marR="0" lvl="4" algn="l" rtl="0">
       <a:lnSpc>
         <a:spcPct val="100000"/>
       </a:lnSpc>
@@ -593,7 +608,7 @@
         <a:srgbClr val="000000"/>
       </a:buClr>
       <a:buFont typeface="Arial"/>
-      <a:defRPr b="0" i="0" sz="1400" u="none" cap="none" strike="noStrike">
+      <a:defRPr sz="1400" b="0" i="0" u="none" strike="noStrike" cap="none">
         <a:solidFill>
           <a:srgbClr val="000000"/>
         </a:solidFill>
@@ -603,7 +618,7 @@
         <a:sym typeface="Arial"/>
       </a:defRPr>
     </a:lvl5pPr>
-    <a:lvl6pPr lvl="5" marR="0" rtl="0" algn="l">
+    <a:lvl6pPr marR="0" lvl="5" algn="l" rtl="0">
       <a:lnSpc>
         <a:spcPct val="100000"/>
       </a:lnSpc>
@@ -617,7 +632,7 @@
         <a:srgbClr val="000000"/>
       </a:buClr>
       <a:buFont typeface="Arial"/>
-      <a:defRPr b="0" i="0" sz="1400" u="none" cap="none" strike="noStrike">
+      <a:defRPr sz="1400" b="0" i="0" u="none" strike="noStrike" cap="none">
         <a:solidFill>
           <a:srgbClr val="000000"/>
         </a:solidFill>
@@ -627,7 +642,7 @@
         <a:sym typeface="Arial"/>
       </a:defRPr>
     </a:lvl6pPr>
-    <a:lvl7pPr lvl="6" marR="0" rtl="0" algn="l">
+    <a:lvl7pPr marR="0" lvl="6" algn="l" rtl="0">
       <a:lnSpc>
         <a:spcPct val="100000"/>
       </a:lnSpc>
@@ -641,7 +656,7 @@
         <a:srgbClr val="000000"/>
       </a:buClr>
       <a:buFont typeface="Arial"/>
-      <a:defRPr b="0" i="0" sz="1400" u="none" cap="none" strike="noStrike">
+      <a:defRPr sz="1400" b="0" i="0" u="none" strike="noStrike" cap="none">
         <a:solidFill>
           <a:srgbClr val="000000"/>
         </a:solidFill>
@@ -651,7 +666,7 @@
         <a:sym typeface="Arial"/>
       </a:defRPr>
     </a:lvl7pPr>
-    <a:lvl8pPr lvl="7" marR="0" rtl="0" algn="l">
+    <a:lvl8pPr marR="0" lvl="7" algn="l" rtl="0">
       <a:lnSpc>
         <a:spcPct val="100000"/>
       </a:lnSpc>
@@ -665,7 +680,7 @@
         <a:srgbClr val="000000"/>
       </a:buClr>
       <a:buFont typeface="Arial"/>
-      <a:defRPr b="0" i="0" sz="1400" u="none" cap="none" strike="noStrike">
+      <a:defRPr sz="1400" b="0" i="0" u="none" strike="noStrike" cap="none">
         <a:solidFill>
           <a:srgbClr val="000000"/>
         </a:solidFill>
@@ -675,7 +690,7 @@
         <a:sym typeface="Arial"/>
       </a:defRPr>
     </a:lvl8pPr>
-    <a:lvl9pPr lvl="8" marR="0" rtl="0" algn="l">
+    <a:lvl9pPr marR="0" lvl="8" algn="l" rtl="0">
       <a:lnSpc>
         <a:spcPct val="100000"/>
       </a:lnSpc>
@@ -689,7 +704,7 @@
         <a:srgbClr val="000000"/>
       </a:buClr>
       <a:buFont typeface="Arial"/>
-      <a:defRPr b="0" i="0" sz="1400" u="none" cap="none" strike="noStrike">
+      <a:defRPr sz="1400" b="0" i="0" u="none" strike="noStrike" cap="none">
         <a:solidFill>
           <a:srgbClr val="000000"/>
         </a:solidFill>
@@ -704,11 +719,11 @@
 </file>
 
 <file path=ppt/notesSlides/notesSlide1.xml><?xml version="1.0" encoding="utf-8"?>
-<p:notes xmlns:a="http://schemas.openxmlformats.org/drawingml/2006/main" xmlns:r="http://schemas.openxmlformats.org/officeDocument/2006/relationships" xmlns:mc="http://schemas.openxmlformats.org/markup-compatibility/2006" xmlns:mv="urn:schemas-microsoft-com:mac:vml" xmlns:p="http://schemas.openxmlformats.org/presentationml/2006/main" xmlns:c="http://schemas.openxmlformats.org/drawingml/2006/chart" xmlns:dgm="http://schemas.openxmlformats.org/drawingml/2006/diagram" xmlns:o="urn:schemas-microsoft-com:office:office" xmlns:v="urn:schemas-microsoft-com:vml" xmlns:pvml="urn:schemas-microsoft-com:office:powerpoint" xmlns:com="http://schemas.openxmlformats.org/drawingml/2006/compatibility" xmlns:p14="http://schemas.microsoft.com/office/powerpoint/2010/main" xmlns:p15="http://schemas.microsoft.com/office/powerpoint/2012/main" xmlns:ahyp="http://schemas.microsoft.com/office/drawing/2018/hyperlinkcolor" showMasterPhAnim="0" showMasterSp="0">
+<p:notes xmlns:a="http://schemas.openxmlformats.org/drawingml/2006/main" xmlns:r="http://schemas.openxmlformats.org/officeDocument/2006/relationships" xmlns:p="http://schemas.openxmlformats.org/presentationml/2006/main" showMasterSp="0" showMasterPhAnim="0">
   <p:cSld>
     <p:spTree>
       <p:nvGrpSpPr>
-        <p:cNvPr id="66" name="Shape 66"/>
+        <p:cNvPr id="1" name="Shape 66"/>
         <p:cNvGrpSpPr/>
         <p:nvPr/>
       </p:nvGrpSpPr>
@@ -723,20 +738,26 @@
       <p:sp>
         <p:nvSpPr>
           <p:cNvPr id="67" name="Google Shape;67;gde6e8d51e9_0_57:notes"/>
-          <p:cNvSpPr/>
+          <p:cNvSpPr>
+            <a:spLocks noGrp="1" noRot="1" noChangeAspect="1"/>
+          </p:cNvSpPr>
           <p:nvPr>
-            <p:ph idx="2" type="sldImg"/>
+            <p:ph type="sldImg" idx="2"/>
           </p:nvPr>
         </p:nvSpPr>
         <p:spPr>
           <a:xfrm>
-            <a:off x="911226" y="586509"/>
-            <a:ext cx="4399500" cy="2932500"/>
+            <a:off x="1036638" y="585788"/>
+            <a:ext cx="4148137" cy="2933700"/>
           </a:xfrm>
           <a:custGeom>
-            <a:rect b="b" l="l" r="r" t="t"/>
+            <a:avLst/>
+            <a:gdLst/>
+            <a:ahLst/>
+            <a:cxnLst/>
+            <a:rect l="l" t="t" r="r" b="b"/>
             <a:pathLst>
-              <a:path extrusionOk="0" h="120000" w="120000">
+              <a:path w="120000" h="120000" extrusionOk="0">
                 <a:moveTo>
                   <a:pt x="0" y="0"/>
                 </a:moveTo>
@@ -758,9 +779,11 @@
       <p:sp>
         <p:nvSpPr>
           <p:cNvPr id="68" name="Google Shape;68;gde6e8d51e9_0_57:notes"/>
-          <p:cNvSpPr txBox="1"/>
+          <p:cNvSpPr txBox="1">
+            <a:spLocks noGrp="1"/>
+          </p:cNvSpPr>
           <p:nvPr>
-            <p:ph idx="1" type="body"/>
+            <p:ph type="body" idx="1"/>
           </p:nvPr>
         </p:nvSpPr>
         <p:spPr>
@@ -773,12 +796,12 @@
           </a:prstGeom>
         </p:spPr>
         <p:txBody>
-          <a:bodyPr anchorCtr="0" anchor="t" bIns="91425" lIns="91425" spcFirstLastPara="1" rIns="91425" wrap="square" tIns="91425">
+          <a:bodyPr spcFirstLastPara="1" wrap="square" lIns="91425" tIns="91425" rIns="91425" bIns="91425" anchor="t" anchorCtr="0">
             <a:noAutofit/>
           </a:bodyPr>
           <a:lstStyle/>
           <a:p>
-            <a:pPr indent="0" lvl="0" marL="0" rtl="0" algn="l">
+            <a:pPr marL="0" lvl="0" indent="0" algn="l" rtl="0">
               <a:spcBef>
                 <a:spcPts val="0"/>
               </a:spcBef>
@@ -789,16 +812,12 @@
             </a:pPr>
             <a:r>
               <a:rPr lang="en-GB"/>
-              <a:t>Last updated:</a:t>
-            </a:r>
-            <a:r>
-              <a:rPr lang="en-GB"/>
-              <a:t>03-06-21</a:t>
+              <a:t>Last updated:03-06-21</a:t>
             </a:r>
             <a:endParaRPr/>
           </a:p>
           <a:p>
-            <a:pPr indent="0" lvl="0" marL="0" rtl="0" algn="l">
+            <a:pPr marL="0" lvl="0" indent="0" algn="l" rtl="0">
               <a:spcBef>
                 <a:spcPts val="0"/>
               </a:spcBef>
@@ -807,13 +826,10 @@
               </a:spcAft>
               <a:buNone/>
             </a:pPr>
-            <a:r>
-              <a:t/>
-            </a:r>
             <a:endParaRPr/>
           </a:p>
           <a:p>
-            <a:pPr indent="0" lvl="0" marL="0" rtl="0" algn="l">
+            <a:pPr marL="0" lvl="0" indent="0" algn="l" rtl="0">
               <a:spcBef>
                 <a:spcPts val="0"/>
               </a:spcBef>
@@ -822,9 +838,6 @@
               </a:spcAft>
               <a:buNone/>
             </a:pPr>
-            <a:r>
-              <a:t/>
-            </a:r>
             <a:endParaRPr/>
           </a:p>
         </p:txBody>
@@ -838,11 +851,11 @@
 </file>
 
 <file path=ppt/slideLayouts/slideLayout1.xml><?xml version="1.0" encoding="utf-8"?>
-<p:sldLayout xmlns:a="http://schemas.openxmlformats.org/drawingml/2006/main" xmlns:r="http://schemas.openxmlformats.org/officeDocument/2006/relationships" xmlns:mc="http://schemas.openxmlformats.org/markup-compatibility/2006" xmlns:mv="urn:schemas-microsoft-com:mac:vml" xmlns:p="http://schemas.openxmlformats.org/presentationml/2006/main" xmlns:c="http://schemas.openxmlformats.org/drawingml/2006/chart" xmlns:dgm="http://schemas.openxmlformats.org/drawingml/2006/diagram" xmlns:o="urn:schemas-microsoft-com:office:office" xmlns:v="urn:schemas-microsoft-com:vml" xmlns:pvml="urn:schemas-microsoft-com:office:powerpoint" xmlns:com="http://schemas.openxmlformats.org/drawingml/2006/compatibility" xmlns:p14="http://schemas.microsoft.com/office/powerpoint/2010/main" xmlns:p15="http://schemas.microsoft.com/office/powerpoint/2012/main" xmlns:ahyp="http://schemas.microsoft.com/office/drawing/2018/hyperlinkcolor" matchingName="Title Slide">
+<p:sldLayout xmlns:a="http://schemas.openxmlformats.org/drawingml/2006/main" xmlns:r="http://schemas.openxmlformats.org/officeDocument/2006/relationships" xmlns:p="http://schemas.openxmlformats.org/presentationml/2006/main" matchingName="Title Slide">
   <p:cSld name="TITLE_3">
     <p:spTree>
       <p:nvGrpSpPr>
-        <p:cNvPr id="9" name="Shape 9"/>
+        <p:cNvPr id="1" name="Shape 9"/>
         <p:cNvGrpSpPr/>
         <p:nvPr/>
       </p:nvGrpSpPr>
@@ -857,9 +870,11 @@
       <p:sp>
         <p:nvSpPr>
           <p:cNvPr id="10" name="Google Shape;10;p2"/>
-          <p:cNvSpPr txBox="1"/>
+          <p:cNvSpPr txBox="1">
+            <a:spLocks noGrp="1"/>
+          </p:cNvSpPr>
           <p:nvPr>
-            <p:ph idx="1" type="subTitle"/>
+            <p:ph type="subTitle" idx="1"/>
           </p:nvPr>
         </p:nvSpPr>
         <p:spPr>
@@ -872,11 +887,11 @@
           </a:prstGeom>
         </p:spPr>
         <p:txBody>
-          <a:bodyPr anchorCtr="0" anchor="ctr" bIns="116050" lIns="116050" spcFirstLastPara="1" rIns="0" wrap="square" tIns="116050">
+          <a:bodyPr spcFirstLastPara="1" wrap="square" lIns="116050" tIns="116050" rIns="0" bIns="116050" anchor="ctr" anchorCtr="0">
             <a:noAutofit/>
           </a:bodyPr>
           <a:lstStyle>
-            <a:lvl1pPr lvl="0" rtl="0" algn="r">
+            <a:lvl1pPr lvl="0" algn="r" rtl="0">
               <a:lnSpc>
                 <a:spcPct val="100000"/>
               </a:lnSpc>
@@ -897,7 +912,7 @@
                 <a:sym typeface="Quicksand Medium"/>
               </a:defRPr>
             </a:lvl1pPr>
-            <a:lvl2pPr lvl="1" rtl="0" algn="r">
+            <a:lvl2pPr lvl="1" algn="r" rtl="0">
               <a:spcBef>
                 <a:spcPts val="0"/>
               </a:spcBef>
@@ -907,7 +922,7 @@
               <a:buNone/>
               <a:defRPr/>
             </a:lvl2pPr>
-            <a:lvl3pPr lvl="2" rtl="0" algn="r">
+            <a:lvl3pPr lvl="2" algn="r" rtl="0">
               <a:spcBef>
                 <a:spcPts val="2000"/>
               </a:spcBef>
@@ -917,7 +932,7 @@
               <a:buNone/>
               <a:defRPr/>
             </a:lvl3pPr>
-            <a:lvl4pPr lvl="3" rtl="0" algn="r">
+            <a:lvl4pPr lvl="3" algn="r" rtl="0">
               <a:spcBef>
                 <a:spcPts val="2000"/>
               </a:spcBef>
@@ -927,7 +942,7 @@
               <a:buNone/>
               <a:defRPr/>
             </a:lvl4pPr>
-            <a:lvl5pPr lvl="4" rtl="0" algn="r">
+            <a:lvl5pPr lvl="4" algn="r" rtl="0">
               <a:spcBef>
                 <a:spcPts val="2000"/>
               </a:spcBef>
@@ -937,7 +952,7 @@
               <a:buNone/>
               <a:defRPr/>
             </a:lvl5pPr>
-            <a:lvl6pPr lvl="5" rtl="0" algn="r">
+            <a:lvl6pPr lvl="5" algn="r" rtl="0">
               <a:spcBef>
                 <a:spcPts val="2000"/>
               </a:spcBef>
@@ -947,7 +962,7 @@
               <a:buNone/>
               <a:defRPr/>
             </a:lvl6pPr>
-            <a:lvl7pPr lvl="6" rtl="0" algn="r">
+            <a:lvl7pPr lvl="6" algn="r" rtl="0">
               <a:spcBef>
                 <a:spcPts val="2000"/>
               </a:spcBef>
@@ -957,7 +972,7 @@
               <a:buNone/>
               <a:defRPr/>
             </a:lvl7pPr>
-            <a:lvl8pPr lvl="7" rtl="0" algn="r">
+            <a:lvl8pPr lvl="7" algn="r" rtl="0">
               <a:spcBef>
                 <a:spcPts val="2000"/>
               </a:spcBef>
@@ -967,7 +982,7 @@
               <a:buNone/>
               <a:defRPr/>
             </a:lvl8pPr>
-            <a:lvl9pPr lvl="8" rtl="0" algn="r">
+            <a:lvl9pPr lvl="8" algn="r" rtl="0">
               <a:spcBef>
                 <a:spcPts val="2000"/>
               </a:spcBef>
@@ -978,13 +993,17 @@
               <a:defRPr/>
             </a:lvl9pPr>
           </a:lstStyle>
-          <a:p/>
+          <a:p>
+            <a:endParaRPr/>
+          </a:p>
         </p:txBody>
       </p:sp>
       <p:sp>
         <p:nvSpPr>
           <p:cNvPr id="11" name="Google Shape;11;p2"/>
-          <p:cNvSpPr txBox="1"/>
+          <p:cNvSpPr txBox="1">
+            <a:spLocks noGrp="1"/>
+          </p:cNvSpPr>
           <p:nvPr>
             <p:ph type="title"/>
           </p:nvPr>
@@ -999,7 +1018,7 @@
           </a:prstGeom>
         </p:spPr>
         <p:txBody>
-          <a:bodyPr anchorCtr="0" anchor="t" bIns="116050" lIns="116050" spcFirstLastPara="1" rIns="116050" wrap="square" tIns="116050">
+          <a:bodyPr spcFirstLastPara="1" wrap="square" lIns="116050" tIns="116050" rIns="116050" bIns="116050" anchor="t" anchorCtr="0">
             <a:noAutofit/>
           </a:bodyPr>
           <a:lstStyle>
@@ -1094,15 +1113,19 @@
               <a:defRPr/>
             </a:lvl9pPr>
           </a:lstStyle>
-          <a:p/>
+          <a:p>
+            <a:endParaRPr/>
+          </a:p>
         </p:txBody>
       </p:sp>
       <p:sp>
         <p:nvSpPr>
           <p:cNvPr id="12" name="Google Shape;12;p2"/>
-          <p:cNvSpPr txBox="1"/>
+          <p:cNvSpPr txBox="1">
+            <a:spLocks noGrp="1"/>
+          </p:cNvSpPr>
           <p:nvPr>
-            <p:ph idx="2" type="subTitle"/>
+            <p:ph type="subTitle" idx="2"/>
           </p:nvPr>
         </p:nvSpPr>
         <p:spPr>
@@ -1115,7 +1138,7 @@
           </a:prstGeom>
         </p:spPr>
         <p:txBody>
-          <a:bodyPr anchorCtr="0" anchor="t" bIns="116050" lIns="116050" spcFirstLastPara="1" rIns="116050" wrap="square" tIns="116050">
+          <a:bodyPr spcFirstLastPara="1" wrap="square" lIns="116050" tIns="116050" rIns="116050" bIns="116050" anchor="t" anchorCtr="0">
             <a:noAutofit/>
           </a:bodyPr>
           <a:lstStyle>
@@ -1214,7 +1237,9 @@
               <a:defRPr/>
             </a:lvl9pPr>
           </a:lstStyle>
-          <a:p/>
+          <a:p>
+            <a:endParaRPr/>
+          </a:p>
         </p:txBody>
       </p:sp>
       <p:pic>
@@ -1254,11 +1279,11 @@
 </file>
 
 <file path=ppt/slideLayouts/slideLayout10.xml><?xml version="1.0" encoding="utf-8"?>
-<p:sldLayout xmlns:a="http://schemas.openxmlformats.org/drawingml/2006/main" xmlns:r="http://schemas.openxmlformats.org/officeDocument/2006/relationships" xmlns:mc="http://schemas.openxmlformats.org/markup-compatibility/2006" xmlns:mv="urn:schemas-microsoft-com:mac:vml" xmlns:p="http://schemas.openxmlformats.org/presentationml/2006/main" xmlns:c="http://schemas.openxmlformats.org/drawingml/2006/chart" xmlns:dgm="http://schemas.openxmlformats.org/drawingml/2006/diagram" xmlns:o="urn:schemas-microsoft-com:office:office" xmlns:v="urn:schemas-microsoft-com:vml" xmlns:pvml="urn:schemas-microsoft-com:office:powerpoint" xmlns:com="http://schemas.openxmlformats.org/drawingml/2006/compatibility" xmlns:p14="http://schemas.microsoft.com/office/powerpoint/2010/main" xmlns:p15="http://schemas.microsoft.com/office/powerpoint/2012/main" xmlns:ahyp="http://schemas.microsoft.com/office/drawing/2018/hyperlinkcolor" matchingName="Large text">
+<p:sldLayout xmlns:a="http://schemas.openxmlformats.org/drawingml/2006/main" xmlns:r="http://schemas.openxmlformats.org/officeDocument/2006/relationships" xmlns:p="http://schemas.openxmlformats.org/presentationml/2006/main" matchingName="Large text">
   <p:cSld name="TITLE_4_1_1_1_1_1_1">
     <p:spTree>
       <p:nvGrpSpPr>
-        <p:cNvPr id="60" name="Shape 60"/>
+        <p:cNvPr id="1" name="Shape 60"/>
         <p:cNvGrpSpPr/>
         <p:nvPr/>
       </p:nvGrpSpPr>
@@ -1273,7 +1298,9 @@
       <p:sp>
         <p:nvSpPr>
           <p:cNvPr id="61" name="Google Shape;61;p11"/>
-          <p:cNvSpPr txBox="1"/>
+          <p:cNvSpPr txBox="1">
+            <a:spLocks noGrp="1"/>
+          </p:cNvSpPr>
           <p:nvPr>
             <p:ph type="title"/>
           </p:nvPr>
@@ -1288,7 +1315,7 @@
           </a:prstGeom>
         </p:spPr>
         <p:txBody>
-          <a:bodyPr anchorCtr="0" anchor="t" bIns="116050" lIns="116050" spcFirstLastPara="1" rIns="116050" wrap="square" tIns="116050">
+          <a:bodyPr spcFirstLastPara="1" wrap="square" lIns="116050" tIns="116050" rIns="116050" bIns="116050" anchor="t" anchorCtr="0">
             <a:noAutofit/>
           </a:bodyPr>
           <a:lstStyle>
@@ -1300,7 +1327,7 @@
                 <a:spcPts val="0"/>
               </a:spcAft>
               <a:buNone/>
-              <a:defRPr b="0" sz="4600">
+              <a:defRPr sz="4600" b="0">
                 <a:latin typeface="Quicksand Medium"/>
                 <a:ea typeface="Quicksand Medium"/>
                 <a:cs typeface="Quicksand Medium"/>
@@ -1388,15 +1415,19 @@
               <a:defRPr/>
             </a:lvl9pPr>
           </a:lstStyle>
-          <a:p/>
+          <a:p>
+            <a:endParaRPr/>
+          </a:p>
         </p:txBody>
       </p:sp>
       <p:sp>
         <p:nvSpPr>
           <p:cNvPr id="62" name="Google Shape;62;p11"/>
-          <p:cNvSpPr txBox="1"/>
+          <p:cNvSpPr txBox="1">
+            <a:spLocks noGrp="1"/>
+          </p:cNvSpPr>
           <p:nvPr>
-            <p:ph idx="12" type="sldNum"/>
+            <p:ph type="sldNum" idx="12"/>
           </p:nvPr>
         </p:nvSpPr>
         <p:spPr>
@@ -1409,7 +1440,7 @@
           </a:prstGeom>
         </p:spPr>
         <p:txBody>
-          <a:bodyPr anchorCtr="0" anchor="t" bIns="116050" lIns="116050" spcFirstLastPara="1" rIns="116050" wrap="square" tIns="116050">
+          <a:bodyPr spcFirstLastPara="1" wrap="square" lIns="116050" tIns="116050" rIns="116050" bIns="116050" anchor="t" anchorCtr="0">
             <a:noAutofit/>
           </a:bodyPr>
           <a:lstStyle>
@@ -1523,7 +1554,7 @@
             </a:lvl9pPr>
           </a:lstStyle>
           <a:p>
-            <a:pPr indent="0" lvl="0" marL="0" rtl="0" algn="ctr">
+            <a:pPr marL="0" lvl="0" indent="0" algn="ctr" rtl="0">
               <a:spcBef>
                 <a:spcPts val="0"/>
               </a:spcBef>
@@ -1543,9 +1574,11 @@
       <p:sp>
         <p:nvSpPr>
           <p:cNvPr id="63" name="Google Shape;63;p11"/>
-          <p:cNvSpPr txBox="1"/>
+          <p:cNvSpPr txBox="1">
+            <a:spLocks noGrp="1"/>
+          </p:cNvSpPr>
           <p:nvPr>
-            <p:ph idx="1" type="subTitle"/>
+            <p:ph type="subTitle" idx="1"/>
           </p:nvPr>
         </p:nvSpPr>
         <p:spPr>
@@ -1558,11 +1591,11 @@
           </a:prstGeom>
         </p:spPr>
         <p:txBody>
-          <a:bodyPr anchorCtr="0" anchor="ctr" bIns="116050" lIns="116050" spcFirstLastPara="1" rIns="0" wrap="square" tIns="116050">
+          <a:bodyPr spcFirstLastPara="1" wrap="square" lIns="116050" tIns="116050" rIns="0" bIns="116050" anchor="ctr" anchorCtr="0">
             <a:noAutofit/>
           </a:bodyPr>
           <a:lstStyle>
-            <a:lvl1pPr lvl="0" rtl="0" algn="r">
+            <a:lvl1pPr lvl="0" algn="r" rtl="0">
               <a:lnSpc>
                 <a:spcPct val="100000"/>
               </a:lnSpc>
@@ -1664,7 +1697,9 @@
               <a:defRPr/>
             </a:lvl9pPr>
           </a:lstStyle>
-          <a:p/>
+          <a:p>
+            <a:endParaRPr/>
+          </a:p>
         </p:txBody>
       </p:sp>
     </p:spTree>
@@ -1676,11 +1711,11 @@
 </file>
 
 <file path=ppt/slideLayouts/slideLayout11.xml><?xml version="1.0" encoding="utf-8"?>
-<p:sldLayout xmlns:a="http://schemas.openxmlformats.org/drawingml/2006/main" xmlns:r="http://schemas.openxmlformats.org/officeDocument/2006/relationships" xmlns:mc="http://schemas.openxmlformats.org/markup-compatibility/2006" xmlns:mv="urn:schemas-microsoft-com:mac:vml" xmlns:p="http://schemas.openxmlformats.org/presentationml/2006/main" xmlns:c="http://schemas.openxmlformats.org/drawingml/2006/chart" xmlns:dgm="http://schemas.openxmlformats.org/drawingml/2006/diagram" xmlns:o="urn:schemas-microsoft-com:office:office" xmlns:v="urn:schemas-microsoft-com:vml" xmlns:pvml="urn:schemas-microsoft-com:office:powerpoint" xmlns:com="http://schemas.openxmlformats.org/drawingml/2006/compatibility" xmlns:p14="http://schemas.microsoft.com/office/powerpoint/2010/main" xmlns:p15="http://schemas.microsoft.com/office/powerpoint/2012/main" xmlns:ahyp="http://schemas.microsoft.com/office/drawing/2018/hyperlinkcolor" matchingName="Blank" type="blank">
+<p:sldLayout xmlns:a="http://schemas.openxmlformats.org/drawingml/2006/main" xmlns:r="http://schemas.openxmlformats.org/officeDocument/2006/relationships" xmlns:p="http://schemas.openxmlformats.org/presentationml/2006/main" matchingName="Blank" type="blank">
   <p:cSld name="BLANK">
     <p:spTree>
       <p:nvGrpSpPr>
-        <p:cNvPr id="64" name="Shape 64"/>
+        <p:cNvPr id="1" name="Shape 64"/>
         <p:cNvGrpSpPr/>
         <p:nvPr/>
       </p:nvGrpSpPr>
@@ -1695,9 +1730,11 @@
       <p:sp>
         <p:nvSpPr>
           <p:cNvPr id="65" name="Google Shape;65;p12"/>
-          <p:cNvSpPr txBox="1"/>
+          <p:cNvSpPr txBox="1">
+            <a:spLocks noGrp="1"/>
+          </p:cNvSpPr>
           <p:nvPr>
-            <p:ph idx="12" type="sldNum"/>
+            <p:ph type="sldNum" idx="12"/>
           </p:nvPr>
         </p:nvSpPr>
         <p:spPr>
@@ -1714,7 +1751,7 @@
           </a:ln>
         </p:spPr>
         <p:txBody>
-          <a:bodyPr anchorCtr="0" anchor="ctr" bIns="91425" lIns="91425" spcFirstLastPara="1" rIns="91425" wrap="square" tIns="91425">
+          <a:bodyPr spcFirstLastPara="1" wrap="square" lIns="91425" tIns="91425" rIns="91425" bIns="91425" anchor="ctr" anchorCtr="0">
             <a:noAutofit/>
           </a:bodyPr>
           <a:lstStyle>
@@ -1756,7 +1793,7 @@
             </a:lvl9pPr>
           </a:lstStyle>
           <a:p>
-            <a:pPr indent="0" lvl="0" marL="0" rtl="0" algn="l">
+            <a:pPr marL="0" lvl="0" indent="0" algn="l" rtl="0">
               <a:spcBef>
                 <a:spcPts val="0"/>
               </a:spcBef>
@@ -1782,11 +1819,11 @@
 </file>
 
 <file path=ppt/slideLayouts/slideLayout2.xml><?xml version="1.0" encoding="utf-8"?>
-<p:sldLayout xmlns:a="http://schemas.openxmlformats.org/drawingml/2006/main" xmlns:r="http://schemas.openxmlformats.org/officeDocument/2006/relationships" xmlns:mc="http://schemas.openxmlformats.org/markup-compatibility/2006" xmlns:mv="urn:schemas-microsoft-com:mac:vml" xmlns:p="http://schemas.openxmlformats.org/presentationml/2006/main" xmlns:c="http://schemas.openxmlformats.org/drawingml/2006/chart" xmlns:dgm="http://schemas.openxmlformats.org/drawingml/2006/diagram" xmlns:o="urn:schemas-microsoft-com:office:office" xmlns:v="urn:schemas-microsoft-com:vml" xmlns:pvml="urn:schemas-microsoft-com:office:powerpoint" xmlns:com="http://schemas.openxmlformats.org/drawingml/2006/compatibility" xmlns:p14="http://schemas.microsoft.com/office/powerpoint/2010/main" xmlns:p15="http://schemas.microsoft.com/office/powerpoint/2012/main" xmlns:ahyp="http://schemas.microsoft.com/office/drawing/2018/hyperlinkcolor" matchingName="Objectives / Questions / Lists">
+<p:sldLayout xmlns:a="http://schemas.openxmlformats.org/drawingml/2006/main" xmlns:r="http://schemas.openxmlformats.org/officeDocument/2006/relationships" xmlns:p="http://schemas.openxmlformats.org/presentationml/2006/main" matchingName="Objectives / Questions / Lists">
   <p:cSld name="TITLE_4_1_1_1_2">
     <p:spTree>
       <p:nvGrpSpPr>
-        <p:cNvPr id="14" name="Shape 14"/>
+        <p:cNvPr id="1" name="Shape 14"/>
         <p:cNvGrpSpPr/>
         <p:nvPr/>
       </p:nvGrpSpPr>
@@ -1801,9 +1838,11 @@
       <p:sp>
         <p:nvSpPr>
           <p:cNvPr id="15" name="Google Shape;15;p3"/>
-          <p:cNvSpPr txBox="1"/>
+          <p:cNvSpPr txBox="1">
+            <a:spLocks noGrp="1"/>
+          </p:cNvSpPr>
           <p:nvPr>
-            <p:ph idx="1" type="body"/>
+            <p:ph type="body" idx="1"/>
           </p:nvPr>
         </p:nvSpPr>
         <p:spPr>
@@ -1819,11 +1858,11 @@
           </a:ln>
         </p:spPr>
         <p:txBody>
-          <a:bodyPr anchorCtr="0" anchor="t" bIns="116050" lIns="116050" spcFirstLastPara="1" rIns="116050" wrap="square" tIns="116050">
+          <a:bodyPr spcFirstLastPara="1" wrap="square" lIns="116050" tIns="116050" rIns="116050" bIns="116050" anchor="t" anchorCtr="0">
             <a:noAutofit/>
           </a:bodyPr>
           <a:lstStyle>
-            <a:lvl1pPr indent="-374650" lvl="0" marL="457200" rtl="0">
+            <a:lvl1pPr marL="457200" lvl="0" indent="-374650" rtl="0">
               <a:lnSpc>
                 <a:spcPct val="115000"/>
               </a:lnSpc>
@@ -1844,7 +1883,7 @@
                 </a:solidFill>
               </a:defRPr>
             </a:lvl1pPr>
-            <a:lvl2pPr indent="-342900" lvl="1" marL="914400" rtl="0">
+            <a:lvl2pPr marL="914400" lvl="1" indent="-342900" rtl="0">
               <a:lnSpc>
                 <a:spcPct val="115000"/>
               </a:lnSpc>
@@ -1865,7 +1904,7 @@
                 </a:solidFill>
               </a:defRPr>
             </a:lvl2pPr>
-            <a:lvl3pPr indent="-342900" lvl="2" marL="1371600" rtl="0">
+            <a:lvl3pPr marL="1371600" lvl="2" indent="-342900" rtl="0">
               <a:lnSpc>
                 <a:spcPct val="115000"/>
               </a:lnSpc>
@@ -1886,7 +1925,7 @@
                 </a:solidFill>
               </a:defRPr>
             </a:lvl3pPr>
-            <a:lvl4pPr indent="-342900" lvl="3" marL="1828800" rtl="0">
+            <a:lvl4pPr marL="1828800" lvl="3" indent="-342900" rtl="0">
               <a:lnSpc>
                 <a:spcPct val="115000"/>
               </a:lnSpc>
@@ -1907,7 +1946,7 @@
                 </a:solidFill>
               </a:defRPr>
             </a:lvl4pPr>
-            <a:lvl5pPr indent="-342900" lvl="4" marL="2286000" rtl="0">
+            <a:lvl5pPr marL="2286000" lvl="4" indent="-342900" rtl="0">
               <a:lnSpc>
                 <a:spcPct val="115000"/>
               </a:lnSpc>
@@ -1928,7 +1967,7 @@
                 </a:solidFill>
               </a:defRPr>
             </a:lvl5pPr>
-            <a:lvl6pPr indent="-342900" lvl="5" marL="2743200" rtl="0">
+            <a:lvl6pPr marL="2743200" lvl="5" indent="-342900" rtl="0">
               <a:lnSpc>
                 <a:spcPct val="115000"/>
               </a:lnSpc>
@@ -1949,7 +1988,7 @@
                 </a:solidFill>
               </a:defRPr>
             </a:lvl6pPr>
-            <a:lvl7pPr indent="-342900" lvl="6" marL="3200400" rtl="0">
+            <a:lvl7pPr marL="3200400" lvl="6" indent="-342900" rtl="0">
               <a:lnSpc>
                 <a:spcPct val="115000"/>
               </a:lnSpc>
@@ -1970,7 +2009,7 @@
                 </a:solidFill>
               </a:defRPr>
             </a:lvl7pPr>
-            <a:lvl8pPr indent="-342900" lvl="7" marL="3657600" rtl="0">
+            <a:lvl8pPr marL="3657600" lvl="7" indent="-342900" rtl="0">
               <a:lnSpc>
                 <a:spcPct val="115000"/>
               </a:lnSpc>
@@ -1991,7 +2030,7 @@
                 </a:solidFill>
               </a:defRPr>
             </a:lvl8pPr>
-            <a:lvl9pPr indent="-342900" lvl="8" marL="4114800" rtl="0">
+            <a:lvl9pPr marL="4114800" lvl="8" indent="-342900" rtl="0">
               <a:lnSpc>
                 <a:spcPct val="115000"/>
               </a:lnSpc>
@@ -2013,13 +2052,17 @@
               </a:defRPr>
             </a:lvl9pPr>
           </a:lstStyle>
-          <a:p/>
+          <a:p>
+            <a:endParaRPr/>
+          </a:p>
         </p:txBody>
       </p:sp>
       <p:sp>
         <p:nvSpPr>
           <p:cNvPr id="16" name="Google Shape;16;p3"/>
-          <p:cNvSpPr txBox="1"/>
+          <p:cNvSpPr txBox="1">
+            <a:spLocks noGrp="1"/>
+          </p:cNvSpPr>
           <p:nvPr>
             <p:ph type="title"/>
           </p:nvPr>
@@ -2034,7 +2077,7 @@
           </a:prstGeom>
         </p:spPr>
         <p:txBody>
-          <a:bodyPr anchorCtr="0" anchor="ctr" bIns="116050" lIns="116050" spcFirstLastPara="1" rIns="116050" wrap="square" tIns="116050">
+          <a:bodyPr spcFirstLastPara="1" wrap="square" lIns="116050" tIns="116050" rIns="116050" bIns="116050" anchor="ctr" anchorCtr="0">
             <a:noAutofit/>
           </a:bodyPr>
           <a:lstStyle>
@@ -2129,15 +2172,19 @@
               <a:defRPr/>
             </a:lvl9pPr>
           </a:lstStyle>
-          <a:p/>
+          <a:p>
+            <a:endParaRPr/>
+          </a:p>
         </p:txBody>
       </p:sp>
       <p:sp>
         <p:nvSpPr>
           <p:cNvPr id="17" name="Google Shape;17;p3"/>
-          <p:cNvSpPr txBox="1"/>
+          <p:cNvSpPr txBox="1">
+            <a:spLocks noGrp="1"/>
+          </p:cNvSpPr>
           <p:nvPr>
-            <p:ph idx="12" type="sldNum"/>
+            <p:ph type="sldNum" idx="12"/>
           </p:nvPr>
         </p:nvSpPr>
         <p:spPr>
@@ -2150,7 +2197,7 @@
           </a:prstGeom>
         </p:spPr>
         <p:txBody>
-          <a:bodyPr anchorCtr="0" anchor="t" bIns="116050" lIns="116050" spcFirstLastPara="1" rIns="116050" wrap="square" tIns="116050">
+          <a:bodyPr spcFirstLastPara="1" wrap="square" lIns="116050" tIns="116050" rIns="116050" bIns="116050" anchor="t" anchorCtr="0">
             <a:noAutofit/>
           </a:bodyPr>
           <a:lstStyle>
@@ -2264,7 +2311,7 @@
             </a:lvl9pPr>
           </a:lstStyle>
           <a:p>
-            <a:pPr indent="0" lvl="0" marL="0" rtl="0" algn="ctr">
+            <a:pPr marL="0" lvl="0" indent="0" algn="ctr" rtl="0">
               <a:spcBef>
                 <a:spcPts val="0"/>
               </a:spcBef>
@@ -2284,9 +2331,11 @@
       <p:sp>
         <p:nvSpPr>
           <p:cNvPr id="18" name="Google Shape;18;p3"/>
-          <p:cNvSpPr txBox="1"/>
+          <p:cNvSpPr txBox="1">
+            <a:spLocks noGrp="1"/>
+          </p:cNvSpPr>
           <p:nvPr>
-            <p:ph idx="2" type="subTitle"/>
+            <p:ph type="subTitle" idx="2"/>
           </p:nvPr>
         </p:nvSpPr>
         <p:spPr>
@@ -2299,11 +2348,11 @@
           </a:prstGeom>
         </p:spPr>
         <p:txBody>
-          <a:bodyPr anchorCtr="0" anchor="ctr" bIns="116050" lIns="116050" spcFirstLastPara="1" rIns="0" wrap="square" tIns="116050">
+          <a:bodyPr spcFirstLastPara="1" wrap="square" lIns="116050" tIns="116050" rIns="0" bIns="116050" anchor="ctr" anchorCtr="0">
             <a:noAutofit/>
           </a:bodyPr>
           <a:lstStyle>
-            <a:lvl1pPr lvl="0" rtl="0" algn="r">
+            <a:lvl1pPr lvl="0" algn="r" rtl="0">
               <a:lnSpc>
                 <a:spcPct val="100000"/>
               </a:lnSpc>
@@ -2324,7 +2373,7 @@
                 <a:sym typeface="Quicksand Medium"/>
               </a:defRPr>
             </a:lvl1pPr>
-            <a:lvl2pPr lvl="1" rtl="0" algn="r">
+            <a:lvl2pPr lvl="1" algn="r" rtl="0">
               <a:spcBef>
                 <a:spcPts val="0"/>
               </a:spcBef>
@@ -2334,7 +2383,7 @@
               <a:buNone/>
               <a:defRPr/>
             </a:lvl2pPr>
-            <a:lvl3pPr lvl="2" rtl="0" algn="r">
+            <a:lvl3pPr lvl="2" algn="r" rtl="0">
               <a:spcBef>
                 <a:spcPts val="2000"/>
               </a:spcBef>
@@ -2344,7 +2393,7 @@
               <a:buNone/>
               <a:defRPr/>
             </a:lvl3pPr>
-            <a:lvl4pPr lvl="3" rtl="0" algn="r">
+            <a:lvl4pPr lvl="3" algn="r" rtl="0">
               <a:spcBef>
                 <a:spcPts val="2000"/>
               </a:spcBef>
@@ -2354,7 +2403,7 @@
               <a:buNone/>
               <a:defRPr/>
             </a:lvl4pPr>
-            <a:lvl5pPr lvl="4" rtl="0" algn="r">
+            <a:lvl5pPr lvl="4" algn="r" rtl="0">
               <a:spcBef>
                 <a:spcPts val="2000"/>
               </a:spcBef>
@@ -2364,7 +2413,7 @@
               <a:buNone/>
               <a:defRPr/>
             </a:lvl5pPr>
-            <a:lvl6pPr lvl="5" rtl="0" algn="r">
+            <a:lvl6pPr lvl="5" algn="r" rtl="0">
               <a:spcBef>
                 <a:spcPts val="2000"/>
               </a:spcBef>
@@ -2374,7 +2423,7 @@
               <a:buNone/>
               <a:defRPr/>
             </a:lvl6pPr>
-            <a:lvl7pPr lvl="6" rtl="0" algn="r">
+            <a:lvl7pPr lvl="6" algn="r" rtl="0">
               <a:spcBef>
                 <a:spcPts val="2000"/>
               </a:spcBef>
@@ -2384,7 +2433,7 @@
               <a:buNone/>
               <a:defRPr/>
             </a:lvl7pPr>
-            <a:lvl8pPr lvl="7" rtl="0" algn="r">
+            <a:lvl8pPr lvl="7" algn="r" rtl="0">
               <a:spcBef>
                 <a:spcPts val="2000"/>
               </a:spcBef>
@@ -2394,7 +2443,7 @@
               <a:buNone/>
               <a:defRPr/>
             </a:lvl8pPr>
-            <a:lvl9pPr lvl="8" rtl="0" algn="r">
+            <a:lvl9pPr lvl="8" algn="r" rtl="0">
               <a:spcBef>
                 <a:spcPts val="2000"/>
               </a:spcBef>
@@ -2405,7 +2454,9 @@
               <a:defRPr/>
             </a:lvl9pPr>
           </a:lstStyle>
-          <a:p/>
+          <a:p>
+            <a:endParaRPr/>
+          </a:p>
         </p:txBody>
       </p:sp>
     </p:spTree>
@@ -2417,11 +2468,11 @@
 </file>
 
 <file path=ppt/slideLayouts/slideLayout3.xml><?xml version="1.0" encoding="utf-8"?>
-<p:sldLayout xmlns:a="http://schemas.openxmlformats.org/drawingml/2006/main" xmlns:r="http://schemas.openxmlformats.org/officeDocument/2006/relationships" xmlns:mc="http://schemas.openxmlformats.org/markup-compatibility/2006" xmlns:mv="urn:schemas-microsoft-com:mac:vml" xmlns:p="http://schemas.openxmlformats.org/presentationml/2006/main" xmlns:c="http://schemas.openxmlformats.org/drawingml/2006/chart" xmlns:dgm="http://schemas.openxmlformats.org/drawingml/2006/diagram" xmlns:o="urn:schemas-microsoft-com:office:office" xmlns:v="urn:schemas-microsoft-com:vml" xmlns:pvml="urn:schemas-microsoft-com:office:powerpoint" xmlns:com="http://schemas.openxmlformats.org/drawingml/2006/compatibility" xmlns:p14="http://schemas.microsoft.com/office/powerpoint/2010/main" xmlns:p15="http://schemas.microsoft.com/office/powerpoint/2012/main" xmlns:ahyp="http://schemas.microsoft.com/office/drawing/2018/hyperlinkcolor" matchingName="Large image and text under (with heading)">
+<p:sldLayout xmlns:a="http://schemas.openxmlformats.org/drawingml/2006/main" xmlns:r="http://schemas.openxmlformats.org/officeDocument/2006/relationships" xmlns:p="http://schemas.openxmlformats.org/presentationml/2006/main" matchingName="Large image and text under (with heading)">
   <p:cSld name="TITLE_4_1_1_2_1">
     <p:spTree>
       <p:nvGrpSpPr>
-        <p:cNvPr id="19" name="Shape 19"/>
+        <p:cNvPr id="1" name="Shape 19"/>
         <p:cNvGrpSpPr/>
         <p:nvPr/>
       </p:nvGrpSpPr>
@@ -2436,9 +2487,11 @@
       <p:sp>
         <p:nvSpPr>
           <p:cNvPr id="20" name="Google Shape;20;p4"/>
-          <p:cNvSpPr txBox="1"/>
+          <p:cNvSpPr txBox="1">
+            <a:spLocks noGrp="1"/>
+          </p:cNvSpPr>
           <p:nvPr>
-            <p:ph idx="1" type="body"/>
+            <p:ph type="body" idx="1"/>
           </p:nvPr>
         </p:nvSpPr>
         <p:spPr>
@@ -2454,11 +2507,11 @@
           </a:ln>
         </p:spPr>
         <p:txBody>
-          <a:bodyPr anchorCtr="0" anchor="t" bIns="116050" lIns="116050" spcFirstLastPara="1" rIns="116050" wrap="square" tIns="116050">
+          <a:bodyPr spcFirstLastPara="1" wrap="square" lIns="116050" tIns="116050" rIns="116050" bIns="116050" anchor="t" anchorCtr="0">
             <a:noAutofit/>
           </a:bodyPr>
           <a:lstStyle>
-            <a:lvl1pPr indent="-374650" lvl="0" marL="457200" rtl="0">
+            <a:lvl1pPr marL="457200" lvl="0" indent="-374650" rtl="0">
               <a:spcBef>
                 <a:spcPts val="0"/>
               </a:spcBef>
@@ -2476,7 +2529,7 @@
                 </a:solidFill>
               </a:defRPr>
             </a:lvl1pPr>
-            <a:lvl2pPr indent="-342900" lvl="1" marL="914400" rtl="0">
+            <a:lvl2pPr marL="914400" lvl="1" indent="-342900" rtl="0">
               <a:spcBef>
                 <a:spcPts val="2000"/>
               </a:spcBef>
@@ -2494,7 +2547,7 @@
                 </a:solidFill>
               </a:defRPr>
             </a:lvl2pPr>
-            <a:lvl3pPr indent="-342900" lvl="2" marL="1371600" rtl="0">
+            <a:lvl3pPr marL="1371600" lvl="2" indent="-342900" rtl="0">
               <a:spcBef>
                 <a:spcPts val="2000"/>
               </a:spcBef>
@@ -2512,7 +2565,7 @@
                 </a:solidFill>
               </a:defRPr>
             </a:lvl3pPr>
-            <a:lvl4pPr indent="-342900" lvl="3" marL="1828800" rtl="0">
+            <a:lvl4pPr marL="1828800" lvl="3" indent="-342900" rtl="0">
               <a:spcBef>
                 <a:spcPts val="2000"/>
               </a:spcBef>
@@ -2530,7 +2583,7 @@
                 </a:solidFill>
               </a:defRPr>
             </a:lvl4pPr>
-            <a:lvl5pPr indent="-342900" lvl="4" marL="2286000" rtl="0">
+            <a:lvl5pPr marL="2286000" lvl="4" indent="-342900" rtl="0">
               <a:spcBef>
                 <a:spcPts val="2000"/>
               </a:spcBef>
@@ -2548,7 +2601,7 @@
                 </a:solidFill>
               </a:defRPr>
             </a:lvl5pPr>
-            <a:lvl6pPr indent="-342900" lvl="5" marL="2743200" rtl="0">
+            <a:lvl6pPr marL="2743200" lvl="5" indent="-342900" rtl="0">
               <a:spcBef>
                 <a:spcPts val="2000"/>
               </a:spcBef>
@@ -2566,7 +2619,7 @@
                 </a:solidFill>
               </a:defRPr>
             </a:lvl6pPr>
-            <a:lvl7pPr indent="-342900" lvl="6" marL="3200400" rtl="0">
+            <a:lvl7pPr marL="3200400" lvl="6" indent="-342900" rtl="0">
               <a:spcBef>
                 <a:spcPts val="2000"/>
               </a:spcBef>
@@ -2584,7 +2637,7 @@
                 </a:solidFill>
               </a:defRPr>
             </a:lvl7pPr>
-            <a:lvl8pPr indent="-342900" lvl="7" marL="3657600" rtl="0">
+            <a:lvl8pPr marL="3657600" lvl="7" indent="-342900" rtl="0">
               <a:spcBef>
                 <a:spcPts val="2000"/>
               </a:spcBef>
@@ -2602,7 +2655,7 @@
                 </a:solidFill>
               </a:defRPr>
             </a:lvl8pPr>
-            <a:lvl9pPr indent="-342900" lvl="8" marL="4114800" rtl="0">
+            <a:lvl9pPr marL="4114800" lvl="8" indent="-342900" rtl="0">
               <a:spcBef>
                 <a:spcPts val="2000"/>
               </a:spcBef>
@@ -2621,15 +2674,19 @@
               </a:defRPr>
             </a:lvl9pPr>
           </a:lstStyle>
-          <a:p/>
+          <a:p>
+            <a:endParaRPr/>
+          </a:p>
         </p:txBody>
       </p:sp>
       <p:sp>
         <p:nvSpPr>
           <p:cNvPr id="21" name="Google Shape;21;p4"/>
-          <p:cNvSpPr txBox="1"/>
+          <p:cNvSpPr txBox="1">
+            <a:spLocks noGrp="1"/>
+          </p:cNvSpPr>
           <p:nvPr>
-            <p:ph idx="2" type="body"/>
+            <p:ph type="body" idx="2"/>
           </p:nvPr>
         </p:nvSpPr>
         <p:spPr>
@@ -2642,11 +2699,11 @@
           </a:prstGeom>
         </p:spPr>
         <p:txBody>
-          <a:bodyPr anchorCtr="0" anchor="t" bIns="116050" lIns="116050" spcFirstLastPara="1" rIns="116050" wrap="square" tIns="116050">
+          <a:bodyPr spcFirstLastPara="1" wrap="square" lIns="116050" tIns="116050" rIns="116050" bIns="116050" anchor="t" anchorCtr="0">
             <a:noAutofit/>
           </a:bodyPr>
           <a:lstStyle>
-            <a:lvl1pPr indent="-374650" lvl="0" marL="457200" rtl="0">
+            <a:lvl1pPr marL="457200" lvl="0" indent="-374650" rtl="0">
               <a:spcBef>
                 <a:spcPts val="0"/>
               </a:spcBef>
@@ -2664,7 +2721,7 @@
                 </a:solidFill>
               </a:defRPr>
             </a:lvl1pPr>
-            <a:lvl2pPr indent="-342900" lvl="1" marL="914400" rtl="0">
+            <a:lvl2pPr marL="914400" lvl="1" indent="-342900" rtl="0">
               <a:spcBef>
                 <a:spcPts val="2000"/>
               </a:spcBef>
@@ -2682,7 +2739,7 @@
                 </a:solidFill>
               </a:defRPr>
             </a:lvl2pPr>
-            <a:lvl3pPr indent="-342900" lvl="2" marL="1371600" rtl="0">
+            <a:lvl3pPr marL="1371600" lvl="2" indent="-342900" rtl="0">
               <a:spcBef>
                 <a:spcPts val="2000"/>
               </a:spcBef>
@@ -2700,7 +2757,7 @@
                 </a:solidFill>
               </a:defRPr>
             </a:lvl3pPr>
-            <a:lvl4pPr indent="-342900" lvl="3" marL="1828800" rtl="0">
+            <a:lvl4pPr marL="1828800" lvl="3" indent="-342900" rtl="0">
               <a:spcBef>
                 <a:spcPts val="2000"/>
               </a:spcBef>
@@ -2718,7 +2775,7 @@
                 </a:solidFill>
               </a:defRPr>
             </a:lvl4pPr>
-            <a:lvl5pPr indent="-342900" lvl="4" marL="2286000" rtl="0">
+            <a:lvl5pPr marL="2286000" lvl="4" indent="-342900" rtl="0">
               <a:spcBef>
                 <a:spcPts val="2000"/>
               </a:spcBef>
@@ -2736,7 +2793,7 @@
                 </a:solidFill>
               </a:defRPr>
             </a:lvl5pPr>
-            <a:lvl6pPr indent="-342900" lvl="5" marL="2743200" rtl="0">
+            <a:lvl6pPr marL="2743200" lvl="5" indent="-342900" rtl="0">
               <a:spcBef>
                 <a:spcPts val="2000"/>
               </a:spcBef>
@@ -2754,7 +2811,7 @@
                 </a:solidFill>
               </a:defRPr>
             </a:lvl6pPr>
-            <a:lvl7pPr indent="-342900" lvl="6" marL="3200400" rtl="0">
+            <a:lvl7pPr marL="3200400" lvl="6" indent="-342900" rtl="0">
               <a:spcBef>
                 <a:spcPts val="2000"/>
               </a:spcBef>
@@ -2772,7 +2829,7 @@
                 </a:solidFill>
               </a:defRPr>
             </a:lvl7pPr>
-            <a:lvl8pPr indent="-342900" lvl="7" marL="3657600" rtl="0">
+            <a:lvl8pPr marL="3657600" lvl="7" indent="-342900" rtl="0">
               <a:spcBef>
                 <a:spcPts val="2000"/>
               </a:spcBef>
@@ -2790,7 +2847,7 @@
                 </a:solidFill>
               </a:defRPr>
             </a:lvl8pPr>
-            <a:lvl9pPr indent="-342900" lvl="8" marL="4114800" rtl="0">
+            <a:lvl9pPr marL="4114800" lvl="8" indent="-342900" rtl="0">
               <a:spcBef>
                 <a:spcPts val="2000"/>
               </a:spcBef>
@@ -2809,13 +2866,17 @@
               </a:defRPr>
             </a:lvl9pPr>
           </a:lstStyle>
-          <a:p/>
+          <a:p>
+            <a:endParaRPr/>
+          </a:p>
         </p:txBody>
       </p:sp>
       <p:sp>
         <p:nvSpPr>
           <p:cNvPr id="22" name="Google Shape;22;p4"/>
-          <p:cNvSpPr txBox="1"/>
+          <p:cNvSpPr txBox="1">
+            <a:spLocks noGrp="1"/>
+          </p:cNvSpPr>
           <p:nvPr>
             <p:ph type="title"/>
           </p:nvPr>
@@ -2830,7 +2891,7 @@
           </a:prstGeom>
         </p:spPr>
         <p:txBody>
-          <a:bodyPr anchorCtr="0" anchor="ctr" bIns="116050" lIns="116050" spcFirstLastPara="1" rIns="116050" wrap="square" tIns="116050">
+          <a:bodyPr spcFirstLastPara="1" wrap="square" lIns="116050" tIns="116050" rIns="116050" bIns="116050" anchor="ctr" anchorCtr="0">
             <a:noAutofit/>
           </a:bodyPr>
           <a:lstStyle>
@@ -2925,15 +2986,19 @@
               <a:defRPr/>
             </a:lvl9pPr>
           </a:lstStyle>
-          <a:p/>
+          <a:p>
+            <a:endParaRPr/>
+          </a:p>
         </p:txBody>
       </p:sp>
       <p:sp>
         <p:nvSpPr>
           <p:cNvPr id="23" name="Google Shape;23;p4"/>
-          <p:cNvSpPr txBox="1"/>
+          <p:cNvSpPr txBox="1">
+            <a:spLocks noGrp="1"/>
+          </p:cNvSpPr>
           <p:nvPr>
-            <p:ph idx="12" type="sldNum"/>
+            <p:ph type="sldNum" idx="12"/>
           </p:nvPr>
         </p:nvSpPr>
         <p:spPr>
@@ -2946,7 +3011,7 @@
           </a:prstGeom>
         </p:spPr>
         <p:txBody>
-          <a:bodyPr anchorCtr="0" anchor="t" bIns="116050" lIns="116050" spcFirstLastPara="1" rIns="116050" wrap="square" tIns="116050">
+          <a:bodyPr spcFirstLastPara="1" wrap="square" lIns="116050" tIns="116050" rIns="116050" bIns="116050" anchor="t" anchorCtr="0">
             <a:noAutofit/>
           </a:bodyPr>
           <a:lstStyle>
@@ -3060,7 +3125,7 @@
             </a:lvl9pPr>
           </a:lstStyle>
           <a:p>
-            <a:pPr indent="0" lvl="0" marL="0" rtl="0" algn="ctr">
+            <a:pPr marL="0" lvl="0" indent="0" algn="ctr" rtl="0">
               <a:spcBef>
                 <a:spcPts val="0"/>
               </a:spcBef>
@@ -3080,9 +3145,11 @@
       <p:sp>
         <p:nvSpPr>
           <p:cNvPr id="24" name="Google Shape;24;p4"/>
-          <p:cNvSpPr txBox="1"/>
+          <p:cNvSpPr txBox="1">
+            <a:spLocks noGrp="1"/>
+          </p:cNvSpPr>
           <p:nvPr>
-            <p:ph idx="3" type="subTitle"/>
+            <p:ph type="subTitle" idx="3"/>
           </p:nvPr>
         </p:nvSpPr>
         <p:spPr>
@@ -3095,11 +3162,11 @@
           </a:prstGeom>
         </p:spPr>
         <p:txBody>
-          <a:bodyPr anchorCtr="0" anchor="ctr" bIns="116050" lIns="116050" spcFirstLastPara="1" rIns="0" wrap="square" tIns="116050">
+          <a:bodyPr spcFirstLastPara="1" wrap="square" lIns="116050" tIns="116050" rIns="0" bIns="116050" anchor="ctr" anchorCtr="0">
             <a:noAutofit/>
           </a:bodyPr>
           <a:lstStyle>
-            <a:lvl1pPr lvl="0" rtl="0" algn="r">
+            <a:lvl1pPr lvl="0" algn="r" rtl="0">
               <a:lnSpc>
                 <a:spcPct val="100000"/>
               </a:lnSpc>
@@ -3201,7 +3268,9 @@
               <a:defRPr/>
             </a:lvl9pPr>
           </a:lstStyle>
-          <a:p/>
+          <a:p>
+            <a:endParaRPr/>
+          </a:p>
         </p:txBody>
       </p:sp>
     </p:spTree>
@@ -3213,11 +3282,11 @@
 </file>
 
 <file path=ppt/slideLayouts/slideLayout4.xml><?xml version="1.0" encoding="utf-8"?>
-<p:sldLayout xmlns:a="http://schemas.openxmlformats.org/drawingml/2006/main" xmlns:r="http://schemas.openxmlformats.org/officeDocument/2006/relationships" xmlns:mc="http://schemas.openxmlformats.org/markup-compatibility/2006" xmlns:mv="urn:schemas-microsoft-com:mac:vml" xmlns:p="http://schemas.openxmlformats.org/presentationml/2006/main" xmlns:c="http://schemas.openxmlformats.org/drawingml/2006/chart" xmlns:dgm="http://schemas.openxmlformats.org/drawingml/2006/diagram" xmlns:o="urn:schemas-microsoft-com:office:office" xmlns:v="urn:schemas-microsoft-com:vml" xmlns:pvml="urn:schemas-microsoft-com:office:powerpoint" xmlns:com="http://schemas.openxmlformats.org/drawingml/2006/compatibility" xmlns:p14="http://schemas.microsoft.com/office/powerpoint/2010/main" xmlns:p15="http://schemas.microsoft.com/office/powerpoint/2012/main" xmlns:ahyp="http://schemas.microsoft.com/office/drawing/2018/hyperlinkcolor" matchingName="Large image and text under (no heading)">
+<p:sldLayout xmlns:a="http://schemas.openxmlformats.org/drawingml/2006/main" xmlns:r="http://schemas.openxmlformats.org/officeDocument/2006/relationships" xmlns:p="http://schemas.openxmlformats.org/presentationml/2006/main" matchingName="Large image and text under (no heading)">
   <p:cSld name="TITLE_4_1_1_1_4_1">
     <p:spTree>
       <p:nvGrpSpPr>
-        <p:cNvPr id="25" name="Shape 25"/>
+        <p:cNvPr id="1" name="Shape 25"/>
         <p:cNvGrpSpPr/>
         <p:nvPr/>
       </p:nvGrpSpPr>
@@ -3232,9 +3301,11 @@
       <p:sp>
         <p:nvSpPr>
           <p:cNvPr id="26" name="Google Shape;26;p5"/>
-          <p:cNvSpPr txBox="1"/>
+          <p:cNvSpPr txBox="1">
+            <a:spLocks noGrp="1"/>
+          </p:cNvSpPr>
           <p:nvPr>
-            <p:ph idx="1" type="body"/>
+            <p:ph type="body" idx="1"/>
           </p:nvPr>
         </p:nvSpPr>
         <p:spPr>
@@ -3250,11 +3321,11 @@
           </a:ln>
         </p:spPr>
         <p:txBody>
-          <a:bodyPr anchorCtr="0" anchor="t" bIns="116050" lIns="116050" spcFirstLastPara="1" rIns="116050" wrap="square" tIns="116050">
+          <a:bodyPr spcFirstLastPara="1" wrap="square" lIns="116050" tIns="116050" rIns="116050" bIns="116050" anchor="t" anchorCtr="0">
             <a:noAutofit/>
           </a:bodyPr>
           <a:lstStyle>
-            <a:lvl1pPr indent="-374650" lvl="0" marL="457200" rtl="0">
+            <a:lvl1pPr marL="457200" lvl="0" indent="-374650" rtl="0">
               <a:spcBef>
                 <a:spcPts val="0"/>
               </a:spcBef>
@@ -3272,7 +3343,7 @@
                 </a:solidFill>
               </a:defRPr>
             </a:lvl1pPr>
-            <a:lvl2pPr indent="-342900" lvl="1" marL="914400" rtl="0">
+            <a:lvl2pPr marL="914400" lvl="1" indent="-342900" rtl="0">
               <a:spcBef>
                 <a:spcPts val="2000"/>
               </a:spcBef>
@@ -3290,7 +3361,7 @@
                 </a:solidFill>
               </a:defRPr>
             </a:lvl2pPr>
-            <a:lvl3pPr indent="-342900" lvl="2" marL="1371600" rtl="0">
+            <a:lvl3pPr marL="1371600" lvl="2" indent="-342900" rtl="0">
               <a:spcBef>
                 <a:spcPts val="2000"/>
               </a:spcBef>
@@ -3308,7 +3379,7 @@
                 </a:solidFill>
               </a:defRPr>
             </a:lvl3pPr>
-            <a:lvl4pPr indent="-342900" lvl="3" marL="1828800" rtl="0">
+            <a:lvl4pPr marL="1828800" lvl="3" indent="-342900" rtl="0">
               <a:spcBef>
                 <a:spcPts val="2000"/>
               </a:spcBef>
@@ -3326,7 +3397,7 @@
                 </a:solidFill>
               </a:defRPr>
             </a:lvl4pPr>
-            <a:lvl5pPr indent="-342900" lvl="4" marL="2286000" rtl="0">
+            <a:lvl5pPr marL="2286000" lvl="4" indent="-342900" rtl="0">
               <a:spcBef>
                 <a:spcPts val="2000"/>
               </a:spcBef>
@@ -3344,7 +3415,7 @@
                 </a:solidFill>
               </a:defRPr>
             </a:lvl5pPr>
-            <a:lvl6pPr indent="-342900" lvl="5" marL="2743200" rtl="0">
+            <a:lvl6pPr marL="2743200" lvl="5" indent="-342900" rtl="0">
               <a:spcBef>
                 <a:spcPts val="2000"/>
               </a:spcBef>
@@ -3362,7 +3433,7 @@
                 </a:solidFill>
               </a:defRPr>
             </a:lvl6pPr>
-            <a:lvl7pPr indent="-342900" lvl="6" marL="3200400" rtl="0">
+            <a:lvl7pPr marL="3200400" lvl="6" indent="-342900" rtl="0">
               <a:spcBef>
                 <a:spcPts val="2000"/>
               </a:spcBef>
@@ -3380,7 +3451,7 @@
                 </a:solidFill>
               </a:defRPr>
             </a:lvl7pPr>
-            <a:lvl8pPr indent="-342900" lvl="7" marL="3657600" rtl="0">
+            <a:lvl8pPr marL="3657600" lvl="7" indent="-342900" rtl="0">
               <a:spcBef>
                 <a:spcPts val="2000"/>
               </a:spcBef>
@@ -3398,7 +3469,7 @@
                 </a:solidFill>
               </a:defRPr>
             </a:lvl8pPr>
-            <a:lvl9pPr indent="-342900" lvl="8" marL="4114800" rtl="0">
+            <a:lvl9pPr marL="4114800" lvl="8" indent="-342900" rtl="0">
               <a:spcBef>
                 <a:spcPts val="2000"/>
               </a:spcBef>
@@ -3417,15 +3488,19 @@
               </a:defRPr>
             </a:lvl9pPr>
           </a:lstStyle>
-          <a:p/>
+          <a:p>
+            <a:endParaRPr/>
+          </a:p>
         </p:txBody>
       </p:sp>
       <p:sp>
         <p:nvSpPr>
           <p:cNvPr id="27" name="Google Shape;27;p5"/>
-          <p:cNvSpPr txBox="1"/>
+          <p:cNvSpPr txBox="1">
+            <a:spLocks noGrp="1"/>
+          </p:cNvSpPr>
           <p:nvPr>
-            <p:ph idx="2" type="body"/>
+            <p:ph type="body" idx="2"/>
           </p:nvPr>
         </p:nvSpPr>
         <p:spPr>
@@ -3438,11 +3513,11 @@
           </a:prstGeom>
         </p:spPr>
         <p:txBody>
-          <a:bodyPr anchorCtr="0" anchor="t" bIns="116050" lIns="116050" spcFirstLastPara="1" rIns="116050" wrap="square" tIns="116050">
+          <a:bodyPr spcFirstLastPara="1" wrap="square" lIns="116050" tIns="116050" rIns="116050" bIns="116050" anchor="t" anchorCtr="0">
             <a:noAutofit/>
           </a:bodyPr>
           <a:lstStyle>
-            <a:lvl1pPr indent="-374650" lvl="0" marL="457200" rtl="0" algn="ctr">
+            <a:lvl1pPr marL="457200" lvl="0" indent="-374650" algn="ctr" rtl="0">
               <a:spcBef>
                 <a:spcPts val="0"/>
               </a:spcBef>
@@ -3460,7 +3535,7 @@
                 </a:solidFill>
               </a:defRPr>
             </a:lvl1pPr>
-            <a:lvl2pPr indent="-342900" lvl="1" marL="914400" rtl="0" algn="ctr">
+            <a:lvl2pPr marL="914400" lvl="1" indent="-342900" algn="ctr" rtl="0">
               <a:spcBef>
                 <a:spcPts val="2000"/>
               </a:spcBef>
@@ -3478,7 +3553,7 @@
                 </a:solidFill>
               </a:defRPr>
             </a:lvl2pPr>
-            <a:lvl3pPr indent="-342900" lvl="2" marL="1371600" rtl="0" algn="ctr">
+            <a:lvl3pPr marL="1371600" lvl="2" indent="-342900" algn="ctr" rtl="0">
               <a:spcBef>
                 <a:spcPts val="2000"/>
               </a:spcBef>
@@ -3496,7 +3571,7 @@
                 </a:solidFill>
               </a:defRPr>
             </a:lvl3pPr>
-            <a:lvl4pPr indent="-342900" lvl="3" marL="1828800" rtl="0" algn="ctr">
+            <a:lvl4pPr marL="1828800" lvl="3" indent="-342900" algn="ctr" rtl="0">
               <a:spcBef>
                 <a:spcPts val="2000"/>
               </a:spcBef>
@@ -3514,7 +3589,7 @@
                 </a:solidFill>
               </a:defRPr>
             </a:lvl4pPr>
-            <a:lvl5pPr indent="-342900" lvl="4" marL="2286000" rtl="0" algn="ctr">
+            <a:lvl5pPr marL="2286000" lvl="4" indent="-342900" algn="ctr" rtl="0">
               <a:spcBef>
                 <a:spcPts val="2000"/>
               </a:spcBef>
@@ -3532,7 +3607,7 @@
                 </a:solidFill>
               </a:defRPr>
             </a:lvl5pPr>
-            <a:lvl6pPr indent="-342900" lvl="5" marL="2743200" rtl="0" algn="ctr">
+            <a:lvl6pPr marL="2743200" lvl="5" indent="-342900" algn="ctr" rtl="0">
               <a:spcBef>
                 <a:spcPts val="2000"/>
               </a:spcBef>
@@ -3550,7 +3625,7 @@
                 </a:solidFill>
               </a:defRPr>
             </a:lvl6pPr>
-            <a:lvl7pPr indent="-342900" lvl="6" marL="3200400" rtl="0" algn="ctr">
+            <a:lvl7pPr marL="3200400" lvl="6" indent="-342900" algn="ctr" rtl="0">
               <a:spcBef>
                 <a:spcPts val="2000"/>
               </a:spcBef>
@@ -3568,7 +3643,7 @@
                 </a:solidFill>
               </a:defRPr>
             </a:lvl7pPr>
-            <a:lvl8pPr indent="-342900" lvl="7" marL="3657600" rtl="0" algn="ctr">
+            <a:lvl8pPr marL="3657600" lvl="7" indent="-342900" algn="ctr" rtl="0">
               <a:spcBef>
                 <a:spcPts val="2000"/>
               </a:spcBef>
@@ -3586,7 +3661,7 @@
                 </a:solidFill>
               </a:defRPr>
             </a:lvl8pPr>
-            <a:lvl9pPr indent="-342900" lvl="8" marL="4114800" rtl="0" algn="ctr">
+            <a:lvl9pPr marL="4114800" lvl="8" indent="-342900" algn="ctr" rtl="0">
               <a:spcBef>
                 <a:spcPts val="2000"/>
               </a:spcBef>
@@ -3605,15 +3680,19 @@
               </a:defRPr>
             </a:lvl9pPr>
           </a:lstStyle>
-          <a:p/>
+          <a:p>
+            <a:endParaRPr/>
+          </a:p>
         </p:txBody>
       </p:sp>
       <p:sp>
         <p:nvSpPr>
           <p:cNvPr id="28" name="Google Shape;28;p5"/>
-          <p:cNvSpPr txBox="1"/>
+          <p:cNvSpPr txBox="1">
+            <a:spLocks noGrp="1"/>
+          </p:cNvSpPr>
           <p:nvPr>
-            <p:ph idx="12" type="sldNum"/>
+            <p:ph type="sldNum" idx="12"/>
           </p:nvPr>
         </p:nvSpPr>
         <p:spPr>
@@ -3626,7 +3705,7 @@
           </a:prstGeom>
         </p:spPr>
         <p:txBody>
-          <a:bodyPr anchorCtr="0" anchor="t" bIns="116050" lIns="116050" spcFirstLastPara="1" rIns="116050" wrap="square" tIns="116050">
+          <a:bodyPr spcFirstLastPara="1" wrap="square" lIns="116050" tIns="116050" rIns="116050" bIns="116050" anchor="t" anchorCtr="0">
             <a:noAutofit/>
           </a:bodyPr>
           <a:lstStyle>
@@ -3740,7 +3819,7 @@
             </a:lvl9pPr>
           </a:lstStyle>
           <a:p>
-            <a:pPr indent="0" lvl="0" marL="0" rtl="0" algn="ctr">
+            <a:pPr marL="0" lvl="0" indent="0" algn="ctr" rtl="0">
               <a:spcBef>
                 <a:spcPts val="0"/>
               </a:spcBef>
@@ -3760,9 +3839,11 @@
       <p:sp>
         <p:nvSpPr>
           <p:cNvPr id="29" name="Google Shape;29;p5"/>
-          <p:cNvSpPr txBox="1"/>
+          <p:cNvSpPr txBox="1">
+            <a:spLocks noGrp="1"/>
+          </p:cNvSpPr>
           <p:nvPr>
-            <p:ph idx="3" type="subTitle"/>
+            <p:ph type="subTitle" idx="3"/>
           </p:nvPr>
         </p:nvSpPr>
         <p:spPr>
@@ -3775,11 +3856,11 @@
           </a:prstGeom>
         </p:spPr>
         <p:txBody>
-          <a:bodyPr anchorCtr="0" anchor="ctr" bIns="116050" lIns="116050" spcFirstLastPara="1" rIns="0" wrap="square" tIns="116050">
+          <a:bodyPr spcFirstLastPara="1" wrap="square" lIns="116050" tIns="116050" rIns="0" bIns="116050" anchor="ctr" anchorCtr="0">
             <a:noAutofit/>
           </a:bodyPr>
           <a:lstStyle>
-            <a:lvl1pPr lvl="0" rtl="0" algn="r">
+            <a:lvl1pPr lvl="0" algn="r" rtl="0">
               <a:lnSpc>
                 <a:spcPct val="100000"/>
               </a:lnSpc>
@@ -3881,7 +3962,9 @@
               <a:defRPr/>
             </a:lvl9pPr>
           </a:lstStyle>
-          <a:p/>
+          <a:p>
+            <a:endParaRPr/>
+          </a:p>
         </p:txBody>
       </p:sp>
     </p:spTree>
@@ -3893,11 +3976,11 @@
 </file>
 
 <file path=ppt/slideLayouts/slideLayout5.xml><?xml version="1.0" encoding="utf-8"?>
-<p:sldLayout xmlns:a="http://schemas.openxmlformats.org/drawingml/2006/main" xmlns:r="http://schemas.openxmlformats.org/officeDocument/2006/relationships" xmlns:mc="http://schemas.openxmlformats.org/markup-compatibility/2006" xmlns:mv="urn:schemas-microsoft-com:mac:vml" xmlns:p="http://schemas.openxmlformats.org/presentationml/2006/main" xmlns:c="http://schemas.openxmlformats.org/drawingml/2006/chart" xmlns:dgm="http://schemas.openxmlformats.org/drawingml/2006/diagram" xmlns:o="urn:schemas-microsoft-com:office:office" xmlns:v="urn:schemas-microsoft-com:vml" xmlns:pvml="urn:schemas-microsoft-com:office:powerpoint" xmlns:com="http://schemas.openxmlformats.org/drawingml/2006/compatibility" xmlns:p14="http://schemas.microsoft.com/office/powerpoint/2010/main" xmlns:p15="http://schemas.microsoft.com/office/powerpoint/2012/main" xmlns:ahyp="http://schemas.microsoft.com/office/drawing/2018/hyperlinkcolor" matchingName="Large image (no text under)">
+<p:sldLayout xmlns:a="http://schemas.openxmlformats.org/drawingml/2006/main" xmlns:r="http://schemas.openxmlformats.org/officeDocument/2006/relationships" xmlns:p="http://schemas.openxmlformats.org/presentationml/2006/main" matchingName="Large image (no text under)">
   <p:cSld name="TITLE_4_1_1_1_3_2_1">
     <p:spTree>
       <p:nvGrpSpPr>
-        <p:cNvPr id="30" name="Shape 30"/>
+        <p:cNvPr id="1" name="Shape 30"/>
         <p:cNvGrpSpPr/>
         <p:nvPr/>
       </p:nvGrpSpPr>
@@ -3912,9 +3995,11 @@
       <p:sp>
         <p:nvSpPr>
           <p:cNvPr id="31" name="Google Shape;31;p6"/>
-          <p:cNvSpPr txBox="1"/>
+          <p:cNvSpPr txBox="1">
+            <a:spLocks noGrp="1"/>
+          </p:cNvSpPr>
           <p:nvPr>
-            <p:ph idx="1" type="body"/>
+            <p:ph type="body" idx="1"/>
           </p:nvPr>
         </p:nvSpPr>
         <p:spPr>
@@ -3930,11 +4015,11 @@
           </a:ln>
         </p:spPr>
         <p:txBody>
-          <a:bodyPr anchorCtr="0" anchor="t" bIns="116050" lIns="116050" spcFirstLastPara="1" rIns="116050" wrap="square" tIns="116050">
+          <a:bodyPr spcFirstLastPara="1" wrap="square" lIns="116050" tIns="116050" rIns="116050" bIns="116050" anchor="t" anchorCtr="0">
             <a:noAutofit/>
           </a:bodyPr>
           <a:lstStyle>
-            <a:lvl1pPr indent="-374650" lvl="0" marL="457200" rtl="0">
+            <a:lvl1pPr marL="457200" lvl="0" indent="-374650" rtl="0">
               <a:spcBef>
                 <a:spcPts val="0"/>
               </a:spcBef>
@@ -3952,7 +4037,7 @@
                 </a:solidFill>
               </a:defRPr>
             </a:lvl1pPr>
-            <a:lvl2pPr indent="-342900" lvl="1" marL="914400" rtl="0">
+            <a:lvl2pPr marL="914400" lvl="1" indent="-342900" rtl="0">
               <a:spcBef>
                 <a:spcPts val="2000"/>
               </a:spcBef>
@@ -3970,7 +4055,7 @@
                 </a:solidFill>
               </a:defRPr>
             </a:lvl2pPr>
-            <a:lvl3pPr indent="-342900" lvl="2" marL="1371600" rtl="0">
+            <a:lvl3pPr marL="1371600" lvl="2" indent="-342900" rtl="0">
               <a:spcBef>
                 <a:spcPts val="2000"/>
               </a:spcBef>
@@ -3988,7 +4073,7 @@
                 </a:solidFill>
               </a:defRPr>
             </a:lvl3pPr>
-            <a:lvl4pPr indent="-342900" lvl="3" marL="1828800" rtl="0">
+            <a:lvl4pPr marL="1828800" lvl="3" indent="-342900" rtl="0">
               <a:spcBef>
                 <a:spcPts val="2000"/>
               </a:spcBef>
@@ -4006,7 +4091,7 @@
                 </a:solidFill>
               </a:defRPr>
             </a:lvl4pPr>
-            <a:lvl5pPr indent="-342900" lvl="4" marL="2286000" rtl="0">
+            <a:lvl5pPr marL="2286000" lvl="4" indent="-342900" rtl="0">
               <a:spcBef>
                 <a:spcPts val="2000"/>
               </a:spcBef>
@@ -4024,7 +4109,7 @@
                 </a:solidFill>
               </a:defRPr>
             </a:lvl5pPr>
-            <a:lvl6pPr indent="-342900" lvl="5" marL="2743200" rtl="0">
+            <a:lvl6pPr marL="2743200" lvl="5" indent="-342900" rtl="0">
               <a:spcBef>
                 <a:spcPts val="2000"/>
               </a:spcBef>
@@ -4042,7 +4127,7 @@
                 </a:solidFill>
               </a:defRPr>
             </a:lvl6pPr>
-            <a:lvl7pPr indent="-342900" lvl="6" marL="3200400" rtl="0">
+            <a:lvl7pPr marL="3200400" lvl="6" indent="-342900" rtl="0">
               <a:spcBef>
                 <a:spcPts val="2000"/>
               </a:spcBef>
@@ -4060,7 +4145,7 @@
                 </a:solidFill>
               </a:defRPr>
             </a:lvl7pPr>
-            <a:lvl8pPr indent="-342900" lvl="7" marL="3657600" rtl="0">
+            <a:lvl8pPr marL="3657600" lvl="7" indent="-342900" rtl="0">
               <a:spcBef>
                 <a:spcPts val="2000"/>
               </a:spcBef>
@@ -4078,7 +4163,7 @@
                 </a:solidFill>
               </a:defRPr>
             </a:lvl8pPr>
-            <a:lvl9pPr indent="-342900" lvl="8" marL="4114800" rtl="0">
+            <a:lvl9pPr marL="4114800" lvl="8" indent="-342900" rtl="0">
               <a:spcBef>
                 <a:spcPts val="2000"/>
               </a:spcBef>
@@ -4097,15 +4182,19 @@
               </a:defRPr>
             </a:lvl9pPr>
           </a:lstStyle>
-          <a:p/>
+          <a:p>
+            <a:endParaRPr/>
+          </a:p>
         </p:txBody>
       </p:sp>
       <p:sp>
         <p:nvSpPr>
           <p:cNvPr id="32" name="Google Shape;32;p6"/>
-          <p:cNvSpPr txBox="1"/>
+          <p:cNvSpPr txBox="1">
+            <a:spLocks noGrp="1"/>
+          </p:cNvSpPr>
           <p:nvPr>
-            <p:ph idx="12" type="sldNum"/>
+            <p:ph type="sldNum" idx="12"/>
           </p:nvPr>
         </p:nvSpPr>
         <p:spPr>
@@ -4118,7 +4207,7 @@
           </a:prstGeom>
         </p:spPr>
         <p:txBody>
-          <a:bodyPr anchorCtr="0" anchor="t" bIns="116050" lIns="116050" spcFirstLastPara="1" rIns="116050" wrap="square" tIns="116050">
+          <a:bodyPr spcFirstLastPara="1" wrap="square" lIns="116050" tIns="116050" rIns="116050" bIns="116050" anchor="t" anchorCtr="0">
             <a:noAutofit/>
           </a:bodyPr>
           <a:lstStyle>
@@ -4232,7 +4321,7 @@
             </a:lvl9pPr>
           </a:lstStyle>
           <a:p>
-            <a:pPr indent="0" lvl="0" marL="0" rtl="0" algn="ctr">
+            <a:pPr marL="0" lvl="0" indent="0" algn="ctr" rtl="0">
               <a:spcBef>
                 <a:spcPts val="0"/>
               </a:spcBef>
@@ -4252,7 +4341,9 @@
       <p:sp>
         <p:nvSpPr>
           <p:cNvPr id="33" name="Google Shape;33;p6"/>
-          <p:cNvSpPr txBox="1"/>
+          <p:cNvSpPr txBox="1">
+            <a:spLocks noGrp="1"/>
+          </p:cNvSpPr>
           <p:nvPr>
             <p:ph type="title"/>
           </p:nvPr>
@@ -4267,7 +4358,7 @@
           </a:prstGeom>
         </p:spPr>
         <p:txBody>
-          <a:bodyPr anchorCtr="0" anchor="ctr" bIns="116050" lIns="116050" spcFirstLastPara="1" rIns="116050" wrap="square" tIns="116050">
+          <a:bodyPr spcFirstLastPara="1" wrap="square" lIns="116050" tIns="116050" rIns="116050" bIns="116050" anchor="ctr" anchorCtr="0">
             <a:noAutofit/>
           </a:bodyPr>
           <a:lstStyle>
@@ -4362,15 +4453,19 @@
               <a:defRPr/>
             </a:lvl9pPr>
           </a:lstStyle>
-          <a:p/>
+          <a:p>
+            <a:endParaRPr/>
+          </a:p>
         </p:txBody>
       </p:sp>
       <p:sp>
         <p:nvSpPr>
           <p:cNvPr id="34" name="Google Shape;34;p6"/>
-          <p:cNvSpPr txBox="1"/>
+          <p:cNvSpPr txBox="1">
+            <a:spLocks noGrp="1"/>
+          </p:cNvSpPr>
           <p:nvPr>
-            <p:ph idx="2" type="subTitle"/>
+            <p:ph type="subTitle" idx="2"/>
           </p:nvPr>
         </p:nvSpPr>
         <p:spPr>
@@ -4383,11 +4478,11 @@
           </a:prstGeom>
         </p:spPr>
         <p:txBody>
-          <a:bodyPr anchorCtr="0" anchor="ctr" bIns="116050" lIns="116050" spcFirstLastPara="1" rIns="0" wrap="square" tIns="116050">
+          <a:bodyPr spcFirstLastPara="1" wrap="square" lIns="116050" tIns="116050" rIns="0" bIns="116050" anchor="ctr" anchorCtr="0">
             <a:noAutofit/>
           </a:bodyPr>
           <a:lstStyle>
-            <a:lvl1pPr lvl="0" rtl="0" algn="r">
+            <a:lvl1pPr lvl="0" algn="r" rtl="0">
               <a:lnSpc>
                 <a:spcPct val="100000"/>
               </a:lnSpc>
@@ -4489,7 +4584,9 @@
               <a:defRPr/>
             </a:lvl9pPr>
           </a:lstStyle>
-          <a:p/>
+          <a:p>
+            <a:endParaRPr/>
+          </a:p>
         </p:txBody>
       </p:sp>
     </p:spTree>
@@ -4501,11 +4598,11 @@
 </file>
 
 <file path=ppt/slideLayouts/slideLayout6.xml><?xml version="1.0" encoding="utf-8"?>
-<p:sldLayout xmlns:a="http://schemas.openxmlformats.org/drawingml/2006/main" xmlns:r="http://schemas.openxmlformats.org/officeDocument/2006/relationships" xmlns:mc="http://schemas.openxmlformats.org/markup-compatibility/2006" xmlns:mv="urn:schemas-microsoft-com:mac:vml" xmlns:p="http://schemas.openxmlformats.org/presentationml/2006/main" xmlns:c="http://schemas.openxmlformats.org/drawingml/2006/chart" xmlns:dgm="http://schemas.openxmlformats.org/drawingml/2006/diagram" xmlns:o="urn:schemas-microsoft-com:office:office" xmlns:v="urn:schemas-microsoft-com:vml" xmlns:pvml="urn:schemas-microsoft-com:office:powerpoint" xmlns:com="http://schemas.openxmlformats.org/drawingml/2006/compatibility" xmlns:p14="http://schemas.microsoft.com/office/powerpoint/2010/main" xmlns:p15="http://schemas.microsoft.com/office/powerpoint/2012/main" xmlns:ahyp="http://schemas.microsoft.com/office/drawing/2018/hyperlinkcolor" matchingName="Text or Images side by side">
+<p:sldLayout xmlns:a="http://schemas.openxmlformats.org/drawingml/2006/main" xmlns:r="http://schemas.openxmlformats.org/officeDocument/2006/relationships" xmlns:p="http://schemas.openxmlformats.org/presentationml/2006/main" matchingName="Text or Images side by side">
   <p:cSld name="TITLE_4_1_1_1_3_1_1_1">
     <p:spTree>
       <p:nvGrpSpPr>
-        <p:cNvPr id="35" name="Shape 35"/>
+        <p:cNvPr id="1" name="Shape 35"/>
         <p:cNvGrpSpPr/>
         <p:nvPr/>
       </p:nvGrpSpPr>
@@ -4520,9 +4617,11 @@
       <p:sp>
         <p:nvSpPr>
           <p:cNvPr id="36" name="Google Shape;36;p7"/>
-          <p:cNvSpPr txBox="1"/>
+          <p:cNvSpPr txBox="1">
+            <a:spLocks noGrp="1"/>
+          </p:cNvSpPr>
           <p:nvPr>
-            <p:ph idx="1" type="body"/>
+            <p:ph type="body" idx="1"/>
           </p:nvPr>
         </p:nvSpPr>
         <p:spPr>
@@ -4538,11 +4637,11 @@
           </a:ln>
         </p:spPr>
         <p:txBody>
-          <a:bodyPr anchorCtr="0" anchor="t" bIns="116050" lIns="116050" spcFirstLastPara="1" rIns="116050" wrap="square" tIns="116050">
+          <a:bodyPr spcFirstLastPara="1" wrap="square" lIns="116050" tIns="116050" rIns="116050" bIns="116050" anchor="t" anchorCtr="0">
             <a:noAutofit/>
           </a:bodyPr>
           <a:lstStyle>
-            <a:lvl1pPr indent="-374650" lvl="0" marL="457200" rtl="0">
+            <a:lvl1pPr marL="457200" lvl="0" indent="-374650" rtl="0">
               <a:spcBef>
                 <a:spcPts val="0"/>
               </a:spcBef>
@@ -4560,7 +4659,7 @@
                 </a:solidFill>
               </a:defRPr>
             </a:lvl1pPr>
-            <a:lvl2pPr indent="-342900" lvl="1" marL="914400" rtl="0">
+            <a:lvl2pPr marL="914400" lvl="1" indent="-342900" rtl="0">
               <a:spcBef>
                 <a:spcPts val="2000"/>
               </a:spcBef>
@@ -4578,7 +4677,7 @@
                 </a:solidFill>
               </a:defRPr>
             </a:lvl2pPr>
-            <a:lvl3pPr indent="-342900" lvl="2" marL="1371600" rtl="0">
+            <a:lvl3pPr marL="1371600" lvl="2" indent="-342900" rtl="0">
               <a:spcBef>
                 <a:spcPts val="2000"/>
               </a:spcBef>
@@ -4596,7 +4695,7 @@
                 </a:solidFill>
               </a:defRPr>
             </a:lvl3pPr>
-            <a:lvl4pPr indent="-342900" lvl="3" marL="1828800" rtl="0">
+            <a:lvl4pPr marL="1828800" lvl="3" indent="-342900" rtl="0">
               <a:spcBef>
                 <a:spcPts val="2000"/>
               </a:spcBef>
@@ -4614,7 +4713,7 @@
                 </a:solidFill>
               </a:defRPr>
             </a:lvl4pPr>
-            <a:lvl5pPr indent="-342900" lvl="4" marL="2286000" rtl="0">
+            <a:lvl5pPr marL="2286000" lvl="4" indent="-342900" rtl="0">
               <a:spcBef>
                 <a:spcPts val="2000"/>
               </a:spcBef>
@@ -4632,7 +4731,7 @@
                 </a:solidFill>
               </a:defRPr>
             </a:lvl5pPr>
-            <a:lvl6pPr indent="-342900" lvl="5" marL="2743200" rtl="0">
+            <a:lvl6pPr marL="2743200" lvl="5" indent="-342900" rtl="0">
               <a:spcBef>
                 <a:spcPts val="2000"/>
               </a:spcBef>
@@ -4650,7 +4749,7 @@
                 </a:solidFill>
               </a:defRPr>
             </a:lvl6pPr>
-            <a:lvl7pPr indent="-342900" lvl="6" marL="3200400" rtl="0">
+            <a:lvl7pPr marL="3200400" lvl="6" indent="-342900" rtl="0">
               <a:spcBef>
                 <a:spcPts val="2000"/>
               </a:spcBef>
@@ -4668,7 +4767,7 @@
                 </a:solidFill>
               </a:defRPr>
             </a:lvl7pPr>
-            <a:lvl8pPr indent="-342900" lvl="7" marL="3657600" rtl="0">
+            <a:lvl8pPr marL="3657600" lvl="7" indent="-342900" rtl="0">
               <a:spcBef>
                 <a:spcPts val="2000"/>
               </a:spcBef>
@@ -4686,7 +4785,7 @@
                 </a:solidFill>
               </a:defRPr>
             </a:lvl8pPr>
-            <a:lvl9pPr indent="-342900" lvl="8" marL="4114800" rtl="0">
+            <a:lvl9pPr marL="4114800" lvl="8" indent="-342900" rtl="0">
               <a:spcBef>
                 <a:spcPts val="2000"/>
               </a:spcBef>
@@ -4705,15 +4804,19 @@
               </a:defRPr>
             </a:lvl9pPr>
           </a:lstStyle>
-          <a:p/>
+          <a:p>
+            <a:endParaRPr/>
+          </a:p>
         </p:txBody>
       </p:sp>
       <p:sp>
         <p:nvSpPr>
           <p:cNvPr id="37" name="Google Shape;37;p7"/>
-          <p:cNvSpPr txBox="1"/>
+          <p:cNvSpPr txBox="1">
+            <a:spLocks noGrp="1"/>
+          </p:cNvSpPr>
           <p:nvPr>
-            <p:ph idx="12" type="sldNum"/>
+            <p:ph type="sldNum" idx="12"/>
           </p:nvPr>
         </p:nvSpPr>
         <p:spPr>
@@ -4726,7 +4829,7 @@
           </a:prstGeom>
         </p:spPr>
         <p:txBody>
-          <a:bodyPr anchorCtr="0" anchor="t" bIns="116050" lIns="116050" spcFirstLastPara="1" rIns="116050" wrap="square" tIns="116050">
+          <a:bodyPr spcFirstLastPara="1" wrap="square" lIns="116050" tIns="116050" rIns="116050" bIns="116050" anchor="t" anchorCtr="0">
             <a:noAutofit/>
           </a:bodyPr>
           <a:lstStyle>
@@ -4840,7 +4943,7 @@
             </a:lvl9pPr>
           </a:lstStyle>
           <a:p>
-            <a:pPr indent="0" lvl="0" marL="0" rtl="0" algn="ctr">
+            <a:pPr marL="0" lvl="0" indent="0" algn="ctr" rtl="0">
               <a:spcBef>
                 <a:spcPts val="0"/>
               </a:spcBef>
@@ -4860,9 +4963,11 @@
       <p:sp>
         <p:nvSpPr>
           <p:cNvPr id="38" name="Google Shape;38;p7"/>
-          <p:cNvSpPr txBox="1"/>
+          <p:cNvSpPr txBox="1">
+            <a:spLocks noGrp="1"/>
+          </p:cNvSpPr>
           <p:nvPr>
-            <p:ph idx="2" type="body"/>
+            <p:ph type="body" idx="2"/>
           </p:nvPr>
         </p:nvSpPr>
         <p:spPr>
@@ -4878,11 +4983,11 @@
           </a:ln>
         </p:spPr>
         <p:txBody>
-          <a:bodyPr anchorCtr="0" anchor="t" bIns="116050" lIns="116050" spcFirstLastPara="1" rIns="116050" wrap="square" tIns="116050">
+          <a:bodyPr spcFirstLastPara="1" wrap="square" lIns="116050" tIns="116050" rIns="116050" bIns="116050" anchor="t" anchorCtr="0">
             <a:noAutofit/>
           </a:bodyPr>
           <a:lstStyle>
-            <a:lvl1pPr indent="-374650" lvl="0" marL="457200" rtl="0">
+            <a:lvl1pPr marL="457200" lvl="0" indent="-374650" rtl="0">
               <a:spcBef>
                 <a:spcPts val="0"/>
               </a:spcBef>
@@ -4900,7 +5005,7 @@
                 </a:solidFill>
               </a:defRPr>
             </a:lvl1pPr>
-            <a:lvl2pPr indent="-342900" lvl="1" marL="914400" rtl="0">
+            <a:lvl2pPr marL="914400" lvl="1" indent="-342900" rtl="0">
               <a:spcBef>
                 <a:spcPts val="2000"/>
               </a:spcBef>
@@ -4918,7 +5023,7 @@
                 </a:solidFill>
               </a:defRPr>
             </a:lvl2pPr>
-            <a:lvl3pPr indent="-342900" lvl="2" marL="1371600" rtl="0">
+            <a:lvl3pPr marL="1371600" lvl="2" indent="-342900" rtl="0">
               <a:spcBef>
                 <a:spcPts val="2000"/>
               </a:spcBef>
@@ -4936,7 +5041,7 @@
                 </a:solidFill>
               </a:defRPr>
             </a:lvl3pPr>
-            <a:lvl4pPr indent="-342900" lvl="3" marL="1828800" rtl="0">
+            <a:lvl4pPr marL="1828800" lvl="3" indent="-342900" rtl="0">
               <a:spcBef>
                 <a:spcPts val="2000"/>
               </a:spcBef>
@@ -4954,7 +5059,7 @@
                 </a:solidFill>
               </a:defRPr>
             </a:lvl4pPr>
-            <a:lvl5pPr indent="-342900" lvl="4" marL="2286000" rtl="0">
+            <a:lvl5pPr marL="2286000" lvl="4" indent="-342900" rtl="0">
               <a:spcBef>
                 <a:spcPts val="2000"/>
               </a:spcBef>
@@ -4972,7 +5077,7 @@
                 </a:solidFill>
               </a:defRPr>
             </a:lvl5pPr>
-            <a:lvl6pPr indent="-342900" lvl="5" marL="2743200" rtl="0">
+            <a:lvl6pPr marL="2743200" lvl="5" indent="-342900" rtl="0">
               <a:spcBef>
                 <a:spcPts val="2000"/>
               </a:spcBef>
@@ -4990,7 +5095,7 @@
                 </a:solidFill>
               </a:defRPr>
             </a:lvl6pPr>
-            <a:lvl7pPr indent="-342900" lvl="6" marL="3200400" rtl="0">
+            <a:lvl7pPr marL="3200400" lvl="6" indent="-342900" rtl="0">
               <a:spcBef>
                 <a:spcPts val="2000"/>
               </a:spcBef>
@@ -5008,7 +5113,7 @@
                 </a:solidFill>
               </a:defRPr>
             </a:lvl7pPr>
-            <a:lvl8pPr indent="-342900" lvl="7" marL="3657600" rtl="0">
+            <a:lvl8pPr marL="3657600" lvl="7" indent="-342900" rtl="0">
               <a:spcBef>
                 <a:spcPts val="2000"/>
               </a:spcBef>
@@ -5026,7 +5131,7 @@
                 </a:solidFill>
               </a:defRPr>
             </a:lvl8pPr>
-            <a:lvl9pPr indent="-342900" lvl="8" marL="4114800" rtl="0">
+            <a:lvl9pPr marL="4114800" lvl="8" indent="-342900" rtl="0">
               <a:spcBef>
                 <a:spcPts val="2000"/>
               </a:spcBef>
@@ -5045,15 +5150,19 @@
               </a:defRPr>
             </a:lvl9pPr>
           </a:lstStyle>
-          <a:p/>
+          <a:p>
+            <a:endParaRPr/>
+          </a:p>
         </p:txBody>
       </p:sp>
       <p:sp>
         <p:nvSpPr>
           <p:cNvPr id="39" name="Google Shape;39;p7"/>
-          <p:cNvSpPr txBox="1"/>
+          <p:cNvSpPr txBox="1">
+            <a:spLocks noGrp="1"/>
+          </p:cNvSpPr>
           <p:nvPr>
-            <p:ph idx="3" type="subTitle"/>
+            <p:ph type="subTitle" idx="3"/>
           </p:nvPr>
         </p:nvSpPr>
         <p:spPr>
@@ -5066,11 +5175,11 @@
           </a:prstGeom>
         </p:spPr>
         <p:txBody>
-          <a:bodyPr anchorCtr="0" anchor="ctr" bIns="116050" lIns="116050" spcFirstLastPara="1" rIns="0" wrap="square" tIns="116050">
+          <a:bodyPr spcFirstLastPara="1" wrap="square" lIns="116050" tIns="116050" rIns="0" bIns="116050" anchor="ctr" anchorCtr="0">
             <a:noAutofit/>
           </a:bodyPr>
           <a:lstStyle>
-            <a:lvl1pPr lvl="0" rtl="0" algn="r">
+            <a:lvl1pPr lvl="0" algn="r" rtl="0">
               <a:lnSpc>
                 <a:spcPct val="100000"/>
               </a:lnSpc>
@@ -5172,13 +5281,17 @@
               <a:defRPr/>
             </a:lvl9pPr>
           </a:lstStyle>
-          <a:p/>
+          <a:p>
+            <a:endParaRPr/>
+          </a:p>
         </p:txBody>
       </p:sp>
       <p:sp>
         <p:nvSpPr>
           <p:cNvPr id="40" name="Google Shape;40;p7"/>
-          <p:cNvSpPr txBox="1"/>
+          <p:cNvSpPr txBox="1">
+            <a:spLocks noGrp="1"/>
+          </p:cNvSpPr>
           <p:nvPr>
             <p:ph type="title"/>
           </p:nvPr>
@@ -5193,7 +5306,7 @@
           </a:prstGeom>
         </p:spPr>
         <p:txBody>
-          <a:bodyPr anchorCtr="0" anchor="ctr" bIns="116050" lIns="116050" spcFirstLastPara="1" rIns="116050" wrap="square" tIns="116050">
+          <a:bodyPr spcFirstLastPara="1" wrap="square" lIns="116050" tIns="116050" rIns="116050" bIns="116050" anchor="ctr" anchorCtr="0">
             <a:noAutofit/>
           </a:bodyPr>
           <a:lstStyle>
@@ -5288,7 +5401,9 @@
               <a:defRPr/>
             </a:lvl9pPr>
           </a:lstStyle>
-          <a:p/>
+          <a:p>
+            <a:endParaRPr/>
+          </a:p>
         </p:txBody>
       </p:sp>
     </p:spTree>
@@ -5300,11 +5415,11 @@
 </file>
 
 <file path=ppt/slideLayouts/slideLayout7.xml><?xml version="1.0" encoding="utf-8"?>
-<p:sldLayout xmlns:a="http://schemas.openxmlformats.org/drawingml/2006/main" xmlns:r="http://schemas.openxmlformats.org/officeDocument/2006/relationships" xmlns:mc="http://schemas.openxmlformats.org/markup-compatibility/2006" xmlns:mv="urn:schemas-microsoft-com:mac:vml" xmlns:p="http://schemas.openxmlformats.org/presentationml/2006/main" xmlns:c="http://schemas.openxmlformats.org/drawingml/2006/chart" xmlns:dgm="http://schemas.openxmlformats.org/drawingml/2006/diagram" xmlns:o="urn:schemas-microsoft-com:office:office" xmlns:v="urn:schemas-microsoft-com:vml" xmlns:pvml="urn:schemas-microsoft-com:office:powerpoint" xmlns:com="http://schemas.openxmlformats.org/drawingml/2006/compatibility" xmlns:p14="http://schemas.microsoft.com/office/powerpoint/2010/main" xmlns:p15="http://schemas.microsoft.com/office/powerpoint/2012/main" xmlns:ahyp="http://schemas.microsoft.com/office/drawing/2018/hyperlinkcolor" matchingName="Text or Images 2:1">
+<p:sldLayout xmlns:a="http://schemas.openxmlformats.org/drawingml/2006/main" xmlns:r="http://schemas.openxmlformats.org/officeDocument/2006/relationships" xmlns:p="http://schemas.openxmlformats.org/presentationml/2006/main" matchingName="Text or Images 2:1">
   <p:cSld name="TITLE_4_1_1_1_3_1_1_1_1">
     <p:spTree>
       <p:nvGrpSpPr>
-        <p:cNvPr id="41" name="Shape 41"/>
+        <p:cNvPr id="1" name="Shape 41"/>
         <p:cNvGrpSpPr/>
         <p:nvPr/>
       </p:nvGrpSpPr>
@@ -5319,9 +5434,11 @@
       <p:sp>
         <p:nvSpPr>
           <p:cNvPr id="42" name="Google Shape;42;p8"/>
-          <p:cNvSpPr txBox="1"/>
+          <p:cNvSpPr txBox="1">
+            <a:spLocks noGrp="1"/>
+          </p:cNvSpPr>
           <p:nvPr>
-            <p:ph idx="1" type="body"/>
+            <p:ph type="body" idx="1"/>
           </p:nvPr>
         </p:nvSpPr>
         <p:spPr>
@@ -5337,11 +5454,11 @@
           </a:ln>
         </p:spPr>
         <p:txBody>
-          <a:bodyPr anchorCtr="0" anchor="t" bIns="116050" lIns="116050" spcFirstLastPara="1" rIns="116050" wrap="square" tIns="116050">
+          <a:bodyPr spcFirstLastPara="1" wrap="square" lIns="116050" tIns="116050" rIns="116050" bIns="116050" anchor="t" anchorCtr="0">
             <a:noAutofit/>
           </a:bodyPr>
           <a:lstStyle>
-            <a:lvl1pPr indent="-374650" lvl="0" marL="457200" rtl="0">
+            <a:lvl1pPr marL="457200" lvl="0" indent="-374650" rtl="0">
               <a:spcBef>
                 <a:spcPts val="0"/>
               </a:spcBef>
@@ -5359,7 +5476,7 @@
                 </a:solidFill>
               </a:defRPr>
             </a:lvl1pPr>
-            <a:lvl2pPr indent="-342900" lvl="1" marL="914400" rtl="0">
+            <a:lvl2pPr marL="914400" lvl="1" indent="-342900" rtl="0">
               <a:spcBef>
                 <a:spcPts val="2000"/>
               </a:spcBef>
@@ -5377,7 +5494,7 @@
                 </a:solidFill>
               </a:defRPr>
             </a:lvl2pPr>
-            <a:lvl3pPr indent="-342900" lvl="2" marL="1371600" rtl="0">
+            <a:lvl3pPr marL="1371600" lvl="2" indent="-342900" rtl="0">
               <a:spcBef>
                 <a:spcPts val="2000"/>
               </a:spcBef>
@@ -5395,7 +5512,7 @@
                 </a:solidFill>
               </a:defRPr>
             </a:lvl3pPr>
-            <a:lvl4pPr indent="-342900" lvl="3" marL="1828800" rtl="0">
+            <a:lvl4pPr marL="1828800" lvl="3" indent="-342900" rtl="0">
               <a:spcBef>
                 <a:spcPts val="2000"/>
               </a:spcBef>
@@ -5413,7 +5530,7 @@
                 </a:solidFill>
               </a:defRPr>
             </a:lvl4pPr>
-            <a:lvl5pPr indent="-342900" lvl="4" marL="2286000" rtl="0">
+            <a:lvl5pPr marL="2286000" lvl="4" indent="-342900" rtl="0">
               <a:spcBef>
                 <a:spcPts val="2000"/>
               </a:spcBef>
@@ -5431,7 +5548,7 @@
                 </a:solidFill>
               </a:defRPr>
             </a:lvl5pPr>
-            <a:lvl6pPr indent="-342900" lvl="5" marL="2743200" rtl="0">
+            <a:lvl6pPr marL="2743200" lvl="5" indent="-342900" rtl="0">
               <a:spcBef>
                 <a:spcPts val="2000"/>
               </a:spcBef>
@@ -5449,7 +5566,7 @@
                 </a:solidFill>
               </a:defRPr>
             </a:lvl6pPr>
-            <a:lvl7pPr indent="-342900" lvl="6" marL="3200400" rtl="0">
+            <a:lvl7pPr marL="3200400" lvl="6" indent="-342900" rtl="0">
               <a:spcBef>
                 <a:spcPts val="2000"/>
               </a:spcBef>
@@ -5467,7 +5584,7 @@
                 </a:solidFill>
               </a:defRPr>
             </a:lvl7pPr>
-            <a:lvl8pPr indent="-342900" lvl="7" marL="3657600" rtl="0">
+            <a:lvl8pPr marL="3657600" lvl="7" indent="-342900" rtl="0">
               <a:spcBef>
                 <a:spcPts val="2000"/>
               </a:spcBef>
@@ -5485,7 +5602,7 @@
                 </a:solidFill>
               </a:defRPr>
             </a:lvl8pPr>
-            <a:lvl9pPr indent="-342900" lvl="8" marL="4114800" rtl="0">
+            <a:lvl9pPr marL="4114800" lvl="8" indent="-342900" rtl="0">
               <a:spcBef>
                 <a:spcPts val="2000"/>
               </a:spcBef>
@@ -5504,13 +5621,17 @@
               </a:defRPr>
             </a:lvl9pPr>
           </a:lstStyle>
-          <a:p/>
+          <a:p>
+            <a:endParaRPr/>
+          </a:p>
         </p:txBody>
       </p:sp>
       <p:sp>
         <p:nvSpPr>
           <p:cNvPr id="43" name="Google Shape;43;p8"/>
-          <p:cNvSpPr txBox="1"/>
+          <p:cNvSpPr txBox="1">
+            <a:spLocks noGrp="1"/>
+          </p:cNvSpPr>
           <p:nvPr>
             <p:ph type="title"/>
           </p:nvPr>
@@ -5525,7 +5646,7 @@
           </a:prstGeom>
         </p:spPr>
         <p:txBody>
-          <a:bodyPr anchorCtr="0" anchor="ctr" bIns="116050" lIns="116050" spcFirstLastPara="1" rIns="116050" wrap="square" tIns="116050">
+          <a:bodyPr spcFirstLastPara="1" wrap="square" lIns="116050" tIns="116050" rIns="116050" bIns="116050" anchor="ctr" anchorCtr="0">
             <a:noAutofit/>
           </a:bodyPr>
           <a:lstStyle>
@@ -5620,15 +5741,19 @@
               <a:defRPr/>
             </a:lvl9pPr>
           </a:lstStyle>
-          <a:p/>
+          <a:p>
+            <a:endParaRPr/>
+          </a:p>
         </p:txBody>
       </p:sp>
       <p:sp>
         <p:nvSpPr>
           <p:cNvPr id="44" name="Google Shape;44;p8"/>
-          <p:cNvSpPr txBox="1"/>
+          <p:cNvSpPr txBox="1">
+            <a:spLocks noGrp="1"/>
+          </p:cNvSpPr>
           <p:nvPr>
-            <p:ph idx="12" type="sldNum"/>
+            <p:ph type="sldNum" idx="12"/>
           </p:nvPr>
         </p:nvSpPr>
         <p:spPr>
@@ -5641,7 +5766,7 @@
           </a:prstGeom>
         </p:spPr>
         <p:txBody>
-          <a:bodyPr anchorCtr="0" anchor="t" bIns="116050" lIns="116050" spcFirstLastPara="1" rIns="116050" wrap="square" tIns="116050">
+          <a:bodyPr spcFirstLastPara="1" wrap="square" lIns="116050" tIns="116050" rIns="116050" bIns="116050" anchor="t" anchorCtr="0">
             <a:noAutofit/>
           </a:bodyPr>
           <a:lstStyle>
@@ -5755,7 +5880,7 @@
             </a:lvl9pPr>
           </a:lstStyle>
           <a:p>
-            <a:pPr indent="0" lvl="0" marL="0" rtl="0" algn="ctr">
+            <a:pPr marL="0" lvl="0" indent="0" algn="ctr" rtl="0">
               <a:spcBef>
                 <a:spcPts val="0"/>
               </a:spcBef>
@@ -5775,9 +5900,11 @@
       <p:sp>
         <p:nvSpPr>
           <p:cNvPr id="45" name="Google Shape;45;p8"/>
-          <p:cNvSpPr txBox="1"/>
+          <p:cNvSpPr txBox="1">
+            <a:spLocks noGrp="1"/>
+          </p:cNvSpPr>
           <p:nvPr>
-            <p:ph idx="2" type="body"/>
+            <p:ph type="body" idx="2"/>
           </p:nvPr>
         </p:nvSpPr>
         <p:spPr>
@@ -5793,11 +5920,11 @@
           </a:ln>
         </p:spPr>
         <p:txBody>
-          <a:bodyPr anchorCtr="0" anchor="t" bIns="116050" lIns="116050" spcFirstLastPara="1" rIns="116050" wrap="square" tIns="116050">
+          <a:bodyPr spcFirstLastPara="1" wrap="square" lIns="116050" tIns="116050" rIns="116050" bIns="116050" anchor="t" anchorCtr="0">
             <a:noAutofit/>
           </a:bodyPr>
           <a:lstStyle>
-            <a:lvl1pPr indent="-374650" lvl="0" marL="457200" rtl="0">
+            <a:lvl1pPr marL="457200" lvl="0" indent="-374650" rtl="0">
               <a:spcBef>
                 <a:spcPts val="0"/>
               </a:spcBef>
@@ -5815,7 +5942,7 @@
                 </a:solidFill>
               </a:defRPr>
             </a:lvl1pPr>
-            <a:lvl2pPr indent="-342900" lvl="1" marL="914400" rtl="0">
+            <a:lvl2pPr marL="914400" lvl="1" indent="-342900" rtl="0">
               <a:spcBef>
                 <a:spcPts val="2000"/>
               </a:spcBef>
@@ -5833,7 +5960,7 @@
                 </a:solidFill>
               </a:defRPr>
             </a:lvl2pPr>
-            <a:lvl3pPr indent="-342900" lvl="2" marL="1371600" rtl="0">
+            <a:lvl3pPr marL="1371600" lvl="2" indent="-342900" rtl="0">
               <a:spcBef>
                 <a:spcPts val="2000"/>
               </a:spcBef>
@@ -5851,7 +5978,7 @@
                 </a:solidFill>
               </a:defRPr>
             </a:lvl3pPr>
-            <a:lvl4pPr indent="-342900" lvl="3" marL="1828800" rtl="0">
+            <a:lvl4pPr marL="1828800" lvl="3" indent="-342900" rtl="0">
               <a:spcBef>
                 <a:spcPts val="2000"/>
               </a:spcBef>
@@ -5869,7 +5996,7 @@
                 </a:solidFill>
               </a:defRPr>
             </a:lvl4pPr>
-            <a:lvl5pPr indent="-342900" lvl="4" marL="2286000" rtl="0">
+            <a:lvl5pPr marL="2286000" lvl="4" indent="-342900" rtl="0">
               <a:spcBef>
                 <a:spcPts val="2000"/>
               </a:spcBef>
@@ -5887,7 +6014,7 @@
                 </a:solidFill>
               </a:defRPr>
             </a:lvl5pPr>
-            <a:lvl6pPr indent="-342900" lvl="5" marL="2743200" rtl="0">
+            <a:lvl6pPr marL="2743200" lvl="5" indent="-342900" rtl="0">
               <a:spcBef>
                 <a:spcPts val="2000"/>
               </a:spcBef>
@@ -5905,7 +6032,7 @@
                 </a:solidFill>
               </a:defRPr>
             </a:lvl6pPr>
-            <a:lvl7pPr indent="-342900" lvl="6" marL="3200400" rtl="0">
+            <a:lvl7pPr marL="3200400" lvl="6" indent="-342900" rtl="0">
               <a:spcBef>
                 <a:spcPts val="2000"/>
               </a:spcBef>
@@ -5923,7 +6050,7 @@
                 </a:solidFill>
               </a:defRPr>
             </a:lvl7pPr>
-            <a:lvl8pPr indent="-342900" lvl="7" marL="3657600" rtl="0">
+            <a:lvl8pPr marL="3657600" lvl="7" indent="-342900" rtl="0">
               <a:spcBef>
                 <a:spcPts val="2000"/>
               </a:spcBef>
@@ -5941,7 +6068,7 @@
                 </a:solidFill>
               </a:defRPr>
             </a:lvl8pPr>
-            <a:lvl9pPr indent="-342900" lvl="8" marL="4114800" rtl="0">
+            <a:lvl9pPr marL="4114800" lvl="8" indent="-342900" rtl="0">
               <a:spcBef>
                 <a:spcPts val="2000"/>
               </a:spcBef>
@@ -5960,15 +6087,19 @@
               </a:defRPr>
             </a:lvl9pPr>
           </a:lstStyle>
-          <a:p/>
+          <a:p>
+            <a:endParaRPr/>
+          </a:p>
         </p:txBody>
       </p:sp>
       <p:sp>
         <p:nvSpPr>
           <p:cNvPr id="46" name="Google Shape;46;p8"/>
-          <p:cNvSpPr txBox="1"/>
+          <p:cNvSpPr txBox="1">
+            <a:spLocks noGrp="1"/>
+          </p:cNvSpPr>
           <p:nvPr>
-            <p:ph idx="3" type="subTitle"/>
+            <p:ph type="subTitle" idx="3"/>
           </p:nvPr>
         </p:nvSpPr>
         <p:spPr>
@@ -5981,11 +6112,11 @@
           </a:prstGeom>
         </p:spPr>
         <p:txBody>
-          <a:bodyPr anchorCtr="0" anchor="ctr" bIns="116050" lIns="116050" spcFirstLastPara="1" rIns="0" wrap="square" tIns="116050">
+          <a:bodyPr spcFirstLastPara="1" wrap="square" lIns="116050" tIns="116050" rIns="0" bIns="116050" anchor="ctr" anchorCtr="0">
             <a:noAutofit/>
           </a:bodyPr>
           <a:lstStyle>
-            <a:lvl1pPr lvl="0" rtl="0" algn="r">
+            <a:lvl1pPr lvl="0" algn="r" rtl="0">
               <a:lnSpc>
                 <a:spcPct val="100000"/>
               </a:lnSpc>
@@ -6087,7 +6218,9 @@
               <a:defRPr/>
             </a:lvl9pPr>
           </a:lstStyle>
-          <a:p/>
+          <a:p>
+            <a:endParaRPr/>
+          </a:p>
         </p:txBody>
       </p:sp>
     </p:spTree>
@@ -6099,11 +6232,11 @@
 </file>
 
 <file path=ppt/slideLayouts/slideLayout8.xml><?xml version="1.0" encoding="utf-8"?>
-<p:sldLayout xmlns:a="http://schemas.openxmlformats.org/drawingml/2006/main" xmlns:r="http://schemas.openxmlformats.org/officeDocument/2006/relationships" xmlns:mc="http://schemas.openxmlformats.org/markup-compatibility/2006" xmlns:mv="urn:schemas-microsoft-com:mac:vml" xmlns:p="http://schemas.openxmlformats.org/presentationml/2006/main" xmlns:c="http://schemas.openxmlformats.org/drawingml/2006/chart" xmlns:dgm="http://schemas.openxmlformats.org/drawingml/2006/diagram" xmlns:o="urn:schemas-microsoft-com:office:office" xmlns:v="urn:schemas-microsoft-com:vml" xmlns:pvml="urn:schemas-microsoft-com:office:powerpoint" xmlns:com="http://schemas.openxmlformats.org/drawingml/2006/compatibility" xmlns:p14="http://schemas.microsoft.com/office/powerpoint/2010/main" xmlns:p15="http://schemas.microsoft.com/office/powerpoint/2012/main" xmlns:ahyp="http://schemas.microsoft.com/office/drawing/2018/hyperlinkcolor" matchingName="Text or Images 1:2">
+<p:sldLayout xmlns:a="http://schemas.openxmlformats.org/drawingml/2006/main" xmlns:r="http://schemas.openxmlformats.org/officeDocument/2006/relationships" xmlns:p="http://schemas.openxmlformats.org/presentationml/2006/main" matchingName="Text or Images 1:2">
   <p:cSld name="TITLE_4_1_1_1_3_1_1_1_1_1">
     <p:spTree>
       <p:nvGrpSpPr>
-        <p:cNvPr id="47" name="Shape 47"/>
+        <p:cNvPr id="1" name="Shape 47"/>
         <p:cNvGrpSpPr/>
         <p:nvPr/>
       </p:nvGrpSpPr>
@@ -6118,9 +6251,11 @@
       <p:sp>
         <p:nvSpPr>
           <p:cNvPr id="48" name="Google Shape;48;p9"/>
-          <p:cNvSpPr txBox="1"/>
+          <p:cNvSpPr txBox="1">
+            <a:spLocks noGrp="1"/>
+          </p:cNvSpPr>
           <p:nvPr>
-            <p:ph idx="1" type="body"/>
+            <p:ph type="body" idx="1"/>
           </p:nvPr>
         </p:nvSpPr>
         <p:spPr>
@@ -6136,11 +6271,11 @@
           </a:ln>
         </p:spPr>
         <p:txBody>
-          <a:bodyPr anchorCtr="0" anchor="t" bIns="116050" lIns="116050" spcFirstLastPara="1" rIns="116050" wrap="square" tIns="116050">
+          <a:bodyPr spcFirstLastPara="1" wrap="square" lIns="116050" tIns="116050" rIns="116050" bIns="116050" anchor="t" anchorCtr="0">
             <a:noAutofit/>
           </a:bodyPr>
           <a:lstStyle>
-            <a:lvl1pPr indent="-374650" lvl="0" marL="457200" rtl="0">
+            <a:lvl1pPr marL="457200" lvl="0" indent="-374650" rtl="0">
               <a:spcBef>
                 <a:spcPts val="0"/>
               </a:spcBef>
@@ -6158,7 +6293,7 @@
                 </a:solidFill>
               </a:defRPr>
             </a:lvl1pPr>
-            <a:lvl2pPr indent="-342900" lvl="1" marL="914400" rtl="0">
+            <a:lvl2pPr marL="914400" lvl="1" indent="-342900" rtl="0">
               <a:spcBef>
                 <a:spcPts val="2000"/>
               </a:spcBef>
@@ -6176,7 +6311,7 @@
                 </a:solidFill>
               </a:defRPr>
             </a:lvl2pPr>
-            <a:lvl3pPr indent="-342900" lvl="2" marL="1371600" rtl="0">
+            <a:lvl3pPr marL="1371600" lvl="2" indent="-342900" rtl="0">
               <a:spcBef>
                 <a:spcPts val="2000"/>
               </a:spcBef>
@@ -6194,7 +6329,7 @@
                 </a:solidFill>
               </a:defRPr>
             </a:lvl3pPr>
-            <a:lvl4pPr indent="-342900" lvl="3" marL="1828800" rtl="0">
+            <a:lvl4pPr marL="1828800" lvl="3" indent="-342900" rtl="0">
               <a:spcBef>
                 <a:spcPts val="2000"/>
               </a:spcBef>
@@ -6212,7 +6347,7 @@
                 </a:solidFill>
               </a:defRPr>
             </a:lvl4pPr>
-            <a:lvl5pPr indent="-342900" lvl="4" marL="2286000" rtl="0">
+            <a:lvl5pPr marL="2286000" lvl="4" indent="-342900" rtl="0">
               <a:spcBef>
                 <a:spcPts val="2000"/>
               </a:spcBef>
@@ -6230,7 +6365,7 @@
                 </a:solidFill>
               </a:defRPr>
             </a:lvl5pPr>
-            <a:lvl6pPr indent="-342900" lvl="5" marL="2743200" rtl="0">
+            <a:lvl6pPr marL="2743200" lvl="5" indent="-342900" rtl="0">
               <a:spcBef>
                 <a:spcPts val="2000"/>
               </a:spcBef>
@@ -6248,7 +6383,7 @@
                 </a:solidFill>
               </a:defRPr>
             </a:lvl6pPr>
-            <a:lvl7pPr indent="-342900" lvl="6" marL="3200400" rtl="0">
+            <a:lvl7pPr marL="3200400" lvl="6" indent="-342900" rtl="0">
               <a:spcBef>
                 <a:spcPts val="2000"/>
               </a:spcBef>
@@ -6266,7 +6401,7 @@
                 </a:solidFill>
               </a:defRPr>
             </a:lvl7pPr>
-            <a:lvl8pPr indent="-342900" lvl="7" marL="3657600" rtl="0">
+            <a:lvl8pPr marL="3657600" lvl="7" indent="-342900" rtl="0">
               <a:spcBef>
                 <a:spcPts val="2000"/>
               </a:spcBef>
@@ -6284,7 +6419,7 @@
                 </a:solidFill>
               </a:defRPr>
             </a:lvl8pPr>
-            <a:lvl9pPr indent="-342900" lvl="8" marL="4114800" rtl="0">
+            <a:lvl9pPr marL="4114800" lvl="8" indent="-342900" rtl="0">
               <a:spcBef>
                 <a:spcPts val="2000"/>
               </a:spcBef>
@@ -6303,13 +6438,17 @@
               </a:defRPr>
             </a:lvl9pPr>
           </a:lstStyle>
-          <a:p/>
+          <a:p>
+            <a:endParaRPr/>
+          </a:p>
         </p:txBody>
       </p:sp>
       <p:sp>
         <p:nvSpPr>
           <p:cNvPr id="49" name="Google Shape;49;p9"/>
-          <p:cNvSpPr txBox="1"/>
+          <p:cNvSpPr txBox="1">
+            <a:spLocks noGrp="1"/>
+          </p:cNvSpPr>
           <p:nvPr>
             <p:ph type="title"/>
           </p:nvPr>
@@ -6324,7 +6463,7 @@
           </a:prstGeom>
         </p:spPr>
         <p:txBody>
-          <a:bodyPr anchorCtr="0" anchor="ctr" bIns="116050" lIns="116050" spcFirstLastPara="1" rIns="116050" wrap="square" tIns="116050">
+          <a:bodyPr spcFirstLastPara="1" wrap="square" lIns="116050" tIns="116050" rIns="116050" bIns="116050" anchor="ctr" anchorCtr="0">
             <a:noAutofit/>
           </a:bodyPr>
           <a:lstStyle>
@@ -6419,15 +6558,19 @@
               <a:defRPr/>
             </a:lvl9pPr>
           </a:lstStyle>
-          <a:p/>
+          <a:p>
+            <a:endParaRPr/>
+          </a:p>
         </p:txBody>
       </p:sp>
       <p:sp>
         <p:nvSpPr>
           <p:cNvPr id="50" name="Google Shape;50;p9"/>
-          <p:cNvSpPr txBox="1"/>
+          <p:cNvSpPr txBox="1">
+            <a:spLocks noGrp="1"/>
+          </p:cNvSpPr>
           <p:nvPr>
-            <p:ph idx="12" type="sldNum"/>
+            <p:ph type="sldNum" idx="12"/>
           </p:nvPr>
         </p:nvSpPr>
         <p:spPr>
@@ -6440,7 +6583,7 @@
           </a:prstGeom>
         </p:spPr>
         <p:txBody>
-          <a:bodyPr anchorCtr="0" anchor="t" bIns="116050" lIns="116050" spcFirstLastPara="1" rIns="116050" wrap="square" tIns="116050">
+          <a:bodyPr spcFirstLastPara="1" wrap="square" lIns="116050" tIns="116050" rIns="116050" bIns="116050" anchor="t" anchorCtr="0">
             <a:noAutofit/>
           </a:bodyPr>
           <a:lstStyle>
@@ -6554,7 +6697,7 @@
             </a:lvl9pPr>
           </a:lstStyle>
           <a:p>
-            <a:pPr indent="0" lvl="0" marL="0" rtl="0" algn="ctr">
+            <a:pPr marL="0" lvl="0" indent="0" algn="ctr" rtl="0">
               <a:spcBef>
                 <a:spcPts val="0"/>
               </a:spcBef>
@@ -6574,9 +6717,11 @@
       <p:sp>
         <p:nvSpPr>
           <p:cNvPr id="51" name="Google Shape;51;p9"/>
-          <p:cNvSpPr txBox="1"/>
+          <p:cNvSpPr txBox="1">
+            <a:spLocks noGrp="1"/>
+          </p:cNvSpPr>
           <p:nvPr>
-            <p:ph idx="2" type="body"/>
+            <p:ph type="body" idx="2"/>
           </p:nvPr>
         </p:nvSpPr>
         <p:spPr>
@@ -6592,11 +6737,11 @@
           </a:ln>
         </p:spPr>
         <p:txBody>
-          <a:bodyPr anchorCtr="0" anchor="t" bIns="116050" lIns="116050" spcFirstLastPara="1" rIns="116050" wrap="square" tIns="116050">
+          <a:bodyPr spcFirstLastPara="1" wrap="square" lIns="116050" tIns="116050" rIns="116050" bIns="116050" anchor="t" anchorCtr="0">
             <a:noAutofit/>
           </a:bodyPr>
           <a:lstStyle>
-            <a:lvl1pPr indent="-374650" lvl="0" marL="457200" rtl="0">
+            <a:lvl1pPr marL="457200" lvl="0" indent="-374650" rtl="0">
               <a:spcBef>
                 <a:spcPts val="0"/>
               </a:spcBef>
@@ -6614,7 +6759,7 @@
                 </a:solidFill>
               </a:defRPr>
             </a:lvl1pPr>
-            <a:lvl2pPr indent="-342900" lvl="1" marL="914400" rtl="0">
+            <a:lvl2pPr marL="914400" lvl="1" indent="-342900" rtl="0">
               <a:spcBef>
                 <a:spcPts val="2000"/>
               </a:spcBef>
@@ -6632,7 +6777,7 @@
                 </a:solidFill>
               </a:defRPr>
             </a:lvl2pPr>
-            <a:lvl3pPr indent="-342900" lvl="2" marL="1371600" rtl="0">
+            <a:lvl3pPr marL="1371600" lvl="2" indent="-342900" rtl="0">
               <a:spcBef>
                 <a:spcPts val="2000"/>
               </a:spcBef>
@@ -6650,7 +6795,7 @@
                 </a:solidFill>
               </a:defRPr>
             </a:lvl3pPr>
-            <a:lvl4pPr indent="-342900" lvl="3" marL="1828800" rtl="0">
+            <a:lvl4pPr marL="1828800" lvl="3" indent="-342900" rtl="0">
               <a:spcBef>
                 <a:spcPts val="2000"/>
               </a:spcBef>
@@ -6668,7 +6813,7 @@
                 </a:solidFill>
               </a:defRPr>
             </a:lvl4pPr>
-            <a:lvl5pPr indent="-342900" lvl="4" marL="2286000" rtl="0">
+            <a:lvl5pPr marL="2286000" lvl="4" indent="-342900" rtl="0">
               <a:spcBef>
                 <a:spcPts val="2000"/>
               </a:spcBef>
@@ -6686,7 +6831,7 @@
                 </a:solidFill>
               </a:defRPr>
             </a:lvl5pPr>
-            <a:lvl6pPr indent="-342900" lvl="5" marL="2743200" rtl="0">
+            <a:lvl6pPr marL="2743200" lvl="5" indent="-342900" rtl="0">
               <a:spcBef>
                 <a:spcPts val="2000"/>
               </a:spcBef>
@@ -6704,7 +6849,7 @@
                 </a:solidFill>
               </a:defRPr>
             </a:lvl6pPr>
-            <a:lvl7pPr indent="-342900" lvl="6" marL="3200400" rtl="0">
+            <a:lvl7pPr marL="3200400" lvl="6" indent="-342900" rtl="0">
               <a:spcBef>
                 <a:spcPts val="2000"/>
               </a:spcBef>
@@ -6722,7 +6867,7 @@
                 </a:solidFill>
               </a:defRPr>
             </a:lvl7pPr>
-            <a:lvl8pPr indent="-342900" lvl="7" marL="3657600" rtl="0">
+            <a:lvl8pPr marL="3657600" lvl="7" indent="-342900" rtl="0">
               <a:spcBef>
                 <a:spcPts val="2000"/>
               </a:spcBef>
@@ -6740,7 +6885,7 @@
                 </a:solidFill>
               </a:defRPr>
             </a:lvl8pPr>
-            <a:lvl9pPr indent="-342900" lvl="8" marL="4114800" rtl="0">
+            <a:lvl9pPr marL="4114800" lvl="8" indent="-342900" rtl="0">
               <a:spcBef>
                 <a:spcPts val="2000"/>
               </a:spcBef>
@@ -6759,15 +6904,19 @@
               </a:defRPr>
             </a:lvl9pPr>
           </a:lstStyle>
-          <a:p/>
+          <a:p>
+            <a:endParaRPr/>
+          </a:p>
         </p:txBody>
       </p:sp>
       <p:sp>
         <p:nvSpPr>
           <p:cNvPr id="52" name="Google Shape;52;p9"/>
-          <p:cNvSpPr txBox="1"/>
+          <p:cNvSpPr txBox="1">
+            <a:spLocks noGrp="1"/>
+          </p:cNvSpPr>
           <p:nvPr>
-            <p:ph idx="3" type="subTitle"/>
+            <p:ph type="subTitle" idx="3"/>
           </p:nvPr>
         </p:nvSpPr>
         <p:spPr>
@@ -6780,11 +6929,11 @@
           </a:prstGeom>
         </p:spPr>
         <p:txBody>
-          <a:bodyPr anchorCtr="0" anchor="ctr" bIns="116050" lIns="116050" spcFirstLastPara="1" rIns="0" wrap="square" tIns="116050">
+          <a:bodyPr spcFirstLastPara="1" wrap="square" lIns="116050" tIns="116050" rIns="0" bIns="116050" anchor="ctr" anchorCtr="0">
             <a:noAutofit/>
           </a:bodyPr>
           <a:lstStyle>
-            <a:lvl1pPr lvl="0" rtl="0" algn="r">
+            <a:lvl1pPr lvl="0" algn="r" rtl="0">
               <a:lnSpc>
                 <a:spcPct val="100000"/>
               </a:lnSpc>
@@ -6886,7 +7035,9 @@
               <a:defRPr/>
             </a:lvl9pPr>
           </a:lstStyle>
-          <a:p/>
+          <a:p>
+            <a:endParaRPr/>
+          </a:p>
         </p:txBody>
       </p:sp>
     </p:spTree>
@@ -6898,11 +7049,11 @@
 </file>
 
 <file path=ppt/slideLayouts/slideLayout9.xml><?xml version="1.0" encoding="utf-8"?>
-<p:sldLayout xmlns:a="http://schemas.openxmlformats.org/drawingml/2006/main" xmlns:r="http://schemas.openxmlformats.org/officeDocument/2006/relationships" xmlns:mc="http://schemas.openxmlformats.org/markup-compatibility/2006" xmlns:mv="urn:schemas-microsoft-com:mac:vml" xmlns:p="http://schemas.openxmlformats.org/presentationml/2006/main" xmlns:c="http://schemas.openxmlformats.org/drawingml/2006/chart" xmlns:dgm="http://schemas.openxmlformats.org/drawingml/2006/diagram" xmlns:o="urn:schemas-microsoft-com:office:office" xmlns:v="urn:schemas-microsoft-com:vml" xmlns:pvml="urn:schemas-microsoft-com:office:powerpoint" xmlns:com="http://schemas.openxmlformats.org/drawingml/2006/compatibility" xmlns:p14="http://schemas.microsoft.com/office/powerpoint/2010/main" xmlns:p15="http://schemas.microsoft.com/office/powerpoint/2012/main" xmlns:ahyp="http://schemas.microsoft.com/office/drawing/2018/hyperlinkcolor" matchingName="Text or Images 1:1:1">
+<p:sldLayout xmlns:a="http://schemas.openxmlformats.org/drawingml/2006/main" xmlns:r="http://schemas.openxmlformats.org/officeDocument/2006/relationships" xmlns:p="http://schemas.openxmlformats.org/presentationml/2006/main" matchingName="Text or Images 1:1:1">
   <p:cSld name="TITLE_4_1_1_1_3_1_1_1_1_1_1">
     <p:spTree>
       <p:nvGrpSpPr>
-        <p:cNvPr id="53" name="Shape 53"/>
+        <p:cNvPr id="1" name="Shape 53"/>
         <p:cNvGrpSpPr/>
         <p:nvPr/>
       </p:nvGrpSpPr>
@@ -6917,9 +7068,11 @@
       <p:sp>
         <p:nvSpPr>
           <p:cNvPr id="54" name="Google Shape;54;p10"/>
-          <p:cNvSpPr txBox="1"/>
+          <p:cNvSpPr txBox="1">
+            <a:spLocks noGrp="1"/>
+          </p:cNvSpPr>
           <p:nvPr>
-            <p:ph idx="1" type="body"/>
+            <p:ph type="body" idx="1"/>
           </p:nvPr>
         </p:nvSpPr>
         <p:spPr>
@@ -6935,11 +7088,11 @@
           </a:ln>
         </p:spPr>
         <p:txBody>
-          <a:bodyPr anchorCtr="0" anchor="t" bIns="116050" lIns="116050" spcFirstLastPara="1" rIns="116050" wrap="square" tIns="116050">
+          <a:bodyPr spcFirstLastPara="1" wrap="square" lIns="116050" tIns="116050" rIns="116050" bIns="116050" anchor="t" anchorCtr="0">
             <a:noAutofit/>
           </a:bodyPr>
           <a:lstStyle>
-            <a:lvl1pPr indent="-374650" lvl="0" marL="457200" rtl="0">
+            <a:lvl1pPr marL="457200" lvl="0" indent="-374650" rtl="0">
               <a:spcBef>
                 <a:spcPts val="0"/>
               </a:spcBef>
@@ -6957,7 +7110,7 @@
                 </a:solidFill>
               </a:defRPr>
             </a:lvl1pPr>
-            <a:lvl2pPr indent="-342900" lvl="1" marL="914400" rtl="0">
+            <a:lvl2pPr marL="914400" lvl="1" indent="-342900" rtl="0">
               <a:spcBef>
                 <a:spcPts val="2000"/>
               </a:spcBef>
@@ -6975,7 +7128,7 @@
                 </a:solidFill>
               </a:defRPr>
             </a:lvl2pPr>
-            <a:lvl3pPr indent="-342900" lvl="2" marL="1371600" rtl="0">
+            <a:lvl3pPr marL="1371600" lvl="2" indent="-342900" rtl="0">
               <a:spcBef>
                 <a:spcPts val="2000"/>
               </a:spcBef>
@@ -6993,7 +7146,7 @@
                 </a:solidFill>
               </a:defRPr>
             </a:lvl3pPr>
-            <a:lvl4pPr indent="-342900" lvl="3" marL="1828800" rtl="0">
+            <a:lvl4pPr marL="1828800" lvl="3" indent="-342900" rtl="0">
               <a:spcBef>
                 <a:spcPts val="2000"/>
               </a:spcBef>
@@ -7011,7 +7164,7 @@
                 </a:solidFill>
               </a:defRPr>
             </a:lvl4pPr>
-            <a:lvl5pPr indent="-342900" lvl="4" marL="2286000" rtl="0">
+            <a:lvl5pPr marL="2286000" lvl="4" indent="-342900" rtl="0">
               <a:spcBef>
                 <a:spcPts val="2000"/>
               </a:spcBef>
@@ -7029,7 +7182,7 @@
                 </a:solidFill>
               </a:defRPr>
             </a:lvl5pPr>
-            <a:lvl6pPr indent="-342900" lvl="5" marL="2743200" rtl="0">
+            <a:lvl6pPr marL="2743200" lvl="5" indent="-342900" rtl="0">
               <a:spcBef>
                 <a:spcPts val="2000"/>
               </a:spcBef>
@@ -7047,7 +7200,7 @@
                 </a:solidFill>
               </a:defRPr>
             </a:lvl6pPr>
-            <a:lvl7pPr indent="-342900" lvl="6" marL="3200400" rtl="0">
+            <a:lvl7pPr marL="3200400" lvl="6" indent="-342900" rtl="0">
               <a:spcBef>
                 <a:spcPts val="2000"/>
               </a:spcBef>
@@ -7065,7 +7218,7 @@
                 </a:solidFill>
               </a:defRPr>
             </a:lvl7pPr>
-            <a:lvl8pPr indent="-342900" lvl="7" marL="3657600" rtl="0">
+            <a:lvl8pPr marL="3657600" lvl="7" indent="-342900" rtl="0">
               <a:spcBef>
                 <a:spcPts val="2000"/>
               </a:spcBef>
@@ -7083,7 +7236,7 @@
                 </a:solidFill>
               </a:defRPr>
             </a:lvl8pPr>
-            <a:lvl9pPr indent="-342900" lvl="8" marL="4114800" rtl="0">
+            <a:lvl9pPr marL="4114800" lvl="8" indent="-342900" rtl="0">
               <a:spcBef>
                 <a:spcPts val="2000"/>
               </a:spcBef>
@@ -7102,13 +7255,17 @@
               </a:defRPr>
             </a:lvl9pPr>
           </a:lstStyle>
-          <a:p/>
+          <a:p>
+            <a:endParaRPr/>
+          </a:p>
         </p:txBody>
       </p:sp>
       <p:sp>
         <p:nvSpPr>
           <p:cNvPr id="55" name="Google Shape;55;p10"/>
-          <p:cNvSpPr txBox="1"/>
+          <p:cNvSpPr txBox="1">
+            <a:spLocks noGrp="1"/>
+          </p:cNvSpPr>
           <p:nvPr>
             <p:ph type="title"/>
           </p:nvPr>
@@ -7123,7 +7280,7 @@
           </a:prstGeom>
         </p:spPr>
         <p:txBody>
-          <a:bodyPr anchorCtr="0" anchor="ctr" bIns="116050" lIns="116050" spcFirstLastPara="1" rIns="116050" wrap="square" tIns="116050">
+          <a:bodyPr spcFirstLastPara="1" wrap="square" lIns="116050" tIns="116050" rIns="116050" bIns="116050" anchor="ctr" anchorCtr="0">
             <a:noAutofit/>
           </a:bodyPr>
           <a:lstStyle>
@@ -7218,15 +7375,19 @@
               <a:defRPr/>
             </a:lvl9pPr>
           </a:lstStyle>
-          <a:p/>
+          <a:p>
+            <a:endParaRPr/>
+          </a:p>
         </p:txBody>
       </p:sp>
       <p:sp>
         <p:nvSpPr>
           <p:cNvPr id="56" name="Google Shape;56;p10"/>
-          <p:cNvSpPr txBox="1"/>
+          <p:cNvSpPr txBox="1">
+            <a:spLocks noGrp="1"/>
+          </p:cNvSpPr>
           <p:nvPr>
-            <p:ph idx="12" type="sldNum"/>
+            <p:ph type="sldNum" idx="12"/>
           </p:nvPr>
         </p:nvSpPr>
         <p:spPr>
@@ -7239,7 +7400,7 @@
           </a:prstGeom>
         </p:spPr>
         <p:txBody>
-          <a:bodyPr anchorCtr="0" anchor="t" bIns="116050" lIns="116050" spcFirstLastPara="1" rIns="116050" wrap="square" tIns="116050">
+          <a:bodyPr spcFirstLastPara="1" wrap="square" lIns="116050" tIns="116050" rIns="116050" bIns="116050" anchor="t" anchorCtr="0">
             <a:noAutofit/>
           </a:bodyPr>
           <a:lstStyle>
@@ -7353,7 +7514,7 @@
             </a:lvl9pPr>
           </a:lstStyle>
           <a:p>
-            <a:pPr indent="0" lvl="0" marL="0" rtl="0" algn="ctr">
+            <a:pPr marL="0" lvl="0" indent="0" algn="ctr" rtl="0">
               <a:spcBef>
                 <a:spcPts val="0"/>
               </a:spcBef>
@@ -7373,9 +7534,11 @@
       <p:sp>
         <p:nvSpPr>
           <p:cNvPr id="57" name="Google Shape;57;p10"/>
-          <p:cNvSpPr txBox="1"/>
+          <p:cNvSpPr txBox="1">
+            <a:spLocks noGrp="1"/>
+          </p:cNvSpPr>
           <p:nvPr>
-            <p:ph idx="2" type="body"/>
+            <p:ph type="body" idx="2"/>
           </p:nvPr>
         </p:nvSpPr>
         <p:spPr>
@@ -7391,11 +7554,11 @@
           </a:ln>
         </p:spPr>
         <p:txBody>
-          <a:bodyPr anchorCtr="0" anchor="t" bIns="116050" lIns="116050" spcFirstLastPara="1" rIns="116050" wrap="square" tIns="116050">
+          <a:bodyPr spcFirstLastPara="1" wrap="square" lIns="116050" tIns="116050" rIns="116050" bIns="116050" anchor="t" anchorCtr="0">
             <a:noAutofit/>
           </a:bodyPr>
           <a:lstStyle>
-            <a:lvl1pPr indent="-374650" lvl="0" marL="457200" rtl="0">
+            <a:lvl1pPr marL="457200" lvl="0" indent="-374650" rtl="0">
               <a:spcBef>
                 <a:spcPts val="0"/>
               </a:spcBef>
@@ -7413,7 +7576,7 @@
                 </a:solidFill>
               </a:defRPr>
             </a:lvl1pPr>
-            <a:lvl2pPr indent="-342900" lvl="1" marL="914400" rtl="0">
+            <a:lvl2pPr marL="914400" lvl="1" indent="-342900" rtl="0">
               <a:spcBef>
                 <a:spcPts val="2000"/>
               </a:spcBef>
@@ -7431,7 +7594,7 @@
                 </a:solidFill>
               </a:defRPr>
             </a:lvl2pPr>
-            <a:lvl3pPr indent="-342900" lvl="2" marL="1371600" rtl="0">
+            <a:lvl3pPr marL="1371600" lvl="2" indent="-342900" rtl="0">
               <a:spcBef>
                 <a:spcPts val="2000"/>
               </a:spcBef>
@@ -7449,7 +7612,7 @@
                 </a:solidFill>
               </a:defRPr>
             </a:lvl3pPr>
-            <a:lvl4pPr indent="-342900" lvl="3" marL="1828800" rtl="0">
+            <a:lvl4pPr marL="1828800" lvl="3" indent="-342900" rtl="0">
               <a:spcBef>
                 <a:spcPts val="2000"/>
               </a:spcBef>
@@ -7467,7 +7630,7 @@
                 </a:solidFill>
               </a:defRPr>
             </a:lvl4pPr>
-            <a:lvl5pPr indent="-342900" lvl="4" marL="2286000" rtl="0">
+            <a:lvl5pPr marL="2286000" lvl="4" indent="-342900" rtl="0">
               <a:spcBef>
                 <a:spcPts val="2000"/>
               </a:spcBef>
@@ -7485,7 +7648,7 @@
                 </a:solidFill>
               </a:defRPr>
             </a:lvl5pPr>
-            <a:lvl6pPr indent="-342900" lvl="5" marL="2743200" rtl="0">
+            <a:lvl6pPr marL="2743200" lvl="5" indent="-342900" rtl="0">
               <a:spcBef>
                 <a:spcPts val="2000"/>
               </a:spcBef>
@@ -7503,7 +7666,7 @@
                 </a:solidFill>
               </a:defRPr>
             </a:lvl6pPr>
-            <a:lvl7pPr indent="-342900" lvl="6" marL="3200400" rtl="0">
+            <a:lvl7pPr marL="3200400" lvl="6" indent="-342900" rtl="0">
               <a:spcBef>
                 <a:spcPts val="2000"/>
               </a:spcBef>
@@ -7521,7 +7684,7 @@
                 </a:solidFill>
               </a:defRPr>
             </a:lvl7pPr>
-            <a:lvl8pPr indent="-342900" lvl="7" marL="3657600" rtl="0">
+            <a:lvl8pPr marL="3657600" lvl="7" indent="-342900" rtl="0">
               <a:spcBef>
                 <a:spcPts val="2000"/>
               </a:spcBef>
@@ -7539,7 +7702,7 @@
                 </a:solidFill>
               </a:defRPr>
             </a:lvl8pPr>
-            <a:lvl9pPr indent="-342900" lvl="8" marL="4114800" rtl="0">
+            <a:lvl9pPr marL="4114800" lvl="8" indent="-342900" rtl="0">
               <a:spcBef>
                 <a:spcPts val="2000"/>
               </a:spcBef>
@@ -7558,15 +7721,19 @@
               </a:defRPr>
             </a:lvl9pPr>
           </a:lstStyle>
-          <a:p/>
+          <a:p>
+            <a:endParaRPr/>
+          </a:p>
         </p:txBody>
       </p:sp>
       <p:sp>
         <p:nvSpPr>
           <p:cNvPr id="58" name="Google Shape;58;p10"/>
-          <p:cNvSpPr txBox="1"/>
+          <p:cNvSpPr txBox="1">
+            <a:spLocks noGrp="1"/>
+          </p:cNvSpPr>
           <p:nvPr>
-            <p:ph idx="3" type="subTitle"/>
+            <p:ph type="subTitle" idx="3"/>
           </p:nvPr>
         </p:nvSpPr>
         <p:spPr>
@@ -7579,11 +7746,11 @@
           </a:prstGeom>
         </p:spPr>
         <p:txBody>
-          <a:bodyPr anchorCtr="0" anchor="ctr" bIns="116050" lIns="116050" spcFirstLastPara="1" rIns="0" wrap="square" tIns="116050">
+          <a:bodyPr spcFirstLastPara="1" wrap="square" lIns="116050" tIns="116050" rIns="0" bIns="116050" anchor="ctr" anchorCtr="0">
             <a:noAutofit/>
           </a:bodyPr>
           <a:lstStyle>
-            <a:lvl1pPr lvl="0" rtl="0" algn="r">
+            <a:lvl1pPr lvl="0" algn="r" rtl="0">
               <a:lnSpc>
                 <a:spcPct val="100000"/>
               </a:lnSpc>
@@ -7685,15 +7852,19 @@
               <a:defRPr/>
             </a:lvl9pPr>
           </a:lstStyle>
-          <a:p/>
+          <a:p>
+            <a:endParaRPr/>
+          </a:p>
         </p:txBody>
       </p:sp>
       <p:sp>
         <p:nvSpPr>
           <p:cNvPr id="59" name="Google Shape;59;p10"/>
-          <p:cNvSpPr txBox="1"/>
+          <p:cNvSpPr txBox="1">
+            <a:spLocks noGrp="1"/>
+          </p:cNvSpPr>
           <p:nvPr>
-            <p:ph idx="4" type="body"/>
+            <p:ph type="body" idx="4"/>
           </p:nvPr>
         </p:nvSpPr>
         <p:spPr>
@@ -7709,11 +7880,11 @@
           </a:ln>
         </p:spPr>
         <p:txBody>
-          <a:bodyPr anchorCtr="0" anchor="t" bIns="116050" lIns="116050" spcFirstLastPara="1" rIns="116050" wrap="square" tIns="116050">
+          <a:bodyPr spcFirstLastPara="1" wrap="square" lIns="116050" tIns="116050" rIns="116050" bIns="116050" anchor="t" anchorCtr="0">
             <a:noAutofit/>
           </a:bodyPr>
           <a:lstStyle>
-            <a:lvl1pPr indent="-374650" lvl="0" marL="457200" rtl="0">
+            <a:lvl1pPr marL="457200" lvl="0" indent="-374650" rtl="0">
               <a:spcBef>
                 <a:spcPts val="0"/>
               </a:spcBef>
@@ -7731,7 +7902,7 @@
                 </a:solidFill>
               </a:defRPr>
             </a:lvl1pPr>
-            <a:lvl2pPr indent="-342900" lvl="1" marL="914400" rtl="0">
+            <a:lvl2pPr marL="914400" lvl="1" indent="-342900" rtl="0">
               <a:spcBef>
                 <a:spcPts val="2000"/>
               </a:spcBef>
@@ -7749,7 +7920,7 @@
                 </a:solidFill>
               </a:defRPr>
             </a:lvl2pPr>
-            <a:lvl3pPr indent="-342900" lvl="2" marL="1371600" rtl="0">
+            <a:lvl3pPr marL="1371600" lvl="2" indent="-342900" rtl="0">
               <a:spcBef>
                 <a:spcPts val="2000"/>
               </a:spcBef>
@@ -7767,7 +7938,7 @@
                 </a:solidFill>
               </a:defRPr>
             </a:lvl3pPr>
-            <a:lvl4pPr indent="-342900" lvl="3" marL="1828800" rtl="0">
+            <a:lvl4pPr marL="1828800" lvl="3" indent="-342900" rtl="0">
               <a:spcBef>
                 <a:spcPts val="2000"/>
               </a:spcBef>
@@ -7785,7 +7956,7 @@
                 </a:solidFill>
               </a:defRPr>
             </a:lvl4pPr>
-            <a:lvl5pPr indent="-342900" lvl="4" marL="2286000" rtl="0">
+            <a:lvl5pPr marL="2286000" lvl="4" indent="-342900" rtl="0">
               <a:spcBef>
                 <a:spcPts val="2000"/>
               </a:spcBef>
@@ -7803,7 +7974,7 @@
                 </a:solidFill>
               </a:defRPr>
             </a:lvl5pPr>
-            <a:lvl6pPr indent="-342900" lvl="5" marL="2743200" rtl="0">
+            <a:lvl6pPr marL="2743200" lvl="5" indent="-342900" rtl="0">
               <a:spcBef>
                 <a:spcPts val="2000"/>
               </a:spcBef>
@@ -7821,7 +7992,7 @@
                 </a:solidFill>
               </a:defRPr>
             </a:lvl6pPr>
-            <a:lvl7pPr indent="-342900" lvl="6" marL="3200400" rtl="0">
+            <a:lvl7pPr marL="3200400" lvl="6" indent="-342900" rtl="0">
               <a:spcBef>
                 <a:spcPts val="2000"/>
               </a:spcBef>
@@ -7839,7 +8010,7 @@
                 </a:solidFill>
               </a:defRPr>
             </a:lvl7pPr>
-            <a:lvl8pPr indent="-342900" lvl="7" marL="3657600" rtl="0">
+            <a:lvl8pPr marL="3657600" lvl="7" indent="-342900" rtl="0">
               <a:spcBef>
                 <a:spcPts val="2000"/>
               </a:spcBef>
@@ -7857,7 +8028,7 @@
                 </a:solidFill>
               </a:defRPr>
             </a:lvl8pPr>
-            <a:lvl9pPr indent="-342900" lvl="8" marL="4114800" rtl="0">
+            <a:lvl9pPr marL="4114800" lvl="8" indent="-342900" rtl="0">
               <a:spcBef>
                 <a:spcPts val="2000"/>
               </a:spcBef>
@@ -7876,7 +8047,9 @@
               </a:defRPr>
             </a:lvl9pPr>
           </a:lstStyle>
-          <a:p/>
+          <a:p>
+            <a:endParaRPr/>
+          </a:p>
         </p:txBody>
       </p:sp>
     </p:spTree>
@@ -7888,18 +8061,19 @@
 </file>
 
 <file path=ppt/slideMasters/slideMaster1.xml><?xml version="1.0" encoding="utf-8"?>
-<p:sldMaster xmlns:a="http://schemas.openxmlformats.org/drawingml/2006/main" xmlns:r="http://schemas.openxmlformats.org/officeDocument/2006/relationships" xmlns:mc="http://schemas.openxmlformats.org/markup-compatibility/2006" xmlns:mv="urn:schemas-microsoft-com:mac:vml" xmlns:p="http://schemas.openxmlformats.org/presentationml/2006/main" xmlns:c="http://schemas.openxmlformats.org/drawingml/2006/chart" xmlns:dgm="http://schemas.openxmlformats.org/drawingml/2006/diagram" xmlns:o="urn:schemas-microsoft-com:office:office" xmlns:v="urn:schemas-microsoft-com:vml" xmlns:pvml="urn:schemas-microsoft-com:office:powerpoint" xmlns:com="http://schemas.openxmlformats.org/drawingml/2006/compatibility" xmlns:p14="http://schemas.microsoft.com/office/powerpoint/2010/main" xmlns:p15="http://schemas.microsoft.com/office/powerpoint/2012/main" xmlns:ahyp="http://schemas.microsoft.com/office/drawing/2018/hyperlinkcolor">
+<p:sldMaster xmlns:a="http://schemas.openxmlformats.org/drawingml/2006/main" xmlns:r="http://schemas.openxmlformats.org/officeDocument/2006/relationships" xmlns:p="http://schemas.openxmlformats.org/presentationml/2006/main">
   <p:cSld name="simple-light-2">
     <p:bg>
       <p:bgPr>
         <a:solidFill>
           <a:schemeClr val="lt1"/>
         </a:solidFill>
+        <a:effectLst/>
       </p:bgPr>
     </p:bg>
     <p:spTree>
       <p:nvGrpSpPr>
-        <p:cNvPr id="5" name="Shape 5"/>
+        <p:cNvPr id="1" name="Shape 5"/>
         <p:cNvGrpSpPr/>
         <p:nvPr/>
       </p:nvGrpSpPr>
@@ -7914,7 +8088,9 @@
       <p:sp>
         <p:nvSpPr>
           <p:cNvPr id="6" name="Google Shape;6;p1"/>
-          <p:cNvSpPr txBox="1"/>
+          <p:cNvSpPr txBox="1">
+            <a:spLocks noGrp="1"/>
+          </p:cNvSpPr>
           <p:nvPr>
             <p:ph type="title"/>
           </p:nvPr>
@@ -7933,7 +8109,7 @@
           </a:ln>
         </p:spPr>
         <p:txBody>
-          <a:bodyPr anchorCtr="0" anchor="ctr" bIns="116050" lIns="116050" spcFirstLastPara="1" rIns="116050" wrap="square" tIns="116050">
+          <a:bodyPr spcFirstLastPara="1" wrap="square" lIns="116050" tIns="116050" rIns="116050" bIns="116050" anchor="ctr" anchorCtr="0">
             <a:noAutofit/>
           </a:bodyPr>
           <a:lstStyle>
@@ -7950,7 +8126,7 @@
               <a:buSzPts val="3600"/>
               <a:buFont typeface="Quicksand"/>
               <a:buNone/>
-              <a:defRPr b="1" sz="3600">
+              <a:defRPr sz="3600" b="1">
                 <a:solidFill>
                   <a:schemeClr val="accent6"/>
                 </a:solidFill>
@@ -8105,15 +8281,19 @@
               </a:defRPr>
             </a:lvl9pPr>
           </a:lstStyle>
-          <a:p/>
+          <a:p>
+            <a:endParaRPr/>
+          </a:p>
         </p:txBody>
       </p:sp>
       <p:sp>
         <p:nvSpPr>
           <p:cNvPr id="7" name="Google Shape;7;p1"/>
-          <p:cNvSpPr txBox="1"/>
+          <p:cNvSpPr txBox="1">
+            <a:spLocks noGrp="1"/>
+          </p:cNvSpPr>
           <p:nvPr>
-            <p:ph idx="1" type="body"/>
+            <p:ph type="body" idx="1"/>
           </p:nvPr>
         </p:nvSpPr>
         <p:spPr>
@@ -8130,11 +8310,11 @@
           </a:ln>
         </p:spPr>
         <p:txBody>
-          <a:bodyPr anchorCtr="0" anchor="t" bIns="116050" lIns="116050" spcFirstLastPara="1" rIns="116050" wrap="square" tIns="116050">
+          <a:bodyPr spcFirstLastPara="1" wrap="square" lIns="116050" tIns="116050" rIns="116050" bIns="116050" anchor="t" anchorCtr="0">
             <a:noAutofit/>
           </a:bodyPr>
           <a:lstStyle>
-            <a:lvl1pPr indent="-374650" lvl="0" marL="457200" rtl="0">
+            <a:lvl1pPr marL="457200" lvl="0" indent="-374650" rtl="0">
               <a:lnSpc>
                 <a:spcPct val="115000"/>
               </a:lnSpc>
@@ -8160,7 +8340,7 @@
                 <a:sym typeface="Quicksand"/>
               </a:defRPr>
             </a:lvl1pPr>
-            <a:lvl2pPr indent="-342900" lvl="1" marL="914400" rtl="0">
+            <a:lvl2pPr marL="914400" lvl="1" indent="-342900" rtl="0">
               <a:lnSpc>
                 <a:spcPct val="115000"/>
               </a:lnSpc>
@@ -8186,7 +8366,7 @@
                 <a:sym typeface="Quicksand"/>
               </a:defRPr>
             </a:lvl2pPr>
-            <a:lvl3pPr indent="-342900" lvl="2" marL="1371600" rtl="0">
+            <a:lvl3pPr marL="1371600" lvl="2" indent="-342900" rtl="0">
               <a:lnSpc>
                 <a:spcPct val="115000"/>
               </a:lnSpc>
@@ -8212,7 +8392,7 @@
                 <a:sym typeface="Quicksand"/>
               </a:defRPr>
             </a:lvl3pPr>
-            <a:lvl4pPr indent="-342900" lvl="3" marL="1828800" rtl="0">
+            <a:lvl4pPr marL="1828800" lvl="3" indent="-342900" rtl="0">
               <a:lnSpc>
                 <a:spcPct val="115000"/>
               </a:lnSpc>
@@ -8238,7 +8418,7 @@
                 <a:sym typeface="Quicksand"/>
               </a:defRPr>
             </a:lvl4pPr>
-            <a:lvl5pPr indent="-342900" lvl="4" marL="2286000" rtl="0">
+            <a:lvl5pPr marL="2286000" lvl="4" indent="-342900" rtl="0">
               <a:lnSpc>
                 <a:spcPct val="115000"/>
               </a:lnSpc>
@@ -8264,7 +8444,7 @@
                 <a:sym typeface="Quicksand"/>
               </a:defRPr>
             </a:lvl5pPr>
-            <a:lvl6pPr indent="-342900" lvl="5" marL="2743200" rtl="0">
+            <a:lvl6pPr marL="2743200" lvl="5" indent="-342900" rtl="0">
               <a:lnSpc>
                 <a:spcPct val="115000"/>
               </a:lnSpc>
@@ -8290,7 +8470,7 @@
                 <a:sym typeface="Quicksand"/>
               </a:defRPr>
             </a:lvl6pPr>
-            <a:lvl7pPr indent="-342900" lvl="6" marL="3200400" rtl="0">
+            <a:lvl7pPr marL="3200400" lvl="6" indent="-342900" rtl="0">
               <a:lnSpc>
                 <a:spcPct val="115000"/>
               </a:lnSpc>
@@ -8316,7 +8496,7 @@
                 <a:sym typeface="Quicksand"/>
               </a:defRPr>
             </a:lvl7pPr>
-            <a:lvl8pPr indent="-342900" lvl="7" marL="3657600" rtl="0">
+            <a:lvl8pPr marL="3657600" lvl="7" indent="-342900" rtl="0">
               <a:lnSpc>
                 <a:spcPct val="115000"/>
               </a:lnSpc>
@@ -8342,7 +8522,7 @@
                 <a:sym typeface="Quicksand"/>
               </a:defRPr>
             </a:lvl8pPr>
-            <a:lvl9pPr indent="-342900" lvl="8" marL="4114800" rtl="0">
+            <a:lvl9pPr marL="4114800" lvl="8" indent="-342900" rtl="0">
               <a:lnSpc>
                 <a:spcPct val="115000"/>
               </a:lnSpc>
@@ -8369,15 +8549,19 @@
               </a:defRPr>
             </a:lvl9pPr>
           </a:lstStyle>
-          <a:p/>
+          <a:p>
+            <a:endParaRPr/>
+          </a:p>
         </p:txBody>
       </p:sp>
       <p:sp>
         <p:nvSpPr>
           <p:cNvPr id="8" name="Google Shape;8;p1"/>
-          <p:cNvSpPr txBox="1"/>
+          <p:cNvSpPr txBox="1">
+            <a:spLocks noGrp="1"/>
+          </p:cNvSpPr>
           <p:nvPr>
-            <p:ph idx="12" type="sldNum"/>
+            <p:ph type="sldNum" idx="12"/>
           </p:nvPr>
         </p:nvSpPr>
         <p:spPr>
@@ -8394,11 +8578,11 @@
           </a:ln>
         </p:spPr>
         <p:txBody>
-          <a:bodyPr anchorCtr="0" anchor="ctr" bIns="116050" lIns="116050" spcFirstLastPara="1" rIns="116050" wrap="square" tIns="116050">
+          <a:bodyPr spcFirstLastPara="1" wrap="square" lIns="116050" tIns="116050" rIns="116050" bIns="116050" anchor="ctr" anchorCtr="0">
             <a:noAutofit/>
           </a:bodyPr>
           <a:lstStyle>
-            <a:lvl1pPr lvl="0" rtl="0" algn="ctr">
+            <a:lvl1pPr lvl="0" algn="ctr" rtl="0">
               <a:buNone/>
               <a:defRPr sz="1000">
                 <a:solidFill>
@@ -8410,7 +8594,7 @@
                 <a:sym typeface="Quicksand Medium"/>
               </a:defRPr>
             </a:lvl1pPr>
-            <a:lvl2pPr lvl="1" rtl="0" algn="ctr">
+            <a:lvl2pPr lvl="1" algn="ctr" rtl="0">
               <a:buNone/>
               <a:defRPr sz="1000">
                 <a:solidFill>
@@ -8422,7 +8606,7 @@
                 <a:sym typeface="Quicksand Medium"/>
               </a:defRPr>
             </a:lvl2pPr>
-            <a:lvl3pPr lvl="2" rtl="0" algn="ctr">
+            <a:lvl3pPr lvl="2" algn="ctr" rtl="0">
               <a:buNone/>
               <a:defRPr sz="1000">
                 <a:solidFill>
@@ -8434,7 +8618,7 @@
                 <a:sym typeface="Quicksand Medium"/>
               </a:defRPr>
             </a:lvl3pPr>
-            <a:lvl4pPr lvl="3" rtl="0" algn="ctr">
+            <a:lvl4pPr lvl="3" algn="ctr" rtl="0">
               <a:buNone/>
               <a:defRPr sz="1000">
                 <a:solidFill>
@@ -8446,7 +8630,7 @@
                 <a:sym typeface="Quicksand Medium"/>
               </a:defRPr>
             </a:lvl4pPr>
-            <a:lvl5pPr lvl="4" rtl="0" algn="ctr">
+            <a:lvl5pPr lvl="4" algn="ctr" rtl="0">
               <a:buNone/>
               <a:defRPr sz="1000">
                 <a:solidFill>
@@ -8458,7 +8642,7 @@
                 <a:sym typeface="Quicksand Medium"/>
               </a:defRPr>
             </a:lvl5pPr>
-            <a:lvl6pPr lvl="5" rtl="0" algn="ctr">
+            <a:lvl6pPr lvl="5" algn="ctr" rtl="0">
               <a:buNone/>
               <a:defRPr sz="1000">
                 <a:solidFill>
@@ -8470,7 +8654,7 @@
                 <a:sym typeface="Quicksand Medium"/>
               </a:defRPr>
             </a:lvl6pPr>
-            <a:lvl7pPr lvl="6" rtl="0" algn="ctr">
+            <a:lvl7pPr lvl="6" algn="ctr" rtl="0">
               <a:buNone/>
               <a:defRPr sz="1000">
                 <a:solidFill>
@@ -8482,7 +8666,7 @@
                 <a:sym typeface="Quicksand Medium"/>
               </a:defRPr>
             </a:lvl7pPr>
-            <a:lvl8pPr lvl="7" rtl="0" algn="ctr">
+            <a:lvl8pPr lvl="7" algn="ctr" rtl="0">
               <a:buNone/>
               <a:defRPr sz="1000">
                 <a:solidFill>
@@ -8494,7 +8678,7 @@
                 <a:sym typeface="Quicksand Medium"/>
               </a:defRPr>
             </a:lvl8pPr>
-            <a:lvl9pPr lvl="8" rtl="0" algn="ctr">
+            <a:lvl9pPr lvl="8" algn="ctr" rtl="0">
               <a:buNone/>
               <a:defRPr sz="1000">
                 <a:solidFill>
@@ -8508,7 +8692,7 @@
             </a:lvl9pPr>
           </a:lstStyle>
           <a:p>
-            <a:pPr indent="0" lvl="0" marL="0" rtl="0" algn="ctr">
+            <a:pPr marL="0" lvl="0" indent="0" algn="ctr" rtl="0">
               <a:spcBef>
                 <a:spcPts val="0"/>
               </a:spcBef>
@@ -8527,7 +8711,7 @@
       </p:sp>
     </p:spTree>
   </p:cSld>
-  <p:clrMap accent1="accent1" accent2="accent2" accent3="accent3" accent4="accent4" accent5="accent5" accent6="accent6" bg1="lt1" bg2="dk2" tx1="dk1" tx2="lt2" folHlink="folHlink" hlink="hlink"/>
+  <p:clrMap bg1="lt1" tx1="dk1" bg2="dk2" tx2="lt2" accent1="accent1" accent2="accent2" accent3="accent3" accent4="accent4" accent5="accent5" accent6="accent6" hlink="hlink" folHlink="folHlink"/>
   <p:sldLayoutIdLst>
     <p:sldLayoutId id="2147483648" r:id="rId1"/>
     <p:sldLayoutId id="2147483649" r:id="rId2"/>
@@ -8541,10 +8725,10 @@
     <p:sldLayoutId id="2147483657" r:id="rId10"/>
     <p:sldLayoutId id="2147483658" r:id="rId11"/>
   </p:sldLayoutIdLst>
-  <p:hf dt="0" ftr="0" hdr="0" sldNum="0"/>
+  <p:hf sldNum="0" hdr="0" ftr="0" dt="0"/>
   <p:txStyles>
     <p:titleStyle>
-      <a:defPPr lvl="0" marR="0" rtl="0" algn="l">
+      <a:defPPr marR="0" lvl="0" algn="l" rtl="0">
         <a:lnSpc>
           <a:spcPct val="100000"/>
         </a:lnSpc>
@@ -8555,7 +8739,7 @@
           <a:spcPts val="0"/>
         </a:spcAft>
       </a:defPPr>
-      <a:lvl1pPr lvl="0" marR="0" rtl="0" algn="l">
+      <a:lvl1pPr marR="0" lvl="0" algn="l" rtl="0">
         <a:lnSpc>
           <a:spcPct val="100000"/>
         </a:lnSpc>
@@ -8569,7 +8753,7 @@
           <a:srgbClr val="000000"/>
         </a:buClr>
         <a:buFont typeface="Arial"/>
-        <a:defRPr b="0" i="0" sz="1400" u="none" cap="none" strike="noStrike">
+        <a:defRPr sz="1400" b="0" i="0" u="none" strike="noStrike" cap="none">
           <a:solidFill>
             <a:srgbClr val="000000"/>
           </a:solidFill>
@@ -8579,7 +8763,7 @@
           <a:sym typeface="Arial"/>
         </a:defRPr>
       </a:lvl1pPr>
-      <a:lvl2pPr lvl="1" marR="0" rtl="0" algn="l">
+      <a:lvl2pPr marR="0" lvl="1" algn="l" rtl="0">
         <a:lnSpc>
           <a:spcPct val="100000"/>
         </a:lnSpc>
@@ -8593,7 +8777,7 @@
           <a:srgbClr val="000000"/>
         </a:buClr>
         <a:buFont typeface="Arial"/>
-        <a:defRPr b="0" i="0" sz="1400" u="none" cap="none" strike="noStrike">
+        <a:defRPr sz="1400" b="0" i="0" u="none" strike="noStrike" cap="none">
           <a:solidFill>
             <a:srgbClr val="000000"/>
           </a:solidFill>
@@ -8603,7 +8787,7 @@
           <a:sym typeface="Arial"/>
         </a:defRPr>
       </a:lvl2pPr>
-      <a:lvl3pPr lvl="2" marR="0" rtl="0" algn="l">
+      <a:lvl3pPr marR="0" lvl="2" algn="l" rtl="0">
         <a:lnSpc>
           <a:spcPct val="100000"/>
         </a:lnSpc>
@@ -8617,7 +8801,7 @@
           <a:srgbClr val="000000"/>
         </a:buClr>
         <a:buFont typeface="Arial"/>
-        <a:defRPr b="0" i="0" sz="1400" u="none" cap="none" strike="noStrike">
+        <a:defRPr sz="1400" b="0" i="0" u="none" strike="noStrike" cap="none">
           <a:solidFill>
             <a:srgbClr val="000000"/>
           </a:solidFill>
@@ -8627,7 +8811,7 @@
           <a:sym typeface="Arial"/>
         </a:defRPr>
       </a:lvl3pPr>
-      <a:lvl4pPr lvl="3" marR="0" rtl="0" algn="l">
+      <a:lvl4pPr marR="0" lvl="3" algn="l" rtl="0">
         <a:lnSpc>
           <a:spcPct val="100000"/>
         </a:lnSpc>
@@ -8641,7 +8825,7 @@
           <a:srgbClr val="000000"/>
         </a:buClr>
         <a:buFont typeface="Arial"/>
-        <a:defRPr b="0" i="0" sz="1400" u="none" cap="none" strike="noStrike">
+        <a:defRPr sz="1400" b="0" i="0" u="none" strike="noStrike" cap="none">
           <a:solidFill>
             <a:srgbClr val="000000"/>
           </a:solidFill>
@@ -8651,7 +8835,7 @@
           <a:sym typeface="Arial"/>
         </a:defRPr>
       </a:lvl4pPr>
-      <a:lvl5pPr lvl="4" marR="0" rtl="0" algn="l">
+      <a:lvl5pPr marR="0" lvl="4" algn="l" rtl="0">
         <a:lnSpc>
           <a:spcPct val="100000"/>
         </a:lnSpc>
@@ -8665,7 +8849,7 @@
           <a:srgbClr val="000000"/>
         </a:buClr>
         <a:buFont typeface="Arial"/>
-        <a:defRPr b="0" i="0" sz="1400" u="none" cap="none" strike="noStrike">
+        <a:defRPr sz="1400" b="0" i="0" u="none" strike="noStrike" cap="none">
           <a:solidFill>
             <a:srgbClr val="000000"/>
           </a:solidFill>
@@ -8675,7 +8859,7 @@
           <a:sym typeface="Arial"/>
         </a:defRPr>
       </a:lvl5pPr>
-      <a:lvl6pPr lvl="5" marR="0" rtl="0" algn="l">
+      <a:lvl6pPr marR="0" lvl="5" algn="l" rtl="0">
         <a:lnSpc>
           <a:spcPct val="100000"/>
         </a:lnSpc>
@@ -8689,7 +8873,7 @@
           <a:srgbClr val="000000"/>
         </a:buClr>
         <a:buFont typeface="Arial"/>
-        <a:defRPr b="0" i="0" sz="1400" u="none" cap="none" strike="noStrike">
+        <a:defRPr sz="1400" b="0" i="0" u="none" strike="noStrike" cap="none">
           <a:solidFill>
             <a:srgbClr val="000000"/>
           </a:solidFill>
@@ -8699,7 +8883,7 @@
           <a:sym typeface="Arial"/>
         </a:defRPr>
       </a:lvl6pPr>
-      <a:lvl7pPr lvl="6" marR="0" rtl="0" algn="l">
+      <a:lvl7pPr marR="0" lvl="6" algn="l" rtl="0">
         <a:lnSpc>
           <a:spcPct val="100000"/>
         </a:lnSpc>
@@ -8713,7 +8897,7 @@
           <a:srgbClr val="000000"/>
         </a:buClr>
         <a:buFont typeface="Arial"/>
-        <a:defRPr b="0" i="0" sz="1400" u="none" cap="none" strike="noStrike">
+        <a:defRPr sz="1400" b="0" i="0" u="none" strike="noStrike" cap="none">
           <a:solidFill>
             <a:srgbClr val="000000"/>
           </a:solidFill>
@@ -8723,7 +8907,7 @@
           <a:sym typeface="Arial"/>
         </a:defRPr>
       </a:lvl7pPr>
-      <a:lvl8pPr lvl="7" marR="0" rtl="0" algn="l">
+      <a:lvl8pPr marR="0" lvl="7" algn="l" rtl="0">
         <a:lnSpc>
           <a:spcPct val="100000"/>
         </a:lnSpc>
@@ -8737,7 +8921,7 @@
           <a:srgbClr val="000000"/>
         </a:buClr>
         <a:buFont typeface="Arial"/>
-        <a:defRPr b="0" i="0" sz="1400" u="none" cap="none" strike="noStrike">
+        <a:defRPr sz="1400" b="0" i="0" u="none" strike="noStrike" cap="none">
           <a:solidFill>
             <a:srgbClr val="000000"/>
           </a:solidFill>
@@ -8747,7 +8931,7 @@
           <a:sym typeface="Arial"/>
         </a:defRPr>
       </a:lvl8pPr>
-      <a:lvl9pPr lvl="8" marR="0" rtl="0" algn="l">
+      <a:lvl9pPr marR="0" lvl="8" algn="l" rtl="0">
         <a:lnSpc>
           <a:spcPct val="100000"/>
         </a:lnSpc>
@@ -8761,7 +8945,7 @@
           <a:srgbClr val="000000"/>
         </a:buClr>
         <a:buFont typeface="Arial"/>
-        <a:defRPr b="0" i="0" sz="1400" u="none" cap="none" strike="noStrike">
+        <a:defRPr sz="1400" b="0" i="0" u="none" strike="noStrike" cap="none">
           <a:solidFill>
             <a:srgbClr val="000000"/>
           </a:solidFill>
@@ -8773,7 +8957,7 @@
       </a:lvl9pPr>
     </p:titleStyle>
     <p:bodyStyle>
-      <a:defPPr lvl="0" marR="0" rtl="0" algn="l">
+      <a:defPPr marR="0" lvl="0" algn="l" rtl="0">
         <a:lnSpc>
           <a:spcPct val="100000"/>
         </a:lnSpc>
@@ -8784,7 +8968,7 @@
           <a:spcPts val="0"/>
         </a:spcAft>
       </a:defPPr>
-      <a:lvl1pPr lvl="0" marR="0" rtl="0" algn="l">
+      <a:lvl1pPr marR="0" lvl="0" algn="l" rtl="0">
         <a:lnSpc>
           <a:spcPct val="100000"/>
         </a:lnSpc>
@@ -8798,7 +8982,7 @@
           <a:srgbClr val="000000"/>
         </a:buClr>
         <a:buFont typeface="Arial"/>
-        <a:defRPr b="0" i="0" sz="1400" u="none" cap="none" strike="noStrike">
+        <a:defRPr sz="1400" b="0" i="0" u="none" strike="noStrike" cap="none">
           <a:solidFill>
             <a:srgbClr val="000000"/>
           </a:solidFill>
@@ -8808,7 +8992,7 @@
           <a:sym typeface="Arial"/>
         </a:defRPr>
       </a:lvl1pPr>
-      <a:lvl2pPr lvl="1" marR="0" rtl="0" algn="l">
+      <a:lvl2pPr marR="0" lvl="1" algn="l" rtl="0">
         <a:lnSpc>
           <a:spcPct val="100000"/>
         </a:lnSpc>
@@ -8822,7 +9006,7 @@
           <a:srgbClr val="000000"/>
         </a:buClr>
         <a:buFont typeface="Arial"/>
-        <a:defRPr b="0" i="0" sz="1400" u="none" cap="none" strike="noStrike">
+        <a:defRPr sz="1400" b="0" i="0" u="none" strike="noStrike" cap="none">
           <a:solidFill>
             <a:srgbClr val="000000"/>
           </a:solidFill>
@@ -8832,7 +9016,7 @@
           <a:sym typeface="Arial"/>
         </a:defRPr>
       </a:lvl2pPr>
-      <a:lvl3pPr lvl="2" marR="0" rtl="0" algn="l">
+      <a:lvl3pPr marR="0" lvl="2" algn="l" rtl="0">
         <a:lnSpc>
           <a:spcPct val="100000"/>
         </a:lnSpc>
@@ -8846,7 +9030,7 @@
           <a:srgbClr val="000000"/>
         </a:buClr>
         <a:buFont typeface="Arial"/>
-        <a:defRPr b="0" i="0" sz="1400" u="none" cap="none" strike="noStrike">
+        <a:defRPr sz="1400" b="0" i="0" u="none" strike="noStrike" cap="none">
           <a:solidFill>
             <a:srgbClr val="000000"/>
           </a:solidFill>
@@ -8856,7 +9040,7 @@
           <a:sym typeface="Arial"/>
         </a:defRPr>
       </a:lvl3pPr>
-      <a:lvl4pPr lvl="3" marR="0" rtl="0" algn="l">
+      <a:lvl4pPr marR="0" lvl="3" algn="l" rtl="0">
         <a:lnSpc>
           <a:spcPct val="100000"/>
         </a:lnSpc>
@@ -8870,7 +9054,7 @@
           <a:srgbClr val="000000"/>
         </a:buClr>
         <a:buFont typeface="Arial"/>
-        <a:defRPr b="0" i="0" sz="1400" u="none" cap="none" strike="noStrike">
+        <a:defRPr sz="1400" b="0" i="0" u="none" strike="noStrike" cap="none">
           <a:solidFill>
             <a:srgbClr val="000000"/>
           </a:solidFill>
@@ -8880,7 +9064,7 @@
           <a:sym typeface="Arial"/>
         </a:defRPr>
       </a:lvl4pPr>
-      <a:lvl5pPr lvl="4" marR="0" rtl="0" algn="l">
+      <a:lvl5pPr marR="0" lvl="4" algn="l" rtl="0">
         <a:lnSpc>
           <a:spcPct val="100000"/>
         </a:lnSpc>
@@ -8894,7 +9078,7 @@
           <a:srgbClr val="000000"/>
         </a:buClr>
         <a:buFont typeface="Arial"/>
-        <a:defRPr b="0" i="0" sz="1400" u="none" cap="none" strike="noStrike">
+        <a:defRPr sz="1400" b="0" i="0" u="none" strike="noStrike" cap="none">
           <a:solidFill>
             <a:srgbClr val="000000"/>
           </a:solidFill>
@@ -8904,7 +9088,7 @@
           <a:sym typeface="Arial"/>
         </a:defRPr>
       </a:lvl5pPr>
-      <a:lvl6pPr lvl="5" marR="0" rtl="0" algn="l">
+      <a:lvl6pPr marR="0" lvl="5" algn="l" rtl="0">
         <a:lnSpc>
           <a:spcPct val="100000"/>
         </a:lnSpc>
@@ -8918,7 +9102,7 @@
           <a:srgbClr val="000000"/>
         </a:buClr>
         <a:buFont typeface="Arial"/>
-        <a:defRPr b="0" i="0" sz="1400" u="none" cap="none" strike="noStrike">
+        <a:defRPr sz="1400" b="0" i="0" u="none" strike="noStrike" cap="none">
           <a:solidFill>
             <a:srgbClr val="000000"/>
           </a:solidFill>
@@ -8928,7 +9112,7 @@
           <a:sym typeface="Arial"/>
         </a:defRPr>
       </a:lvl6pPr>
-      <a:lvl7pPr lvl="6" marR="0" rtl="0" algn="l">
+      <a:lvl7pPr marR="0" lvl="6" algn="l" rtl="0">
         <a:lnSpc>
           <a:spcPct val="100000"/>
         </a:lnSpc>
@@ -8942,7 +9126,7 @@
           <a:srgbClr val="000000"/>
         </a:buClr>
         <a:buFont typeface="Arial"/>
-        <a:defRPr b="0" i="0" sz="1400" u="none" cap="none" strike="noStrike">
+        <a:defRPr sz="1400" b="0" i="0" u="none" strike="noStrike" cap="none">
           <a:solidFill>
             <a:srgbClr val="000000"/>
           </a:solidFill>
@@ -8952,7 +9136,7 @@
           <a:sym typeface="Arial"/>
         </a:defRPr>
       </a:lvl7pPr>
-      <a:lvl8pPr lvl="7" marR="0" rtl="0" algn="l">
+      <a:lvl8pPr marR="0" lvl="7" algn="l" rtl="0">
         <a:lnSpc>
           <a:spcPct val="100000"/>
         </a:lnSpc>
@@ -8966,7 +9150,7 @@
           <a:srgbClr val="000000"/>
         </a:buClr>
         <a:buFont typeface="Arial"/>
-        <a:defRPr b="0" i="0" sz="1400" u="none" cap="none" strike="noStrike">
+        <a:defRPr sz="1400" b="0" i="0" u="none" strike="noStrike" cap="none">
           <a:solidFill>
             <a:srgbClr val="000000"/>
           </a:solidFill>
@@ -8976,7 +9160,7 @@
           <a:sym typeface="Arial"/>
         </a:defRPr>
       </a:lvl8pPr>
-      <a:lvl9pPr lvl="8" marR="0" rtl="0" algn="l">
+      <a:lvl9pPr marR="0" lvl="8" algn="l" rtl="0">
         <a:lnSpc>
           <a:spcPct val="100000"/>
         </a:lnSpc>
@@ -8990,7 +9174,7 @@
           <a:srgbClr val="000000"/>
         </a:buClr>
         <a:buFont typeface="Arial"/>
-        <a:defRPr b="0" i="0" sz="1400" u="none" cap="none" strike="noStrike">
+        <a:defRPr sz="1400" b="0" i="0" u="none" strike="noStrike" cap="none">
           <a:solidFill>
             <a:srgbClr val="000000"/>
           </a:solidFill>
@@ -9002,7 +9186,7 @@
       </a:lvl9pPr>
     </p:bodyStyle>
     <p:otherStyle>
-      <a:defPPr lvl="0" marR="0" rtl="0" algn="l">
+      <a:defPPr marR="0" lvl="0" algn="l" rtl="0">
         <a:lnSpc>
           <a:spcPct val="100000"/>
         </a:lnSpc>
@@ -9013,7 +9197,7 @@
           <a:spcPts val="0"/>
         </a:spcAft>
       </a:defPPr>
-      <a:lvl1pPr lvl="0" marR="0" rtl="0" algn="l">
+      <a:lvl1pPr marR="0" lvl="0" algn="l" rtl="0">
         <a:lnSpc>
           <a:spcPct val="100000"/>
         </a:lnSpc>
@@ -9027,7 +9211,7 @@
           <a:srgbClr val="000000"/>
         </a:buClr>
         <a:buFont typeface="Arial"/>
-        <a:defRPr b="0" i="0" sz="1400" u="none" cap="none" strike="noStrike">
+        <a:defRPr sz="1400" b="0" i="0" u="none" strike="noStrike" cap="none">
           <a:solidFill>
             <a:srgbClr val="000000"/>
           </a:solidFill>
@@ -9037,7 +9221,7 @@
           <a:sym typeface="Arial"/>
         </a:defRPr>
       </a:lvl1pPr>
-      <a:lvl2pPr lvl="1" marR="0" rtl="0" algn="l">
+      <a:lvl2pPr marR="0" lvl="1" algn="l" rtl="0">
         <a:lnSpc>
           <a:spcPct val="100000"/>
         </a:lnSpc>
@@ -9051,7 +9235,7 @@
           <a:srgbClr val="000000"/>
         </a:buClr>
         <a:buFont typeface="Arial"/>
-        <a:defRPr b="0" i="0" sz="1400" u="none" cap="none" strike="noStrike">
+        <a:defRPr sz="1400" b="0" i="0" u="none" strike="noStrike" cap="none">
           <a:solidFill>
             <a:srgbClr val="000000"/>
           </a:solidFill>
@@ -9061,7 +9245,7 @@
           <a:sym typeface="Arial"/>
         </a:defRPr>
       </a:lvl2pPr>
-      <a:lvl3pPr lvl="2" marR="0" rtl="0" algn="l">
+      <a:lvl3pPr marR="0" lvl="2" algn="l" rtl="0">
         <a:lnSpc>
           <a:spcPct val="100000"/>
         </a:lnSpc>
@@ -9075,7 +9259,7 @@
           <a:srgbClr val="000000"/>
         </a:buClr>
         <a:buFont typeface="Arial"/>
-        <a:defRPr b="0" i="0" sz="1400" u="none" cap="none" strike="noStrike">
+        <a:defRPr sz="1400" b="0" i="0" u="none" strike="noStrike" cap="none">
           <a:solidFill>
             <a:srgbClr val="000000"/>
           </a:solidFill>
@@ -9085,7 +9269,7 @@
           <a:sym typeface="Arial"/>
         </a:defRPr>
       </a:lvl3pPr>
-      <a:lvl4pPr lvl="3" marR="0" rtl="0" algn="l">
+      <a:lvl4pPr marR="0" lvl="3" algn="l" rtl="0">
         <a:lnSpc>
           <a:spcPct val="100000"/>
         </a:lnSpc>
@@ -9099,7 +9283,7 @@
           <a:srgbClr val="000000"/>
         </a:buClr>
         <a:buFont typeface="Arial"/>
-        <a:defRPr b="0" i="0" sz="1400" u="none" cap="none" strike="noStrike">
+        <a:defRPr sz="1400" b="0" i="0" u="none" strike="noStrike" cap="none">
           <a:solidFill>
             <a:srgbClr val="000000"/>
           </a:solidFill>
@@ -9109,7 +9293,7 @@
           <a:sym typeface="Arial"/>
         </a:defRPr>
       </a:lvl4pPr>
-      <a:lvl5pPr lvl="4" marR="0" rtl="0" algn="l">
+      <a:lvl5pPr marR="0" lvl="4" algn="l" rtl="0">
         <a:lnSpc>
           <a:spcPct val="100000"/>
         </a:lnSpc>
@@ -9123,7 +9307,7 @@
           <a:srgbClr val="000000"/>
         </a:buClr>
         <a:buFont typeface="Arial"/>
-        <a:defRPr b="0" i="0" sz="1400" u="none" cap="none" strike="noStrike">
+        <a:defRPr sz="1400" b="0" i="0" u="none" strike="noStrike" cap="none">
           <a:solidFill>
             <a:srgbClr val="000000"/>
           </a:solidFill>
@@ -9133,7 +9317,7 @@
           <a:sym typeface="Arial"/>
         </a:defRPr>
       </a:lvl5pPr>
-      <a:lvl6pPr lvl="5" marR="0" rtl="0" algn="l">
+      <a:lvl6pPr marR="0" lvl="5" algn="l" rtl="0">
         <a:lnSpc>
           <a:spcPct val="100000"/>
         </a:lnSpc>
@@ -9147,7 +9331,7 @@
           <a:srgbClr val="000000"/>
         </a:buClr>
         <a:buFont typeface="Arial"/>
-        <a:defRPr b="0" i="0" sz="1400" u="none" cap="none" strike="noStrike">
+        <a:defRPr sz="1400" b="0" i="0" u="none" strike="noStrike" cap="none">
           <a:solidFill>
             <a:srgbClr val="000000"/>
           </a:solidFill>
@@ -9157,7 +9341,7 @@
           <a:sym typeface="Arial"/>
         </a:defRPr>
       </a:lvl6pPr>
-      <a:lvl7pPr lvl="6" marR="0" rtl="0" algn="l">
+      <a:lvl7pPr marR="0" lvl="6" algn="l" rtl="0">
         <a:lnSpc>
           <a:spcPct val="100000"/>
         </a:lnSpc>
@@ -9171,7 +9355,7 @@
           <a:srgbClr val="000000"/>
         </a:buClr>
         <a:buFont typeface="Arial"/>
-        <a:defRPr b="0" i="0" sz="1400" u="none" cap="none" strike="noStrike">
+        <a:defRPr sz="1400" b="0" i="0" u="none" strike="noStrike" cap="none">
           <a:solidFill>
             <a:srgbClr val="000000"/>
           </a:solidFill>
@@ -9181,7 +9365,7 @@
           <a:sym typeface="Arial"/>
         </a:defRPr>
       </a:lvl7pPr>
-      <a:lvl8pPr lvl="7" marR="0" rtl="0" algn="l">
+      <a:lvl8pPr marR="0" lvl="7" algn="l" rtl="0">
         <a:lnSpc>
           <a:spcPct val="100000"/>
         </a:lnSpc>
@@ -9195,7 +9379,7 @@
           <a:srgbClr val="000000"/>
         </a:buClr>
         <a:buFont typeface="Arial"/>
-        <a:defRPr b="0" i="0" sz="1400" u="none" cap="none" strike="noStrike">
+        <a:defRPr sz="1400" b="0" i="0" u="none" strike="noStrike" cap="none">
           <a:solidFill>
             <a:srgbClr val="000000"/>
           </a:solidFill>
@@ -9205,7 +9389,7 @@
           <a:sym typeface="Arial"/>
         </a:defRPr>
       </a:lvl8pPr>
-      <a:lvl9pPr lvl="8" marR="0" rtl="0" algn="l">
+      <a:lvl9pPr marR="0" lvl="8" algn="l" rtl="0">
         <a:lnSpc>
           <a:spcPct val="100000"/>
         </a:lnSpc>
@@ -9219,7 +9403,7 @@
           <a:srgbClr val="000000"/>
         </a:buClr>
         <a:buFont typeface="Arial"/>
-        <a:defRPr b="0" i="0" sz="1400" u="none" cap="none" strike="noStrike">
+        <a:defRPr sz="1400" b="0" i="0" u="none" strike="noStrike" cap="none">
           <a:solidFill>
             <a:srgbClr val="000000"/>
           </a:solidFill>
@@ -9233,7 +9417,7 @@
   </p:txStyles>
   <p:extLst>
     <p:ext uri="{27BBF7A9-308A-43DC-89C8-2F10F3537804}">
-      <p15:sldGuideLst>
+      <p15:sldGuideLst xmlns:p15="http://schemas.microsoft.com/office/powerpoint/2012/main">
         <p15:guide id="1" pos="229">
           <p15:clr>
             <a:srgbClr val="EA4335"/>
@@ -9296,11 +9480,11 @@
 </file>
 
 <file path=ppt/slides/slide1.xml><?xml version="1.0" encoding="utf-8"?>
-<p:sld xmlns:a="http://schemas.openxmlformats.org/drawingml/2006/main" xmlns:r="http://schemas.openxmlformats.org/officeDocument/2006/relationships" xmlns:mc="http://schemas.openxmlformats.org/markup-compatibility/2006" xmlns:mv="urn:schemas-microsoft-com:mac:vml" xmlns:p="http://schemas.openxmlformats.org/presentationml/2006/main" xmlns:c="http://schemas.openxmlformats.org/drawingml/2006/chart" xmlns:dgm="http://schemas.openxmlformats.org/drawingml/2006/diagram" xmlns:o="urn:schemas-microsoft-com:office:office" xmlns:v="urn:schemas-microsoft-com:vml" xmlns:pvml="urn:schemas-microsoft-com:office:powerpoint" xmlns:com="http://schemas.openxmlformats.org/drawingml/2006/compatibility" xmlns:p14="http://schemas.microsoft.com/office/powerpoint/2010/main" xmlns:p15="http://schemas.microsoft.com/office/powerpoint/2012/main" xmlns:ahyp="http://schemas.microsoft.com/office/drawing/2018/hyperlinkcolor">
+<p:sld xmlns:a="http://schemas.openxmlformats.org/drawingml/2006/main" xmlns:r="http://schemas.openxmlformats.org/officeDocument/2006/relationships" xmlns:p="http://schemas.openxmlformats.org/presentationml/2006/main">
   <p:cSld>
     <p:spTree>
       <p:nvGrpSpPr>
-        <p:cNvPr id="69" name="Shape 69"/>
+        <p:cNvPr id="1" name="Shape 69"/>
         <p:cNvGrpSpPr/>
         <p:nvPr/>
       </p:nvGrpSpPr>
@@ -9332,12 +9516,12 @@
           </a:ln>
         </p:spPr>
         <p:txBody>
-          <a:bodyPr anchorCtr="0" anchor="t" bIns="92475" lIns="92475" spcFirstLastPara="1" rIns="92475" wrap="square" tIns="92475">
+          <a:bodyPr spcFirstLastPara="1" wrap="square" lIns="92475" tIns="92475" rIns="92475" bIns="92475" anchor="t" anchorCtr="0">
             <a:noAutofit/>
           </a:bodyPr>
           <a:lstStyle/>
           <a:p>
-            <a:pPr indent="0" lvl="0" marL="0" rtl="0" algn="l">
+            <a:pPr marL="0" lvl="0" indent="0" algn="l" rtl="0">
               <a:lnSpc>
                 <a:spcPct val="115000"/>
               </a:lnSpc>
@@ -9350,7 +9534,7 @@
               <a:buNone/>
             </a:pPr>
             <a:r>
-              <a:rPr b="1" lang="en-GB" sz="2400">
+              <a:rPr lang="zh-CN" altLang="en-US" sz="2400" b="1" dirty="0">
                 <a:solidFill>
                   <a:schemeClr val="accent6"/>
                 </a:solidFill>
@@ -9359,9 +9543,69 @@
                 <a:cs typeface="Quicksand"/>
                 <a:sym typeface="Quicksand"/>
               </a:rPr>
-              <a:t>Activity 1 solutions - Is it technology?</a:t>
+              <a:t>活动 </a:t>
             </a:r>
-            <a:endParaRPr sz="1100">
+            <a:r>
+              <a:rPr lang="en-US" altLang="zh-CN" sz="2400" b="1" dirty="0">
+                <a:solidFill>
+                  <a:schemeClr val="accent6"/>
+                </a:solidFill>
+                <a:latin typeface="Quicksand"/>
+                <a:ea typeface="Quicksand"/>
+                <a:cs typeface="Quicksand"/>
+                <a:sym typeface="Quicksand"/>
+              </a:rPr>
+              <a:t>1 </a:t>
+            </a:r>
+            <a:r>
+              <a:rPr lang="zh-CN" altLang="en-US" sz="2400" b="1" dirty="0">
+                <a:solidFill>
+                  <a:schemeClr val="accent6"/>
+                </a:solidFill>
+                <a:latin typeface="Quicksand"/>
+                <a:ea typeface="Quicksand"/>
+                <a:cs typeface="Quicksand"/>
+                <a:sym typeface="Quicksand"/>
+              </a:rPr>
+              <a:t>解析</a:t>
+            </a:r>
+            <a:r>
+              <a:rPr lang="en-GB" sz="2400" b="1" dirty="0">
+                <a:solidFill>
+                  <a:schemeClr val="accent6"/>
+                </a:solidFill>
+                <a:latin typeface="Quicksand"/>
+                <a:ea typeface="Quicksand"/>
+                <a:cs typeface="Quicksand"/>
+                <a:sym typeface="Quicksand"/>
+              </a:rPr>
+              <a:t> – </a:t>
+            </a:r>
+            <a:r>
+              <a:rPr lang="zh-CN" altLang="en-US" sz="2400" b="1" dirty="0">
+                <a:solidFill>
+                  <a:schemeClr val="accent6"/>
+                </a:solidFill>
+                <a:latin typeface="Quicksand"/>
+                <a:ea typeface="Quicksand"/>
+                <a:cs typeface="Quicksand"/>
+                <a:sym typeface="Quicksand"/>
+              </a:rPr>
+              <a:t>这是科技吗</a:t>
+            </a:r>
+            <a:r>
+              <a:rPr lang="en-GB" sz="2400" b="1" dirty="0">
+                <a:solidFill>
+                  <a:schemeClr val="accent6"/>
+                </a:solidFill>
+                <a:latin typeface="Quicksand"/>
+                <a:ea typeface="Quicksand"/>
+                <a:cs typeface="Quicksand"/>
+                <a:sym typeface="Quicksand"/>
+              </a:rPr>
+              <a:t>?</a:t>
+            </a:r>
+            <a:endParaRPr sz="1100" dirty="0">
               <a:solidFill>
                 <a:schemeClr val="accent6"/>
               </a:solidFill>
@@ -9393,12 +9637,12 @@
           </a:ln>
         </p:spPr>
         <p:txBody>
-          <a:bodyPr anchorCtr="0" anchor="t" bIns="95075" lIns="95075" spcFirstLastPara="1" rIns="95075" wrap="square" tIns="95075">
+          <a:bodyPr spcFirstLastPara="1" wrap="square" lIns="95075" tIns="95075" rIns="95075" bIns="95075" anchor="t" anchorCtr="0">
             <a:noAutofit/>
           </a:bodyPr>
           <a:lstStyle/>
           <a:p>
-            <a:pPr indent="0" lvl="0" marL="0" rtl="0" algn="ctr">
+            <a:pPr marL="0" lvl="0" indent="0" algn="ctr" rtl="0">
               <a:lnSpc>
                 <a:spcPct val="115000"/>
               </a:lnSpc>
@@ -9411,7 +9655,7 @@
               <a:buNone/>
             </a:pPr>
             <a:r>
-              <a:rPr b="1" lang="en-GB" sz="2500">
+              <a:rPr lang="zh-CN" altLang="en-US" sz="2500" b="1" dirty="0">
                 <a:solidFill>
                   <a:schemeClr val="accent6"/>
                 </a:solidFill>
@@ -9420,35 +9664,9 @@
                 <a:cs typeface="Quicksand"/>
                 <a:sym typeface="Quicksand"/>
               </a:rPr>
-              <a:t>Technology</a:t>
+              <a:t>科技</a:t>
             </a:r>
-            <a:endParaRPr sz="1300">
-              <a:solidFill>
-                <a:schemeClr val="accent6"/>
-              </a:solidFill>
-              <a:latin typeface="Quicksand"/>
-              <a:ea typeface="Quicksand"/>
-              <a:cs typeface="Quicksand"/>
-              <a:sym typeface="Quicksand"/>
-            </a:endParaRPr>
-          </a:p>
-          <a:p>
-            <a:pPr indent="0" lvl="0" marL="0" rtl="0" algn="ctr">
-              <a:lnSpc>
-                <a:spcPct val="115000"/>
-              </a:lnSpc>
-              <a:spcBef>
-                <a:spcPts val="0"/>
-              </a:spcBef>
-              <a:spcAft>
-                <a:spcPts val="0"/>
-              </a:spcAft>
-              <a:buNone/>
-            </a:pPr>
-            <a:r>
-              <a:t/>
-            </a:r>
-            <a:endParaRPr b="1" sz="2500">
+            <a:endParaRPr sz="2500" b="1" dirty="0">
               <a:solidFill>
                 <a:srgbClr val="5B5BA5"/>
               </a:solidFill>
@@ -9480,12 +9698,12 @@
           </a:ln>
         </p:spPr>
         <p:txBody>
-          <a:bodyPr anchorCtr="0" anchor="t" bIns="95075" lIns="95075" spcFirstLastPara="1" rIns="95075" wrap="square" tIns="95075">
+          <a:bodyPr spcFirstLastPara="1" wrap="square" lIns="95075" tIns="95075" rIns="95075" bIns="95075" anchor="t" anchorCtr="0">
             <a:noAutofit/>
           </a:bodyPr>
           <a:lstStyle/>
           <a:p>
-            <a:pPr indent="0" lvl="0" marL="0" rtl="0" algn="ctr">
+            <a:pPr marL="0" lvl="0" indent="0" algn="ctr" rtl="0">
               <a:lnSpc>
                 <a:spcPct val="115000"/>
               </a:lnSpc>
@@ -9498,7 +9716,7 @@
               <a:buNone/>
             </a:pPr>
             <a:r>
-              <a:rPr b="1" lang="en-GB" sz="2500">
+              <a:rPr lang="zh-CN" altLang="en-US" sz="2500" b="1" dirty="0">
                 <a:solidFill>
                   <a:schemeClr val="accent6"/>
                 </a:solidFill>
@@ -9507,35 +9725,9 @@
                 <a:cs typeface="Quicksand"/>
                 <a:sym typeface="Quicksand"/>
               </a:rPr>
-              <a:t>Not technology</a:t>
+              <a:t>不是科技</a:t>
             </a:r>
-            <a:endParaRPr sz="1300">
-              <a:solidFill>
-                <a:schemeClr val="accent6"/>
-              </a:solidFill>
-              <a:latin typeface="Quicksand"/>
-              <a:ea typeface="Quicksand"/>
-              <a:cs typeface="Quicksand"/>
-              <a:sym typeface="Quicksand"/>
-            </a:endParaRPr>
-          </a:p>
-          <a:p>
-            <a:pPr indent="0" lvl="0" marL="0" rtl="0" algn="ctr">
-              <a:lnSpc>
-                <a:spcPct val="115000"/>
-              </a:lnSpc>
-              <a:spcBef>
-                <a:spcPts val="0"/>
-              </a:spcBef>
-              <a:spcAft>
-                <a:spcPts val="0"/>
-              </a:spcAft>
-              <a:buNone/>
-            </a:pPr>
-            <a:r>
-              <a:t/>
-            </a:r>
-            <a:endParaRPr b="1" sz="2500">
+            <a:endParaRPr sz="2500" b="1" dirty="0">
               <a:solidFill>
                 <a:srgbClr val="5B5BA5"/>
               </a:solidFill>
@@ -9562,14 +9754,14 @@
             <a:avLst/>
           </a:prstGeom>
           <a:noFill/>
-          <a:ln cap="flat" cmpd="sng" w="28575">
+          <a:ln w="28575" cap="flat" cmpd="sng">
             <a:solidFill>
               <a:schemeClr val="dk2"/>
             </a:solidFill>
             <a:prstDash val="solid"/>
             <a:round/>
-            <a:headEnd len="med" w="med" type="none"/>
-            <a:tailEnd len="med" w="med" type="none"/>
+            <a:headEnd type="none" w="med" len="med"/>
+            <a:tailEnd type="none" w="med" len="med"/>
           </a:ln>
         </p:spPr>
       </p:cxnSp>
@@ -9588,14 +9780,14 @@
             <a:avLst/>
           </a:prstGeom>
           <a:noFill/>
-          <a:ln cap="flat" cmpd="sng" w="28575">
+          <a:ln w="28575" cap="flat" cmpd="sng">
             <a:solidFill>
               <a:schemeClr val="dk2"/>
             </a:solidFill>
             <a:prstDash val="solid"/>
             <a:round/>
-            <a:headEnd len="med" w="med" type="none"/>
-            <a:tailEnd len="med" w="med" type="none"/>
+            <a:headEnd type="none" w="med" len="med"/>
+            <a:tailEnd type="none" w="med" len="med"/>
           </a:ln>
         </p:spPr>
       </p:cxnSp>
@@ -9657,7 +9849,7 @@
       </p:pic>
       <p:pic>
         <p:nvPicPr>
-          <p:cNvPr descr="Glue, Pool, Adhesive, Fixed, A To Z Index" id="77" name="Google Shape;77;p13"/>
+          <p:cNvPr id="77" name="Google Shape;77;p13" descr="Glue, Pool, Adhesive, Fixed, A To Z Index"/>
           <p:cNvPicPr preferRelativeResize="0"/>
           <p:nvPr/>
         </p:nvPicPr>
@@ -9685,7 +9877,7 @@
       </p:pic>
       <p:pic>
         <p:nvPicPr>
-          <p:cNvPr descr="Computer, Desktop, Pc, Workstation" id="78" name="Google Shape;78;p13"/>
+          <p:cNvPr id="78" name="Google Shape;78;p13" descr="Computer, Desktop, Pc, Workstation"/>
           <p:cNvPicPr preferRelativeResize="0"/>
           <p:nvPr/>
         </p:nvPicPr>
@@ -9713,7 +9905,7 @@
       </p:pic>
       <p:pic>
         <p:nvPicPr>
-          <p:cNvPr descr="Tree, Forest, Trunk, Nature, Leaves, Branches, Organic" id="79" name="Google Shape;79;p13"/>
+          <p:cNvPr id="79" name="Google Shape;79;p13" descr="Tree, Forest, Trunk, Nature, Leaves, Branches, Organic"/>
           <p:cNvPicPr preferRelativeResize="0"/>
           <p:nvPr/>
         </p:nvPicPr>
@@ -9741,7 +9933,7 @@
       </p:pic>
       <p:pic>
         <p:nvPicPr>
-          <p:cNvPr descr="Flower, Water Lily, Lily, Lotus, Aquatic, Bloom" id="80" name="Google Shape;80;p13"/>
+          <p:cNvPr id="80" name="Google Shape;80;p13" descr="Flower, Water Lily, Lily, Lotus, Aquatic, Bloom"/>
           <p:cNvPicPr preferRelativeResize="0"/>
           <p:nvPr/>
         </p:nvPicPr>
@@ -9825,7 +10017,7 @@
       </p:pic>
       <p:pic>
         <p:nvPicPr>
-          <p:cNvPr descr="Dog, Hound, Mammal, Animal, Pet, Puppy, Cute, Canine" id="83" name="Google Shape;83;p13"/>
+          <p:cNvPr id="83" name="Google Shape;83;p13" descr="Dog, Hound, Mammal, Animal, Pet, Puppy, Cute, Canine"/>
           <p:cNvPicPr preferRelativeResize="0"/>
           <p:nvPr/>
         </p:nvPicPr>
@@ -9853,7 +10045,7 @@
       </p:pic>
       <p:pic>
         <p:nvPicPr>
-          <p:cNvPr descr="Cloud, Weather Forecast, Weather, Sky, Blue, White, Sun" id="84" name="Google Shape;84;p13"/>
+          <p:cNvPr id="84" name="Google Shape;84;p13" descr="Cloud, Weather Forecast, Weather, Sky, Blue, White, Sun"/>
           <p:cNvPicPr preferRelativeResize="0"/>
           <p:nvPr/>
         </p:nvPicPr>
@@ -9899,12 +10091,12 @@
           </a:ln>
         </p:spPr>
         <p:txBody>
-          <a:bodyPr anchorCtr="0" anchor="t" bIns="91425" lIns="91425" spcFirstLastPara="1" rIns="91425" wrap="square" tIns="91425">
+          <a:bodyPr spcFirstLastPara="1" wrap="square" lIns="91425" tIns="91425" rIns="91425" bIns="91425" anchor="t" anchorCtr="0">
             <a:noAutofit/>
           </a:bodyPr>
           <a:lstStyle/>
           <a:p>
-            <a:pPr indent="0" lvl="0" marL="0" rtl="0" algn="l">
+            <a:pPr marL="0" lvl="0" indent="0" algn="l" rtl="0">
               <a:lnSpc>
                 <a:spcPct val="138000"/>
               </a:lnSpc>
@@ -9945,7 +10137,7 @@
                 <a:hlinkClick r:id="rId13">
                   <a:extLst>
                     <a:ext uri="{A12FA001-AC4F-418D-AE19-62706E023703}">
-                      <ahyp:hlinkClr val="tx"/>
+                      <ahyp:hlinkClr xmlns:ahyp="http://schemas.microsoft.com/office/drawing/2018/hyperlinkcolor" val="tx"/>
                     </a:ext>
                   </a:extLst>
                 </a:hlinkClick>
@@ -9975,7 +10167,7 @@
             </a:endParaRPr>
           </a:p>
           <a:p>
-            <a:pPr indent="0" lvl="0" marL="0" rtl="0" algn="l">
+            <a:pPr marL="0" lvl="0" indent="0" algn="l" rtl="0">
               <a:lnSpc>
                 <a:spcPct val="138000"/>
               </a:lnSpc>
@@ -10011,7 +10203,7 @@
                 <a:hlinkClick r:id="rId14">
                   <a:extLst>
                     <a:ext uri="{A12FA001-AC4F-418D-AE19-62706E023703}">
-                      <ahyp:hlinkClr val="tx"/>
+                      <ahyp:hlinkClr xmlns:ahyp="http://schemas.microsoft.com/office/drawing/2018/hyperlinkcolor" val="tx"/>
                     </a:ext>
                   </a:extLst>
                 </a:hlinkClick>
@@ -10078,12 +10270,12 @@
           </a:ln>
         </p:spPr>
         <p:txBody>
-          <a:bodyPr anchorCtr="0" anchor="t" bIns="91425" lIns="91425" spcFirstLastPara="1" rIns="91425" wrap="square" tIns="91425">
+          <a:bodyPr spcFirstLastPara="1" wrap="square" lIns="91425" tIns="91425" rIns="91425" bIns="91425" anchor="t" anchorCtr="0">
             <a:spAutoFit/>
           </a:bodyPr>
           <a:lstStyle/>
           <a:p>
-            <a:pPr indent="0" lvl="0" marL="0" rtl="0" algn="r">
+            <a:pPr marL="0" lvl="0" indent="0" algn="r" rtl="0">
               <a:spcBef>
                 <a:spcPts val="0"/>
               </a:spcBef>
@@ -10109,7 +10301,7 @@
             </a:endParaRPr>
           </a:p>
           <a:p>
-            <a:pPr indent="0" lvl="0" marL="0" rtl="0" algn="r">
+            <a:pPr marL="0" lvl="0" indent="0" algn="r" rtl="0">
               <a:spcBef>
                 <a:spcPts val="0"/>
               </a:spcBef>
@@ -10135,7 +10327,7 @@
             </a:endParaRPr>
           </a:p>
           <a:p>
-            <a:pPr indent="0" lvl="0" marL="0" rtl="0" algn="r">
+            <a:pPr marL="0" lvl="0" indent="0" algn="r" rtl="0">
               <a:spcBef>
                 <a:spcPts val="0"/>
               </a:spcBef>
@@ -10199,7 +10391,7 @@
 </file>
 
 <file path=ppt/theme/theme1.xml><?xml version="1.0" encoding="utf-8"?>
-<a:theme xmlns:a="http://schemas.openxmlformats.org/drawingml/2006/main" xmlns:r="http://schemas.openxmlformats.org/officeDocument/2006/relationships" name="RPF Curriculum Slides">
+<a:theme xmlns:a="http://schemas.openxmlformats.org/drawingml/2006/main" name="RPF Curriculum Slides">
   <a:themeElements>
     <a:clrScheme name="Simple Light">
       <a:dk1>
@@ -10474,11 +10666,13 @@
       </a:bgFillStyleLst>
     </a:fmtScheme>
   </a:themeElements>
+  <a:objectDefaults/>
+  <a:extraClrSchemeLst/>
 </a:theme>
 </file>
 
 <file path=ppt/theme/theme2.xml><?xml version="1.0" encoding="utf-8"?>
-<a:theme xmlns:a="http://schemas.openxmlformats.org/drawingml/2006/main" xmlns:r="http://schemas.openxmlformats.org/officeDocument/2006/relationships">
+<a:theme xmlns:a="http://schemas.openxmlformats.org/drawingml/2006/main">
   <a:themeElements>
     <a:clrScheme name="Default">
       <a:dk1>
@@ -10753,5 +10947,7 @@
       </a:bgFillStyleLst>
     </a:fmtScheme>
   </a:themeElements>
+  <a:objectDefaults/>
+  <a:extraClrSchemeLst/>
 </a:theme>
 </file>